--- a/week_1/Logics.pptx
+++ b/week_1/Logics.pptx
@@ -5,54 +5,52 @@
     <p:sldMasterId id="2147483809" r:id="rId1"/>
   </p:sldMasterIdLst>
   <p:notesMasterIdLst>
-    <p:notesMasterId r:id="rId44"/>
+    <p:notesMasterId r:id="rId42"/>
   </p:notesMasterIdLst>
   <p:handoutMasterIdLst>
-    <p:handoutMasterId r:id="rId45"/>
+    <p:handoutMasterId r:id="rId43"/>
   </p:handoutMasterIdLst>
   <p:sldIdLst>
-    <p:sldId id="522" r:id="rId2"/>
-    <p:sldId id="537" r:id="rId3"/>
-    <p:sldId id="538" r:id="rId4"/>
-    <p:sldId id="555" r:id="rId5"/>
-    <p:sldId id="556" r:id="rId6"/>
-    <p:sldId id="557" r:id="rId7"/>
-    <p:sldId id="558" r:id="rId8"/>
-    <p:sldId id="559" r:id="rId9"/>
-    <p:sldId id="560" r:id="rId10"/>
-    <p:sldId id="561" r:id="rId11"/>
-    <p:sldId id="562" r:id="rId12"/>
-    <p:sldId id="563" r:id="rId13"/>
-    <p:sldId id="564" r:id="rId14"/>
-    <p:sldId id="565" r:id="rId15"/>
-    <p:sldId id="566" r:id="rId16"/>
-    <p:sldId id="567" r:id="rId17"/>
-    <p:sldId id="568" r:id="rId18"/>
-    <p:sldId id="569" r:id="rId19"/>
-    <p:sldId id="570" r:id="rId20"/>
-    <p:sldId id="571" r:id="rId21"/>
-    <p:sldId id="572" r:id="rId22"/>
-    <p:sldId id="573" r:id="rId23"/>
-    <p:sldId id="574" r:id="rId24"/>
-    <p:sldId id="575" r:id="rId25"/>
-    <p:sldId id="576" r:id="rId26"/>
-    <p:sldId id="577" r:id="rId27"/>
-    <p:sldId id="578" r:id="rId28"/>
-    <p:sldId id="579" r:id="rId29"/>
-    <p:sldId id="580" r:id="rId30"/>
-    <p:sldId id="581" r:id="rId31"/>
-    <p:sldId id="582" r:id="rId32"/>
-    <p:sldId id="583" r:id="rId33"/>
-    <p:sldId id="584" r:id="rId34"/>
-    <p:sldId id="585" r:id="rId35"/>
-    <p:sldId id="586" r:id="rId36"/>
-    <p:sldId id="587" r:id="rId37"/>
-    <p:sldId id="588" r:id="rId38"/>
-    <p:sldId id="589" r:id="rId39"/>
-    <p:sldId id="590" r:id="rId40"/>
-    <p:sldId id="591" r:id="rId41"/>
-    <p:sldId id="592" r:id="rId42"/>
-    <p:sldId id="593" r:id="rId43"/>
+    <p:sldId id="537" r:id="rId2"/>
+    <p:sldId id="555" r:id="rId3"/>
+    <p:sldId id="556" r:id="rId4"/>
+    <p:sldId id="557" r:id="rId5"/>
+    <p:sldId id="558" r:id="rId6"/>
+    <p:sldId id="559" r:id="rId7"/>
+    <p:sldId id="560" r:id="rId8"/>
+    <p:sldId id="561" r:id="rId9"/>
+    <p:sldId id="562" r:id="rId10"/>
+    <p:sldId id="563" r:id="rId11"/>
+    <p:sldId id="564" r:id="rId12"/>
+    <p:sldId id="565" r:id="rId13"/>
+    <p:sldId id="566" r:id="rId14"/>
+    <p:sldId id="567" r:id="rId15"/>
+    <p:sldId id="568" r:id="rId16"/>
+    <p:sldId id="569" r:id="rId17"/>
+    <p:sldId id="570" r:id="rId18"/>
+    <p:sldId id="571" r:id="rId19"/>
+    <p:sldId id="572" r:id="rId20"/>
+    <p:sldId id="573" r:id="rId21"/>
+    <p:sldId id="574" r:id="rId22"/>
+    <p:sldId id="575" r:id="rId23"/>
+    <p:sldId id="576" r:id="rId24"/>
+    <p:sldId id="577" r:id="rId25"/>
+    <p:sldId id="578" r:id="rId26"/>
+    <p:sldId id="579" r:id="rId27"/>
+    <p:sldId id="580" r:id="rId28"/>
+    <p:sldId id="581" r:id="rId29"/>
+    <p:sldId id="582" r:id="rId30"/>
+    <p:sldId id="583" r:id="rId31"/>
+    <p:sldId id="584" r:id="rId32"/>
+    <p:sldId id="585" r:id="rId33"/>
+    <p:sldId id="586" r:id="rId34"/>
+    <p:sldId id="587" r:id="rId35"/>
+    <p:sldId id="588" r:id="rId36"/>
+    <p:sldId id="589" r:id="rId37"/>
+    <p:sldId id="590" r:id="rId38"/>
+    <p:sldId id="591" r:id="rId39"/>
+    <p:sldId id="592" r:id="rId40"/>
+    <p:sldId id="593" r:id="rId41"/>
   </p:sldIdLst>
   <p:sldSz cx="9144000" cy="6858000" type="screen4x3"/>
   <p:notesSz cx="6858000" cy="9144000"/>
@@ -843,7 +841,7 @@
           <a:p>
             <a:fld id="{5F059FD8-84C4-449F-8897-0F44162DAC12}" type="slidenum">
               <a:rPr lang="en-GB" smtClean="0"/>
-              <a:t>2</a:t>
+              <a:t>1</a:t>
             </a:fld>
             <a:endParaRPr lang="en-GB"/>
           </a:p>
@@ -933,7 +931,7 @@
               <a:pPr>
                 <a:defRPr/>
               </a:pPr>
-              <a:t>12</a:t>
+              <a:t>10</a:t>
             </a:fld>
             <a:endParaRPr lang="en-GB"/>
           </a:p>
@@ -4424,1708 +4422,95 @@
       </p:grpSpPr>
       <p:sp>
         <p:nvSpPr>
-          <p:cNvPr id="4" name="Slide Number Placeholder 3">
-            <a:extLst>
-              <a:ext uri="{FF2B5EF4-FFF2-40B4-BE49-F238E27FC236}">
-                <a16:creationId xmlns:a16="http://schemas.microsoft.com/office/drawing/2014/main" id="{06F8791D-CD90-463D-B255-4D6F24984C16}"/>
-              </a:ext>
-            </a:extLst>
-          </p:cNvPr>
-          <p:cNvSpPr>
-            <a:spLocks noGrp="1"/>
+          <p:cNvPr id="4" name="Title 1"/>
+          <p:cNvSpPr txBox="1">
+            <a:spLocks/>
           </p:cNvSpPr>
-          <p:nvPr>
-            <p:ph type="sldNum" sz="quarter" idx="12"/>
-          </p:nvPr>
+          <p:nvPr/>
         </p:nvSpPr>
-        <p:spPr/>
+        <p:spPr>
+          <a:xfrm>
+            <a:off x="0" y="2132856"/>
+            <a:ext cx="9144000" cy="1512168"/>
+          </a:xfrm>
+          <a:prstGeom prst="rect">
+            <a:avLst/>
+          </a:prstGeom>
+          <a:solidFill>
+            <a:srgbClr val="F8AC00"/>
+          </a:solidFill>
+        </p:spPr>
         <p:txBody>
-          <a:bodyPr/>
-          <a:lstStyle/>
-          <a:p>
-            <a:pPr>
-              <a:defRPr/>
-            </a:pPr>
-            <a:r>
-              <a:rPr lang="en-GB"/>
-              <a:t>Slide  </a:t>
-            </a:r>
-            <a:fld id="{35EF31DC-37E0-46A7-B0BE-61665DB0F5C0}" type="slidenum">
-              <a:rPr lang="en-GB" smtClean="0"/>
-              <a:pPr>
-                <a:defRPr/>
-              </a:pPr>
-              <a:t>1</a:t>
-            </a:fld>
-            <a:endParaRPr lang="en-GB"/>
+          <a:bodyPr vert="horz" lIns="91440" tIns="45720" rIns="91440" bIns="45720" rtlCol="0" anchor="t">
+            <a:noAutofit/>
+          </a:bodyPr>
+          <a:lstStyle>
+            <a:lvl1pPr algn="l" defTabSz="457200" rtl="0" eaLnBrk="1" latinLnBrk="0" hangingPunct="1">
+              <a:spcBef>
+                <a:spcPct val="0"/>
+              </a:spcBef>
+              <a:buNone/>
+              <a:defRPr sz="4000" b="1" kern="1200" cap="all">
+                <a:solidFill>
+                  <a:schemeClr val="tx1"/>
+                </a:solidFill>
+                <a:latin typeface="+mj-lt"/>
+                <a:ea typeface="+mj-ea"/>
+                <a:cs typeface="+mj-cs"/>
+              </a:defRPr>
+            </a:lvl1pPr>
+          </a:lstStyle>
+          <a:p>
+            <a:pPr algn="ctr"/>
+            <a:r>
+              <a:rPr lang="en-GB" sz="9600" dirty="0" smtClean="0">
+                <a:solidFill>
+                  <a:schemeClr val="bg1"/>
+                </a:solidFill>
+                <a:latin typeface="+mn-lt"/>
+                <a:cs typeface="Arial" panose="020B0604020202020204" pitchFamily="34" charset="0"/>
+              </a:rPr>
+              <a:t>Logics</a:t>
+            </a:r>
+            <a:endParaRPr lang="en-GB" sz="9600" dirty="0">
+              <a:solidFill>
+                <a:schemeClr val="bg1"/>
+              </a:solidFill>
+              <a:latin typeface="+mn-lt"/>
+              <a:cs typeface="Calibri" pitchFamily="34" charset="0"/>
+            </a:endParaRPr>
           </a:p>
         </p:txBody>
       </p:sp>
     </p:spTree>
     <p:extLst>
       <p:ext uri="{BB962C8B-B14F-4D97-AF65-F5344CB8AC3E}">
-        <p14:creationId xmlns:p14="http://schemas.microsoft.com/office/powerpoint/2010/main" val="3166641172"/>
+        <p14:creationId xmlns:p14="http://schemas.microsoft.com/office/powerpoint/2010/main" val="1107350986"/>
       </p:ext>
     </p:extLst>
   </p:cSld>
   <p:clrMapOvr>
     <a:masterClrMapping/>
   </p:clrMapOvr>
+  <mc:AlternateContent xmlns:mc="http://schemas.openxmlformats.org/markup-compatibility/2006" xmlns:p14="http://schemas.microsoft.com/office/powerpoint/2010/main">
+    <mc:Choice Requires="p14">
+      <p:transition spd="slow" p14:dur="2000"/>
+    </mc:Choice>
+    <mc:Fallback xmlns="">
+      <p:transition spd="slow"/>
+    </mc:Fallback>
+  </mc:AlternateContent>
+  <p:timing>
+    <p:tnLst>
+      <p:par>
+        <p:cTn id="1" dur="indefinite" restart="never" nodeType="tmRoot"/>
+      </p:par>
+    </p:tnLst>
+  </p:timing>
 </p:sld>
 </file>
 
 <file path=ppt/slides/slide10.xml><?xml version="1.0" encoding="utf-8"?>
-<p:sld xmlns:a="http://schemas.openxmlformats.org/drawingml/2006/main" xmlns:r="http://schemas.openxmlformats.org/officeDocument/2006/relationships" xmlns:p="http://schemas.openxmlformats.org/presentationml/2006/main">
-  <p:cSld>
-    <p:spTree>
-      <p:nvGrpSpPr>
-        <p:cNvPr id="1" name=""/>
-        <p:cNvGrpSpPr/>
-        <p:nvPr/>
-      </p:nvGrpSpPr>
-      <p:grpSpPr>
-        <a:xfrm>
-          <a:off x="0" y="0"/>
-          <a:ext cx="0" cy="0"/>
-          <a:chOff x="0" y="0"/>
-          <a:chExt cx="0" cy="0"/>
-        </a:xfrm>
-      </p:grpSpPr>
-      <p:sp>
-        <p:nvSpPr>
-          <p:cNvPr id="10242" name="Slide Number Placeholder 3"/>
-          <p:cNvSpPr>
-            <a:spLocks noGrp="1"/>
-          </p:cNvSpPr>
-          <p:nvPr>
-            <p:ph type="sldNum" sz="quarter" idx="10"/>
-          </p:nvPr>
-        </p:nvSpPr>
-        <p:spPr>
-          <a:noFill/>
-        </p:spPr>
-        <p:txBody>
-          <a:bodyPr/>
-          <a:lstStyle>
-            <a:lvl1pPr algn="ctr">
-              <a:defRPr sz="4000" b="1">
-                <a:solidFill>
-                  <a:schemeClr val="tx1"/>
-                </a:solidFill>
-                <a:latin typeface="Arial" panose="020B0604020202020204" pitchFamily="34" charset="0"/>
-              </a:defRPr>
-            </a:lvl1pPr>
-            <a:lvl2pPr marL="742950" indent="-285750" algn="ctr">
-              <a:defRPr sz="4000" b="1">
-                <a:solidFill>
-                  <a:schemeClr val="tx1"/>
-                </a:solidFill>
-                <a:latin typeface="Arial" panose="020B0604020202020204" pitchFamily="34" charset="0"/>
-              </a:defRPr>
-            </a:lvl2pPr>
-            <a:lvl3pPr marL="1143000" indent="-228600" algn="ctr">
-              <a:defRPr sz="4000" b="1">
-                <a:solidFill>
-                  <a:schemeClr val="tx1"/>
-                </a:solidFill>
-                <a:latin typeface="Arial" panose="020B0604020202020204" pitchFamily="34" charset="0"/>
-              </a:defRPr>
-            </a:lvl3pPr>
-            <a:lvl4pPr marL="1600200" indent="-228600" algn="ctr">
-              <a:defRPr sz="4000" b="1">
-                <a:solidFill>
-                  <a:schemeClr val="tx1"/>
-                </a:solidFill>
-                <a:latin typeface="Arial" panose="020B0604020202020204" pitchFamily="34" charset="0"/>
-              </a:defRPr>
-            </a:lvl4pPr>
-            <a:lvl5pPr marL="2057400" indent="-228600" algn="ctr">
-              <a:defRPr sz="4000" b="1">
-                <a:solidFill>
-                  <a:schemeClr val="tx1"/>
-                </a:solidFill>
-                <a:latin typeface="Arial" panose="020B0604020202020204" pitchFamily="34" charset="0"/>
-              </a:defRPr>
-            </a:lvl5pPr>
-            <a:lvl6pPr marL="2514600" indent="-228600" algn="ctr" eaLnBrk="0" fontAlgn="base" hangingPunct="0">
-              <a:spcBef>
-                <a:spcPct val="0"/>
-              </a:spcBef>
-              <a:spcAft>
-                <a:spcPct val="0"/>
-              </a:spcAft>
-              <a:defRPr sz="4000" b="1">
-                <a:solidFill>
-                  <a:schemeClr val="tx1"/>
-                </a:solidFill>
-                <a:latin typeface="Arial" panose="020B0604020202020204" pitchFamily="34" charset="0"/>
-              </a:defRPr>
-            </a:lvl6pPr>
-            <a:lvl7pPr marL="2971800" indent="-228600" algn="ctr" eaLnBrk="0" fontAlgn="base" hangingPunct="0">
-              <a:spcBef>
-                <a:spcPct val="0"/>
-              </a:spcBef>
-              <a:spcAft>
-                <a:spcPct val="0"/>
-              </a:spcAft>
-              <a:defRPr sz="4000" b="1">
-                <a:solidFill>
-                  <a:schemeClr val="tx1"/>
-                </a:solidFill>
-                <a:latin typeface="Arial" panose="020B0604020202020204" pitchFamily="34" charset="0"/>
-              </a:defRPr>
-            </a:lvl7pPr>
-            <a:lvl8pPr marL="3429000" indent="-228600" algn="ctr" eaLnBrk="0" fontAlgn="base" hangingPunct="0">
-              <a:spcBef>
-                <a:spcPct val="0"/>
-              </a:spcBef>
-              <a:spcAft>
-                <a:spcPct val="0"/>
-              </a:spcAft>
-              <a:defRPr sz="4000" b="1">
-                <a:solidFill>
-                  <a:schemeClr val="tx1"/>
-                </a:solidFill>
-                <a:latin typeface="Arial" panose="020B0604020202020204" pitchFamily="34" charset="0"/>
-              </a:defRPr>
-            </a:lvl8pPr>
-            <a:lvl9pPr marL="3886200" indent="-228600" algn="ctr" eaLnBrk="0" fontAlgn="base" hangingPunct="0">
-              <a:spcBef>
-                <a:spcPct val="0"/>
-              </a:spcBef>
-              <a:spcAft>
-                <a:spcPct val="0"/>
-              </a:spcAft>
-              <a:defRPr sz="4000" b="1">
-                <a:solidFill>
-                  <a:schemeClr val="tx1"/>
-                </a:solidFill>
-                <a:latin typeface="Arial" panose="020B0604020202020204" pitchFamily="34" charset="0"/>
-              </a:defRPr>
-            </a:lvl9pPr>
-          </a:lstStyle>
-          <a:p>
-            <a:pPr algn="r"/>
-            <a:fld id="{D5D90056-7EC8-4E9C-882F-F0368606117E}" type="slidenum">
-              <a:rPr lang="en-US" altLang="en-US" sz="1400"/>
-              <a:pPr algn="r"/>
-              <a:t>10</a:t>
-            </a:fld>
-            <a:endParaRPr lang="en-US" altLang="en-US" sz="1400"/>
-          </a:p>
-        </p:txBody>
-      </p:sp>
-      <p:sp>
-        <p:nvSpPr>
-          <p:cNvPr id="10243" name="Rectangle 2"/>
-          <p:cNvSpPr>
-            <a:spLocks noGrp="1" noChangeArrowheads="1"/>
-          </p:cNvSpPr>
-          <p:nvPr>
-            <p:ph type="title"/>
-          </p:nvPr>
-        </p:nvSpPr>
-        <p:spPr/>
-        <p:txBody>
-          <a:bodyPr/>
-          <a:lstStyle/>
-          <a:p>
-            <a:pPr algn="l" eaLnBrk="1" hangingPunct="1"/>
-            <a:r>
-              <a:rPr lang="en-US" altLang="en-US" b="1" dirty="0" smtClean="0"/>
-              <a:t>Examples</a:t>
-            </a:r>
-          </a:p>
-        </p:txBody>
-      </p:sp>
-      <p:sp>
-        <p:nvSpPr>
-          <p:cNvPr id="10244" name="Rectangle 3"/>
-          <p:cNvSpPr>
-            <a:spLocks noGrp="1" noChangeArrowheads="1"/>
-          </p:cNvSpPr>
-          <p:nvPr>
-            <p:ph type="body" idx="1"/>
-          </p:nvPr>
-        </p:nvSpPr>
-        <p:spPr>
-          <a:xfrm>
-            <a:off x="539552" y="1417639"/>
-            <a:ext cx="8229600" cy="4525963"/>
-          </a:xfrm>
-        </p:spPr>
-        <p:txBody>
-          <a:bodyPr/>
-          <a:lstStyle/>
-          <a:p>
-            <a:pPr marL="609600" indent="-609600" eaLnBrk="1" hangingPunct="1">
-              <a:buFontTx/>
-              <a:buNone/>
-            </a:pPr>
-            <a:r>
-              <a:rPr lang="en-US" altLang="en-US" dirty="0" smtClean="0"/>
-              <a:t>p: It is below freezing</a:t>
-            </a:r>
-          </a:p>
-          <a:p>
-            <a:pPr marL="609600" indent="-609600" eaLnBrk="1" hangingPunct="1">
-              <a:buFontTx/>
-              <a:buNone/>
-            </a:pPr>
-            <a:r>
-              <a:rPr lang="en-US" altLang="en-US" dirty="0" smtClean="0"/>
-              <a:t>q: It is snowing</a:t>
-            </a:r>
-          </a:p>
-          <a:p>
-            <a:pPr marL="609600" indent="-609600" eaLnBrk="1" hangingPunct="1">
-              <a:buFontTx/>
-              <a:buNone/>
-            </a:pPr>
-            <a:endParaRPr lang="en-US" altLang="en-US" dirty="0" smtClean="0"/>
-          </a:p>
-          <a:p>
-            <a:pPr marL="609600" indent="-609600" eaLnBrk="1" hangingPunct="1">
-              <a:buFontTx/>
-              <a:buAutoNum type="alphaLcParenBoth"/>
-            </a:pPr>
-            <a:r>
-              <a:rPr lang="en-US" altLang="en-US" dirty="0" smtClean="0"/>
-              <a:t>It is below freezing and snowing</a:t>
-            </a:r>
-          </a:p>
-          <a:p>
-            <a:pPr marL="609600" indent="-609600" eaLnBrk="1" hangingPunct="1">
-              <a:buFontTx/>
-              <a:buAutoNum type="alphaLcParenBoth"/>
-            </a:pPr>
-            <a:r>
-              <a:rPr lang="en-US" altLang="en-US" dirty="0" smtClean="0"/>
-              <a:t>It is below freezing but now snowing</a:t>
-            </a:r>
-          </a:p>
-          <a:p>
-            <a:pPr marL="609600" indent="-609600" eaLnBrk="1" hangingPunct="1">
-              <a:buFontTx/>
-              <a:buNone/>
-            </a:pPr>
-            <a:r>
-              <a:rPr lang="en-US" altLang="en-US" dirty="0" smtClean="0"/>
-              <a:t>(d) It is either snowing or below freezing (or both)</a:t>
-            </a:r>
-          </a:p>
-        </p:txBody>
-      </p:sp>
-    </p:spTree>
-    <p:extLst>
-      <p:ext uri="{BB962C8B-B14F-4D97-AF65-F5344CB8AC3E}">
-        <p14:creationId xmlns:p14="http://schemas.microsoft.com/office/powerpoint/2010/main" val="256605149"/>
-      </p:ext>
-    </p:extLst>
-  </p:cSld>
-  <p:clrMapOvr>
-    <a:masterClrMapping/>
-  </p:clrMapOvr>
-</p:sld>
-</file>
-
-<file path=ppt/slides/slide11.xml><?xml version="1.0" encoding="utf-8"?>
-<p:sld xmlns:a="http://schemas.openxmlformats.org/drawingml/2006/main" xmlns:r="http://schemas.openxmlformats.org/officeDocument/2006/relationships" xmlns:p="http://schemas.openxmlformats.org/presentationml/2006/main">
-  <p:cSld>
-    <p:spTree>
-      <p:nvGrpSpPr>
-        <p:cNvPr id="1" name=""/>
-        <p:cNvGrpSpPr/>
-        <p:nvPr/>
-      </p:nvGrpSpPr>
-      <p:grpSpPr>
-        <a:xfrm>
-          <a:off x="0" y="0"/>
-          <a:ext cx="0" cy="0"/>
-          <a:chOff x="0" y="0"/>
-          <a:chExt cx="0" cy="0"/>
-        </a:xfrm>
-      </p:grpSpPr>
-      <p:sp>
-        <p:nvSpPr>
-          <p:cNvPr id="11266" name="Slide Number Placeholder 3"/>
-          <p:cNvSpPr>
-            <a:spLocks noGrp="1"/>
-          </p:cNvSpPr>
-          <p:nvPr>
-            <p:ph type="sldNum" sz="quarter" idx="10"/>
-          </p:nvPr>
-        </p:nvSpPr>
-        <p:spPr>
-          <a:noFill/>
-        </p:spPr>
-        <p:txBody>
-          <a:bodyPr/>
-          <a:lstStyle>
-            <a:lvl1pPr algn="ctr">
-              <a:defRPr sz="4000" b="1">
-                <a:solidFill>
-                  <a:schemeClr val="tx1"/>
-                </a:solidFill>
-                <a:latin typeface="Arial" panose="020B0604020202020204" pitchFamily="34" charset="0"/>
-              </a:defRPr>
-            </a:lvl1pPr>
-            <a:lvl2pPr marL="742950" indent="-285750" algn="ctr">
-              <a:defRPr sz="4000" b="1">
-                <a:solidFill>
-                  <a:schemeClr val="tx1"/>
-                </a:solidFill>
-                <a:latin typeface="Arial" panose="020B0604020202020204" pitchFamily="34" charset="0"/>
-              </a:defRPr>
-            </a:lvl2pPr>
-            <a:lvl3pPr marL="1143000" indent="-228600" algn="ctr">
-              <a:defRPr sz="4000" b="1">
-                <a:solidFill>
-                  <a:schemeClr val="tx1"/>
-                </a:solidFill>
-                <a:latin typeface="Arial" panose="020B0604020202020204" pitchFamily="34" charset="0"/>
-              </a:defRPr>
-            </a:lvl3pPr>
-            <a:lvl4pPr marL="1600200" indent="-228600" algn="ctr">
-              <a:defRPr sz="4000" b="1">
-                <a:solidFill>
-                  <a:schemeClr val="tx1"/>
-                </a:solidFill>
-                <a:latin typeface="Arial" panose="020B0604020202020204" pitchFamily="34" charset="0"/>
-              </a:defRPr>
-            </a:lvl4pPr>
-            <a:lvl5pPr marL="2057400" indent="-228600" algn="ctr">
-              <a:defRPr sz="4000" b="1">
-                <a:solidFill>
-                  <a:schemeClr val="tx1"/>
-                </a:solidFill>
-                <a:latin typeface="Arial" panose="020B0604020202020204" pitchFamily="34" charset="0"/>
-              </a:defRPr>
-            </a:lvl5pPr>
-            <a:lvl6pPr marL="2514600" indent="-228600" algn="ctr" eaLnBrk="0" fontAlgn="base" hangingPunct="0">
-              <a:spcBef>
-                <a:spcPct val="0"/>
-              </a:spcBef>
-              <a:spcAft>
-                <a:spcPct val="0"/>
-              </a:spcAft>
-              <a:defRPr sz="4000" b="1">
-                <a:solidFill>
-                  <a:schemeClr val="tx1"/>
-                </a:solidFill>
-                <a:latin typeface="Arial" panose="020B0604020202020204" pitchFamily="34" charset="0"/>
-              </a:defRPr>
-            </a:lvl6pPr>
-            <a:lvl7pPr marL="2971800" indent="-228600" algn="ctr" eaLnBrk="0" fontAlgn="base" hangingPunct="0">
-              <a:spcBef>
-                <a:spcPct val="0"/>
-              </a:spcBef>
-              <a:spcAft>
-                <a:spcPct val="0"/>
-              </a:spcAft>
-              <a:defRPr sz="4000" b="1">
-                <a:solidFill>
-                  <a:schemeClr val="tx1"/>
-                </a:solidFill>
-                <a:latin typeface="Arial" panose="020B0604020202020204" pitchFamily="34" charset="0"/>
-              </a:defRPr>
-            </a:lvl7pPr>
-            <a:lvl8pPr marL="3429000" indent="-228600" algn="ctr" eaLnBrk="0" fontAlgn="base" hangingPunct="0">
-              <a:spcBef>
-                <a:spcPct val="0"/>
-              </a:spcBef>
-              <a:spcAft>
-                <a:spcPct val="0"/>
-              </a:spcAft>
-              <a:defRPr sz="4000" b="1">
-                <a:solidFill>
-                  <a:schemeClr val="tx1"/>
-                </a:solidFill>
-                <a:latin typeface="Arial" panose="020B0604020202020204" pitchFamily="34" charset="0"/>
-              </a:defRPr>
-            </a:lvl8pPr>
-            <a:lvl9pPr marL="3886200" indent="-228600" algn="ctr" eaLnBrk="0" fontAlgn="base" hangingPunct="0">
-              <a:spcBef>
-                <a:spcPct val="0"/>
-              </a:spcBef>
-              <a:spcAft>
-                <a:spcPct val="0"/>
-              </a:spcAft>
-              <a:defRPr sz="4000" b="1">
-                <a:solidFill>
-                  <a:schemeClr val="tx1"/>
-                </a:solidFill>
-                <a:latin typeface="Arial" panose="020B0604020202020204" pitchFamily="34" charset="0"/>
-              </a:defRPr>
-            </a:lvl9pPr>
-          </a:lstStyle>
-          <a:p>
-            <a:pPr algn="r"/>
-            <a:fld id="{2ADBC945-B989-41FA-A598-93097FF9EA26}" type="slidenum">
-              <a:rPr lang="en-US" altLang="en-US" sz="1400"/>
-              <a:pPr algn="r"/>
-              <a:t>11</a:t>
-            </a:fld>
-            <a:endParaRPr lang="en-US" altLang="en-US" sz="1400"/>
-          </a:p>
-        </p:txBody>
-      </p:sp>
-      <p:sp>
-        <p:nvSpPr>
-          <p:cNvPr id="11267" name="Rectangle 2"/>
-          <p:cNvSpPr>
-            <a:spLocks noGrp="1" noChangeArrowheads="1"/>
-          </p:cNvSpPr>
-          <p:nvPr>
-            <p:ph type="title"/>
-          </p:nvPr>
-        </p:nvSpPr>
-        <p:spPr/>
-        <p:txBody>
-          <a:bodyPr/>
-          <a:lstStyle/>
-          <a:p>
-            <a:pPr eaLnBrk="1" hangingPunct="1"/>
-            <a:r>
-              <a:rPr lang="en-US" altLang="en-US" smtClean="0"/>
-              <a:t>Exclusive OR (XOR)</a:t>
-            </a:r>
-          </a:p>
-        </p:txBody>
-      </p:sp>
-      <p:sp>
-        <p:nvSpPr>
-          <p:cNvPr id="11268" name="Rectangle 5"/>
-          <p:cNvSpPr txBox="1">
-            <a:spLocks noChangeArrowheads="1"/>
-          </p:cNvSpPr>
-          <p:nvPr/>
-        </p:nvSpPr>
-        <p:spPr bwMode="auto">
-          <a:xfrm>
-            <a:off x="711200" y="1219200"/>
-            <a:ext cx="8077200" cy="5029200"/>
-          </a:xfrm>
-          <a:prstGeom prst="rect">
-            <a:avLst/>
-          </a:prstGeom>
-          <a:noFill/>
-          <a:ln>
-            <a:noFill/>
-          </a:ln>
-          <a:effectLst/>
-          <a:extLst>
-            <a:ext uri="{909E8E84-426E-40DD-AFC4-6F175D3DCCD1}">
-              <a14:hiddenFill xmlns:a14="http://schemas.microsoft.com/office/drawing/2010/main">
-                <a:solidFill>
-                  <a:schemeClr val="accent1"/>
-                </a:solidFill>
-              </a14:hiddenFill>
-            </a:ext>
-            <a:ext uri="{91240B29-F687-4F45-9708-019B960494DF}">
-              <a14:hiddenLine xmlns:a14="http://schemas.microsoft.com/office/drawing/2010/main" w="9525">
-                <a:solidFill>
-                  <a:schemeClr val="tx1"/>
-                </a:solidFill>
-                <a:miter lim="800000"/>
-                <a:headEnd/>
-                <a:tailEnd/>
-              </a14:hiddenLine>
-            </a:ext>
-            <a:ext uri="{AF507438-7753-43E0-B8FC-AC1667EBCBE1}">
-              <a14:hiddenEffects xmlns:a14="http://schemas.microsoft.com/office/drawing/2010/main">
-                <a:effectLst>
-                  <a:outerShdw dist="35921" dir="2700000" algn="ctr" rotWithShape="0">
-                    <a:schemeClr val="bg2"/>
-                  </a:outerShdw>
-                </a:effectLst>
-              </a14:hiddenEffects>
-            </a:ext>
-          </a:extLst>
-        </p:spPr>
-        <p:txBody>
-          <a:bodyPr/>
-          <a:lstStyle>
-            <a:lvl1pPr marL="342900" indent="-342900">
-              <a:spcBef>
-                <a:spcPct val="20000"/>
-              </a:spcBef>
-              <a:buChar char="•"/>
-              <a:defRPr sz="3200">
-                <a:solidFill>
-                  <a:schemeClr val="tx1"/>
-                </a:solidFill>
-                <a:latin typeface="Arial" panose="020B0604020202020204" pitchFamily="34" charset="0"/>
-              </a:defRPr>
-            </a:lvl1pPr>
-            <a:lvl2pPr marL="742950" indent="-285750">
-              <a:spcBef>
-                <a:spcPct val="20000"/>
-              </a:spcBef>
-              <a:buChar char="–"/>
-              <a:defRPr sz="2800">
-                <a:solidFill>
-                  <a:schemeClr val="tx1"/>
-                </a:solidFill>
-                <a:latin typeface="Arial" panose="020B0604020202020204" pitchFamily="34" charset="0"/>
-              </a:defRPr>
-            </a:lvl2pPr>
-            <a:lvl3pPr marL="1143000" indent="-228600">
-              <a:spcBef>
-                <a:spcPct val="20000"/>
-              </a:spcBef>
-              <a:buChar char="•"/>
-              <a:defRPr sz="2400">
-                <a:solidFill>
-                  <a:schemeClr val="tx1"/>
-                </a:solidFill>
-                <a:latin typeface="Arial" panose="020B0604020202020204" pitchFamily="34" charset="0"/>
-              </a:defRPr>
-            </a:lvl3pPr>
-            <a:lvl4pPr marL="1600200" indent="-228600">
-              <a:spcBef>
-                <a:spcPct val="20000"/>
-              </a:spcBef>
-              <a:buChar char="–"/>
-              <a:defRPr sz="2000">
-                <a:solidFill>
-                  <a:schemeClr val="tx1"/>
-                </a:solidFill>
-                <a:latin typeface="Arial" panose="020B0604020202020204" pitchFamily="34" charset="0"/>
-              </a:defRPr>
-            </a:lvl4pPr>
-            <a:lvl5pPr marL="2057400" indent="-228600">
-              <a:spcBef>
-                <a:spcPct val="20000"/>
-              </a:spcBef>
-              <a:buChar char="»"/>
-              <a:defRPr sz="2000">
-                <a:solidFill>
-                  <a:schemeClr val="tx1"/>
-                </a:solidFill>
-                <a:latin typeface="Arial" panose="020B0604020202020204" pitchFamily="34" charset="0"/>
-              </a:defRPr>
-            </a:lvl5pPr>
-            <a:lvl6pPr marL="2514600" indent="-228600" eaLnBrk="0" fontAlgn="base" hangingPunct="0">
-              <a:spcBef>
-                <a:spcPct val="20000"/>
-              </a:spcBef>
-              <a:spcAft>
-                <a:spcPct val="0"/>
-              </a:spcAft>
-              <a:buChar char="»"/>
-              <a:defRPr sz="2000">
-                <a:solidFill>
-                  <a:schemeClr val="tx1"/>
-                </a:solidFill>
-                <a:latin typeface="Arial" panose="020B0604020202020204" pitchFamily="34" charset="0"/>
-              </a:defRPr>
-            </a:lvl6pPr>
-            <a:lvl7pPr marL="2971800" indent="-228600" eaLnBrk="0" fontAlgn="base" hangingPunct="0">
-              <a:spcBef>
-                <a:spcPct val="20000"/>
-              </a:spcBef>
-              <a:spcAft>
-                <a:spcPct val="0"/>
-              </a:spcAft>
-              <a:buChar char="»"/>
-              <a:defRPr sz="2000">
-                <a:solidFill>
-                  <a:schemeClr val="tx1"/>
-                </a:solidFill>
-                <a:latin typeface="Arial" panose="020B0604020202020204" pitchFamily="34" charset="0"/>
-              </a:defRPr>
-            </a:lvl7pPr>
-            <a:lvl8pPr marL="3429000" indent="-228600" eaLnBrk="0" fontAlgn="base" hangingPunct="0">
-              <a:spcBef>
-                <a:spcPct val="20000"/>
-              </a:spcBef>
-              <a:spcAft>
-                <a:spcPct val="0"/>
-              </a:spcAft>
-              <a:buChar char="»"/>
-              <a:defRPr sz="2000">
-                <a:solidFill>
-                  <a:schemeClr val="tx1"/>
-                </a:solidFill>
-                <a:latin typeface="Arial" panose="020B0604020202020204" pitchFamily="34" charset="0"/>
-              </a:defRPr>
-            </a:lvl8pPr>
-            <a:lvl9pPr marL="3886200" indent="-228600" eaLnBrk="0" fontAlgn="base" hangingPunct="0">
-              <a:spcBef>
-                <a:spcPct val="20000"/>
-              </a:spcBef>
-              <a:spcAft>
-                <a:spcPct val="0"/>
-              </a:spcAft>
-              <a:buChar char="»"/>
-              <a:defRPr sz="2000">
-                <a:solidFill>
-                  <a:schemeClr val="tx1"/>
-                </a:solidFill>
-                <a:latin typeface="Arial" panose="020B0604020202020204" pitchFamily="34" charset="0"/>
-              </a:defRPr>
-            </a:lvl9pPr>
-          </a:lstStyle>
-          <a:p>
-            <a:pPr eaLnBrk="1" hangingPunct="1"/>
-            <a:r>
-              <a:rPr lang="en-US" altLang="en-US" b="0" dirty="0">
-                <a:latin typeface="+mn-lt"/>
-              </a:rPr>
-              <a:t>Binary</a:t>
-            </a:r>
-            <a:br>
-              <a:rPr lang="en-US" altLang="en-US" b="0" dirty="0">
-                <a:latin typeface="+mn-lt"/>
-              </a:rPr>
-            </a:br>
-            <a:r>
-              <a:rPr lang="en-US" altLang="en-US" sz="3200" b="0" dirty="0" smtClean="0">
-                <a:latin typeface="+mn-lt"/>
-              </a:rPr>
-              <a:t>Exclusive </a:t>
-            </a:r>
-            <a:r>
-              <a:rPr lang="en-US" altLang="en-US" sz="3200" b="0" dirty="0">
-                <a:latin typeface="+mn-lt"/>
-              </a:rPr>
-              <a:t>OR: Symbol </a:t>
-            </a:r>
-            <a:r>
-              <a:rPr lang="en-US" altLang="en-US" sz="3200" b="0" dirty="0">
-                <a:latin typeface="+mn-lt"/>
-                <a:sym typeface="Symbol" panose="05050102010706020507" pitchFamily="18" charset="2"/>
-              </a:rPr>
-              <a:t></a:t>
-            </a:r>
-            <a:br>
-              <a:rPr lang="en-US" altLang="en-US" sz="3200" b="0" dirty="0">
-                <a:latin typeface="+mn-lt"/>
-                <a:sym typeface="Symbol" panose="05050102010706020507" pitchFamily="18" charset="2"/>
-              </a:rPr>
-            </a:br>
-            <a:r>
-              <a:rPr lang="en-US" altLang="en-US" sz="3200" b="0" dirty="0" smtClean="0">
-                <a:solidFill>
-                  <a:schemeClr val="accent1"/>
-                </a:solidFill>
-                <a:latin typeface="+mn-lt"/>
-              </a:rPr>
-              <a:t>Example</a:t>
-            </a:r>
-            <a:r>
-              <a:rPr lang="en-US" altLang="en-US" sz="3200" b="0" dirty="0">
-                <a:solidFill>
-                  <a:schemeClr val="accent1"/>
-                </a:solidFill>
-                <a:latin typeface="+mn-lt"/>
-              </a:rPr>
-              <a:t>:</a:t>
-            </a:r>
-          </a:p>
-          <a:p>
-            <a:pPr lvl="2" eaLnBrk="1" hangingPunct="1">
-              <a:buFont typeface="Wingdings" panose="05000000000000000000" pitchFamily="2" charset="2"/>
-              <a:buNone/>
-            </a:pPr>
-            <a:r>
-              <a:rPr lang="en-US" altLang="en-US" sz="3200" b="0" dirty="0">
-                <a:latin typeface="+mn-lt"/>
-              </a:rPr>
-              <a:t>P - ‘I am going to town’</a:t>
-            </a:r>
-          </a:p>
-          <a:p>
-            <a:pPr lvl="2" eaLnBrk="1" hangingPunct="1">
-              <a:buFont typeface="Wingdings" panose="05000000000000000000" pitchFamily="2" charset="2"/>
-              <a:buNone/>
-            </a:pPr>
-            <a:r>
-              <a:rPr lang="en-US" altLang="en-US" sz="3200" b="0" dirty="0">
-                <a:latin typeface="+mn-lt"/>
-              </a:rPr>
-              <a:t>Q - ‘It is going to </a:t>
-            </a:r>
-            <a:r>
-              <a:rPr lang="en-US" altLang="en-US" sz="3200" b="0" dirty="0" smtClean="0">
-                <a:latin typeface="+mn-lt"/>
-              </a:rPr>
-              <a:t>rain’</a:t>
-            </a:r>
-            <a:endParaRPr lang="en-US" altLang="en-US" sz="3200" dirty="0" smtClean="0">
-              <a:latin typeface="+mn-lt"/>
-            </a:endParaRPr>
-          </a:p>
-          <a:p>
-            <a:pPr lvl="2" eaLnBrk="1" hangingPunct="1">
-              <a:buFont typeface="Wingdings" panose="05000000000000000000" pitchFamily="2" charset="2"/>
-              <a:buNone/>
-            </a:pPr>
-            <a:r>
-              <a:rPr lang="en-US" altLang="en-US" sz="3200" b="0" dirty="0" smtClean="0">
-                <a:latin typeface="+mn-lt"/>
-              </a:rPr>
-              <a:t>P </a:t>
-            </a:r>
-            <a:r>
-              <a:rPr lang="en-US" altLang="en-US" sz="3200" b="0" dirty="0">
-                <a:latin typeface="+mn-lt"/>
-                <a:sym typeface="Symbol" panose="05050102010706020507" pitchFamily="18" charset="2"/>
-              </a:rPr>
-              <a:t></a:t>
-            </a:r>
-            <a:r>
-              <a:rPr lang="en-US" altLang="en-US" sz="3200" b="0" dirty="0">
-                <a:latin typeface="+mn-lt"/>
-              </a:rPr>
-              <a:t> Q: ‘Either I am going to town or it is going to rain.’</a:t>
-            </a:r>
-          </a:p>
-          <a:p>
-            <a:pPr lvl="2" eaLnBrk="1" hangingPunct="1">
-              <a:buFont typeface="Wingdings" panose="05000000000000000000" pitchFamily="2" charset="2"/>
-              <a:buNone/>
-            </a:pPr>
-            <a:r>
-              <a:rPr lang="en-US" altLang="en-US" sz="3200" b="0" dirty="0">
-                <a:solidFill>
-                  <a:srgbClr val="FCC235"/>
-                </a:solidFill>
-                <a:latin typeface="+mn-lt"/>
-              </a:rPr>
-              <a:t>Note</a:t>
-            </a:r>
-            <a:r>
-              <a:rPr lang="en-US" altLang="en-US" sz="3200" b="0" dirty="0">
-                <a:latin typeface="+mn-lt"/>
-              </a:rPr>
-              <a:t>: Only one of P and Q must be true.</a:t>
-            </a:r>
-          </a:p>
-          <a:p>
-            <a:pPr lvl="1" eaLnBrk="1" hangingPunct="1"/>
-            <a:endParaRPr lang="en-US" altLang="en-US" sz="3200" b="0" dirty="0">
-              <a:latin typeface="+mn-lt"/>
-            </a:endParaRPr>
-          </a:p>
-        </p:txBody>
-      </p:sp>
-      <p:graphicFrame>
-        <p:nvGraphicFramePr>
-          <p:cNvPr id="5" name="Table 4"/>
-          <p:cNvGraphicFramePr>
-            <a:graphicFrameLocks noGrp="1"/>
-          </p:cNvGraphicFramePr>
-          <p:nvPr/>
-        </p:nvGraphicFramePr>
-        <p:xfrm>
-          <a:off x="6010275" y="1628775"/>
-          <a:ext cx="2447925" cy="1973262"/>
-        </p:xfrm>
-        <a:graphic>
-          <a:graphicData uri="http://schemas.openxmlformats.org/drawingml/2006/table">
-            <a:tbl>
-              <a:tblPr>
-                <a:tableStyleId>{5C22544A-7EE6-4342-B048-85BDC9FD1C3A}</a:tableStyleId>
-              </a:tblPr>
-              <a:tblGrid>
-                <a:gridCol w="769084">
-                  <a:extLst>
-                    <a:ext uri="{9D8B030D-6E8A-4147-A177-3AD203B41FA5}">
-                      <a16:colId xmlns:a16="http://schemas.microsoft.com/office/drawing/2014/main" val="2681393282"/>
-                    </a:ext>
-                  </a:extLst>
-                </a:gridCol>
-                <a:gridCol w="862866">
-                  <a:extLst>
-                    <a:ext uri="{9D8B030D-6E8A-4147-A177-3AD203B41FA5}">
-                      <a16:colId xmlns:a16="http://schemas.microsoft.com/office/drawing/2014/main" val="1583086530"/>
-                    </a:ext>
-                  </a:extLst>
-                </a:gridCol>
-                <a:gridCol w="815975">
-                  <a:extLst>
-                    <a:ext uri="{9D8B030D-6E8A-4147-A177-3AD203B41FA5}">
-                      <a16:colId xmlns:a16="http://schemas.microsoft.com/office/drawing/2014/main" val="280636983"/>
-                    </a:ext>
-                  </a:extLst>
-                </a:gridCol>
-              </a:tblGrid>
-              <a:tr h="365890">
-                <a:tc>
-                  <a:txBody>
-                    <a:bodyPr/>
-                    <a:lstStyle/>
-                    <a:p>
-                      <a:r>
-                        <a:rPr lang="en-GB" sz="1800" dirty="0" smtClean="0">
-                          <a:solidFill>
-                            <a:srgbClr val="006600"/>
-                          </a:solidFill>
-                        </a:rPr>
-                        <a:t>p</a:t>
-                      </a:r>
-                      <a:endParaRPr lang="en-GB" sz="1800" dirty="0">
-                        <a:solidFill>
-                          <a:srgbClr val="006600"/>
-                        </a:solidFill>
-                      </a:endParaRPr>
-                    </a:p>
-                  </a:txBody>
-                  <a:tcPr marL="91427" marR="91427" marT="45736" marB="45736">
-                    <a:lnL w="12700" cap="flat" cmpd="sng" algn="ctr">
-                      <a:solidFill>
-                        <a:schemeClr val="tx1"/>
-                      </a:solidFill>
-                      <a:prstDash val="solid"/>
-                      <a:round/>
-                      <a:headEnd type="none" w="med" len="med"/>
-                      <a:tailEnd type="none" w="med" len="med"/>
-                    </a:lnL>
-                    <a:lnR w="12700" cap="flat" cmpd="sng" algn="ctr">
-                      <a:solidFill>
-                        <a:schemeClr val="tx1"/>
-                      </a:solidFill>
-                      <a:prstDash val="solid"/>
-                      <a:round/>
-                      <a:headEnd type="none" w="med" len="med"/>
-                      <a:tailEnd type="none" w="med" len="med"/>
-                    </a:lnR>
-                    <a:lnT w="12700" cap="flat" cmpd="sng" algn="ctr">
-                      <a:solidFill>
-                        <a:schemeClr val="tx1"/>
-                      </a:solidFill>
-                      <a:prstDash val="solid"/>
-                      <a:round/>
-                      <a:headEnd type="none" w="med" len="med"/>
-                      <a:tailEnd type="none" w="med" len="med"/>
-                    </a:lnT>
-                    <a:lnB w="12700" cap="flat" cmpd="sng" algn="ctr">
-                      <a:solidFill>
-                        <a:schemeClr val="tx1"/>
-                      </a:solidFill>
-                      <a:prstDash val="solid"/>
-                      <a:round/>
-                      <a:headEnd type="none" w="med" len="med"/>
-                      <a:tailEnd type="none" w="med" len="med"/>
-                    </a:lnB>
-                    <a:noFill/>
-                  </a:tcPr>
-                </a:tc>
-                <a:tc>
-                  <a:txBody>
-                    <a:bodyPr/>
-                    <a:lstStyle/>
-                    <a:p>
-                      <a:r>
-                        <a:rPr lang="en-GB" sz="1800" dirty="0" smtClean="0">
-                          <a:solidFill>
-                            <a:srgbClr val="006600"/>
-                          </a:solidFill>
-                        </a:rPr>
-                        <a:t>q</a:t>
-                      </a:r>
-                      <a:endParaRPr lang="en-GB" sz="1800" dirty="0">
-                        <a:solidFill>
-                          <a:srgbClr val="006600"/>
-                        </a:solidFill>
-                      </a:endParaRPr>
-                    </a:p>
-                  </a:txBody>
-                  <a:tcPr marL="91427" marR="91427" marT="45736" marB="45736">
-                    <a:lnL w="12700" cap="flat" cmpd="sng" algn="ctr">
-                      <a:solidFill>
-                        <a:schemeClr val="tx1"/>
-                      </a:solidFill>
-                      <a:prstDash val="solid"/>
-                      <a:round/>
-                      <a:headEnd type="none" w="med" len="med"/>
-                      <a:tailEnd type="none" w="med" len="med"/>
-                    </a:lnL>
-                    <a:lnR w="12700" cap="flat" cmpd="sng" algn="ctr">
-                      <a:solidFill>
-                        <a:schemeClr val="tx1"/>
-                      </a:solidFill>
-                      <a:prstDash val="solid"/>
-                      <a:round/>
-                      <a:headEnd type="none" w="med" len="med"/>
-                      <a:tailEnd type="none" w="med" len="med"/>
-                    </a:lnR>
-                    <a:lnT w="12700" cap="flat" cmpd="sng" algn="ctr">
-                      <a:solidFill>
-                        <a:schemeClr val="tx1"/>
-                      </a:solidFill>
-                      <a:prstDash val="solid"/>
-                      <a:round/>
-                      <a:headEnd type="none" w="med" len="med"/>
-                      <a:tailEnd type="none" w="med" len="med"/>
-                    </a:lnT>
-                    <a:lnB w="12700" cap="flat" cmpd="sng" algn="ctr">
-                      <a:solidFill>
-                        <a:schemeClr val="tx1"/>
-                      </a:solidFill>
-                      <a:prstDash val="solid"/>
-                      <a:round/>
-                      <a:headEnd type="none" w="med" len="med"/>
-                      <a:tailEnd type="none" w="med" len="med"/>
-                    </a:lnB>
-                    <a:noFill/>
-                  </a:tcPr>
-                </a:tc>
-                <a:tc>
-                  <a:txBody>
-                    <a:bodyPr/>
-                    <a:lstStyle/>
-                    <a:p>
-                      <a:r>
-                        <a:rPr lang="en-GB" sz="1800" dirty="0" smtClean="0">
-                          <a:solidFill>
-                            <a:srgbClr val="006600"/>
-                          </a:solidFill>
-                        </a:rPr>
-                        <a:t>p </a:t>
-                      </a:r>
-                      <a:r>
-                        <a:rPr lang="en-US" altLang="en-US" sz="1800" b="0" dirty="0" smtClean="0">
-                          <a:solidFill>
-                            <a:srgbClr val="006600"/>
-                          </a:solidFill>
-                          <a:sym typeface="Symbol" panose="05050102010706020507" pitchFamily="18" charset="2"/>
-                        </a:rPr>
-                        <a:t> </a:t>
-                      </a:r>
-                      <a:r>
-                        <a:rPr lang="en-GB" sz="1800" dirty="0" smtClean="0">
-                          <a:solidFill>
-                            <a:srgbClr val="006600"/>
-                          </a:solidFill>
-                        </a:rPr>
-                        <a:t>q</a:t>
-                      </a:r>
-                      <a:endParaRPr lang="en-GB" sz="1800" dirty="0">
-                        <a:solidFill>
-                          <a:srgbClr val="006600"/>
-                        </a:solidFill>
-                      </a:endParaRPr>
-                    </a:p>
-                  </a:txBody>
-                  <a:tcPr marL="91427" marR="91427" marT="45736" marB="45736">
-                    <a:lnL w="12700" cap="flat" cmpd="sng" algn="ctr">
-                      <a:solidFill>
-                        <a:schemeClr val="tx1"/>
-                      </a:solidFill>
-                      <a:prstDash val="solid"/>
-                      <a:round/>
-                      <a:headEnd type="none" w="med" len="med"/>
-                      <a:tailEnd type="none" w="med" len="med"/>
-                    </a:lnL>
-                    <a:lnR w="12700" cap="flat" cmpd="sng" algn="ctr">
-                      <a:solidFill>
-                        <a:schemeClr val="tx1"/>
-                      </a:solidFill>
-                      <a:prstDash val="solid"/>
-                      <a:round/>
-                      <a:headEnd type="none" w="med" len="med"/>
-                      <a:tailEnd type="none" w="med" len="med"/>
-                    </a:lnR>
-                    <a:lnT w="12700" cap="flat" cmpd="sng" algn="ctr">
-                      <a:solidFill>
-                        <a:schemeClr val="tx1"/>
-                      </a:solidFill>
-                      <a:prstDash val="solid"/>
-                      <a:round/>
-                      <a:headEnd type="none" w="med" len="med"/>
-                      <a:tailEnd type="none" w="med" len="med"/>
-                    </a:lnT>
-                    <a:lnB w="12700" cap="flat" cmpd="sng" algn="ctr">
-                      <a:solidFill>
-                        <a:schemeClr val="tx1"/>
-                      </a:solidFill>
-                      <a:prstDash val="solid"/>
-                      <a:round/>
-                      <a:headEnd type="none" w="med" len="med"/>
-                      <a:tailEnd type="none" w="med" len="med"/>
-                    </a:lnB>
-                    <a:noFill/>
-                  </a:tcPr>
-                </a:tc>
-                <a:extLst>
-                  <a:ext uri="{0D108BD9-81ED-4DB2-BD59-A6C34878D82A}">
-                    <a16:rowId xmlns:a16="http://schemas.microsoft.com/office/drawing/2014/main" val="556159756"/>
-                  </a:ext>
-                </a:extLst>
-              </a:tr>
-              <a:tr h="401843">
-                <a:tc>
-                  <a:txBody>
-                    <a:bodyPr/>
-                    <a:lstStyle/>
-                    <a:p>
-                      <a:r>
-                        <a:rPr lang="en-GB" sz="1800" dirty="0" smtClean="0"/>
-                        <a:t>T</a:t>
-                      </a:r>
-                      <a:endParaRPr lang="en-GB" sz="1800" dirty="0"/>
-                    </a:p>
-                  </a:txBody>
-                  <a:tcPr marL="91427" marR="91427" marT="45736" marB="45736">
-                    <a:lnL w="12700" cap="flat" cmpd="sng" algn="ctr">
-                      <a:solidFill>
-                        <a:schemeClr val="tx1"/>
-                      </a:solidFill>
-                      <a:prstDash val="solid"/>
-                      <a:round/>
-                      <a:headEnd type="none" w="med" len="med"/>
-                      <a:tailEnd type="none" w="med" len="med"/>
-                    </a:lnL>
-                    <a:lnR w="12700" cap="flat" cmpd="sng" algn="ctr">
-                      <a:solidFill>
-                        <a:schemeClr val="tx1"/>
-                      </a:solidFill>
-                      <a:prstDash val="solid"/>
-                      <a:round/>
-                      <a:headEnd type="none" w="med" len="med"/>
-                      <a:tailEnd type="none" w="med" len="med"/>
-                    </a:lnR>
-                    <a:lnT w="12700" cap="flat" cmpd="sng" algn="ctr">
-                      <a:solidFill>
-                        <a:schemeClr val="tx1"/>
-                      </a:solidFill>
-                      <a:prstDash val="solid"/>
-                      <a:round/>
-                      <a:headEnd type="none" w="med" len="med"/>
-                      <a:tailEnd type="none" w="med" len="med"/>
-                    </a:lnT>
-                    <a:lnB w="12700" cap="flat" cmpd="sng" algn="ctr">
-                      <a:solidFill>
-                        <a:schemeClr val="tx1"/>
-                      </a:solidFill>
-                      <a:prstDash val="solid"/>
-                      <a:round/>
-                      <a:headEnd type="none" w="med" len="med"/>
-                      <a:tailEnd type="none" w="med" len="med"/>
-                    </a:lnB>
-                    <a:noFill/>
-                  </a:tcPr>
-                </a:tc>
-                <a:tc>
-                  <a:txBody>
-                    <a:bodyPr/>
-                    <a:lstStyle/>
-                    <a:p>
-                      <a:r>
-                        <a:rPr lang="en-GB" sz="1800" dirty="0" smtClean="0"/>
-                        <a:t>T</a:t>
-                      </a:r>
-                      <a:endParaRPr lang="en-GB" sz="1800" dirty="0"/>
-                    </a:p>
-                  </a:txBody>
-                  <a:tcPr marL="91427" marR="91427" marT="45736" marB="45736">
-                    <a:lnL w="12700" cap="flat" cmpd="sng" algn="ctr">
-                      <a:solidFill>
-                        <a:schemeClr val="tx1"/>
-                      </a:solidFill>
-                      <a:prstDash val="solid"/>
-                      <a:round/>
-                      <a:headEnd type="none" w="med" len="med"/>
-                      <a:tailEnd type="none" w="med" len="med"/>
-                    </a:lnL>
-                    <a:lnR w="12700" cap="flat" cmpd="sng" algn="ctr">
-                      <a:solidFill>
-                        <a:schemeClr val="tx1"/>
-                      </a:solidFill>
-                      <a:prstDash val="solid"/>
-                      <a:round/>
-                      <a:headEnd type="none" w="med" len="med"/>
-                      <a:tailEnd type="none" w="med" len="med"/>
-                    </a:lnR>
-                    <a:lnT w="12700" cap="flat" cmpd="sng" algn="ctr">
-                      <a:solidFill>
-                        <a:schemeClr val="tx1"/>
-                      </a:solidFill>
-                      <a:prstDash val="solid"/>
-                      <a:round/>
-                      <a:headEnd type="none" w="med" len="med"/>
-                      <a:tailEnd type="none" w="med" len="med"/>
-                    </a:lnT>
-                    <a:lnB w="12700" cap="flat" cmpd="sng" algn="ctr">
-                      <a:solidFill>
-                        <a:schemeClr val="tx1"/>
-                      </a:solidFill>
-                      <a:prstDash val="solid"/>
-                      <a:round/>
-                      <a:headEnd type="none" w="med" len="med"/>
-                      <a:tailEnd type="none" w="med" len="med"/>
-                    </a:lnB>
-                    <a:noFill/>
-                  </a:tcPr>
-                </a:tc>
-                <a:tc>
-                  <a:txBody>
-                    <a:bodyPr/>
-                    <a:lstStyle/>
-                    <a:p>
-                      <a:r>
-                        <a:rPr lang="en-GB" sz="1800" dirty="0" smtClean="0"/>
-                        <a:t>F</a:t>
-                      </a:r>
-                      <a:endParaRPr lang="en-GB" sz="1800" dirty="0"/>
-                    </a:p>
-                  </a:txBody>
-                  <a:tcPr marL="91427" marR="91427" marT="45736" marB="45736">
-                    <a:lnL w="12700" cap="flat" cmpd="sng" algn="ctr">
-                      <a:solidFill>
-                        <a:schemeClr val="tx1"/>
-                      </a:solidFill>
-                      <a:prstDash val="solid"/>
-                      <a:round/>
-                      <a:headEnd type="none" w="med" len="med"/>
-                      <a:tailEnd type="none" w="med" len="med"/>
-                    </a:lnL>
-                    <a:lnR w="12700" cap="flat" cmpd="sng" algn="ctr">
-                      <a:solidFill>
-                        <a:schemeClr val="tx1"/>
-                      </a:solidFill>
-                      <a:prstDash val="solid"/>
-                      <a:round/>
-                      <a:headEnd type="none" w="med" len="med"/>
-                      <a:tailEnd type="none" w="med" len="med"/>
-                    </a:lnR>
-                    <a:lnT w="12700" cap="flat" cmpd="sng" algn="ctr">
-                      <a:solidFill>
-                        <a:schemeClr val="tx1"/>
-                      </a:solidFill>
-                      <a:prstDash val="solid"/>
-                      <a:round/>
-                      <a:headEnd type="none" w="med" len="med"/>
-                      <a:tailEnd type="none" w="med" len="med"/>
-                    </a:lnT>
-                    <a:lnB w="12700" cap="flat" cmpd="sng" algn="ctr">
-                      <a:solidFill>
-                        <a:schemeClr val="tx1"/>
-                      </a:solidFill>
-                      <a:prstDash val="solid"/>
-                      <a:round/>
-                      <a:headEnd type="none" w="med" len="med"/>
-                      <a:tailEnd type="none" w="med" len="med"/>
-                    </a:lnB>
-                    <a:noFill/>
-                  </a:tcPr>
-                </a:tc>
-                <a:extLst>
-                  <a:ext uri="{0D108BD9-81ED-4DB2-BD59-A6C34878D82A}">
-                    <a16:rowId xmlns:a16="http://schemas.microsoft.com/office/drawing/2014/main" val="2746720974"/>
-                  </a:ext>
-                </a:extLst>
-              </a:tr>
-              <a:tr h="401843">
-                <a:tc>
-                  <a:txBody>
-                    <a:bodyPr/>
-                    <a:lstStyle/>
-                    <a:p>
-                      <a:r>
-                        <a:rPr lang="en-GB" sz="1800" dirty="0" smtClean="0"/>
-                        <a:t>T</a:t>
-                      </a:r>
-                      <a:endParaRPr lang="en-GB" sz="1800" dirty="0"/>
-                    </a:p>
-                  </a:txBody>
-                  <a:tcPr marL="91427" marR="91427" marT="45736" marB="45736">
-                    <a:lnL w="12700" cap="flat" cmpd="sng" algn="ctr">
-                      <a:solidFill>
-                        <a:schemeClr val="tx1"/>
-                      </a:solidFill>
-                      <a:prstDash val="solid"/>
-                      <a:round/>
-                      <a:headEnd type="none" w="med" len="med"/>
-                      <a:tailEnd type="none" w="med" len="med"/>
-                    </a:lnL>
-                    <a:lnR w="12700" cap="flat" cmpd="sng" algn="ctr">
-                      <a:solidFill>
-                        <a:schemeClr val="tx1"/>
-                      </a:solidFill>
-                      <a:prstDash val="solid"/>
-                      <a:round/>
-                      <a:headEnd type="none" w="med" len="med"/>
-                      <a:tailEnd type="none" w="med" len="med"/>
-                    </a:lnR>
-                    <a:lnT w="12700" cap="flat" cmpd="sng" algn="ctr">
-                      <a:solidFill>
-                        <a:schemeClr val="tx1"/>
-                      </a:solidFill>
-                      <a:prstDash val="solid"/>
-                      <a:round/>
-                      <a:headEnd type="none" w="med" len="med"/>
-                      <a:tailEnd type="none" w="med" len="med"/>
-                    </a:lnT>
-                    <a:lnB w="12700" cap="flat" cmpd="sng" algn="ctr">
-                      <a:solidFill>
-                        <a:schemeClr val="tx1"/>
-                      </a:solidFill>
-                      <a:prstDash val="solid"/>
-                      <a:round/>
-                      <a:headEnd type="none" w="med" len="med"/>
-                      <a:tailEnd type="none" w="med" len="med"/>
-                    </a:lnB>
-                    <a:noFill/>
-                  </a:tcPr>
-                </a:tc>
-                <a:tc>
-                  <a:txBody>
-                    <a:bodyPr/>
-                    <a:lstStyle/>
-                    <a:p>
-                      <a:r>
-                        <a:rPr lang="en-GB" sz="1800" dirty="0" smtClean="0"/>
-                        <a:t>F</a:t>
-                      </a:r>
-                      <a:endParaRPr lang="en-GB" sz="1800" dirty="0"/>
-                    </a:p>
-                  </a:txBody>
-                  <a:tcPr marL="91427" marR="91427" marT="45736" marB="45736">
-                    <a:lnL w="12700" cap="flat" cmpd="sng" algn="ctr">
-                      <a:solidFill>
-                        <a:schemeClr val="tx1"/>
-                      </a:solidFill>
-                      <a:prstDash val="solid"/>
-                      <a:round/>
-                      <a:headEnd type="none" w="med" len="med"/>
-                      <a:tailEnd type="none" w="med" len="med"/>
-                    </a:lnL>
-                    <a:lnR w="12700" cap="flat" cmpd="sng" algn="ctr">
-                      <a:solidFill>
-                        <a:schemeClr val="tx1"/>
-                      </a:solidFill>
-                      <a:prstDash val="solid"/>
-                      <a:round/>
-                      <a:headEnd type="none" w="med" len="med"/>
-                      <a:tailEnd type="none" w="med" len="med"/>
-                    </a:lnR>
-                    <a:lnT w="12700" cap="flat" cmpd="sng" algn="ctr">
-                      <a:solidFill>
-                        <a:schemeClr val="tx1"/>
-                      </a:solidFill>
-                      <a:prstDash val="solid"/>
-                      <a:round/>
-                      <a:headEnd type="none" w="med" len="med"/>
-                      <a:tailEnd type="none" w="med" len="med"/>
-                    </a:lnT>
-                    <a:lnB w="12700" cap="flat" cmpd="sng" algn="ctr">
-                      <a:solidFill>
-                        <a:schemeClr val="tx1"/>
-                      </a:solidFill>
-                      <a:prstDash val="solid"/>
-                      <a:round/>
-                      <a:headEnd type="none" w="med" len="med"/>
-                      <a:tailEnd type="none" w="med" len="med"/>
-                    </a:lnB>
-                    <a:noFill/>
-                  </a:tcPr>
-                </a:tc>
-                <a:tc>
-                  <a:txBody>
-                    <a:bodyPr/>
-                    <a:lstStyle/>
-                    <a:p>
-                      <a:r>
-                        <a:rPr lang="en-GB" sz="1800" dirty="0" smtClean="0"/>
-                        <a:t>T</a:t>
-                      </a:r>
-                      <a:endParaRPr lang="en-GB" sz="1800" dirty="0"/>
-                    </a:p>
-                  </a:txBody>
-                  <a:tcPr marL="91427" marR="91427" marT="45736" marB="45736">
-                    <a:lnL w="12700" cap="flat" cmpd="sng" algn="ctr">
-                      <a:solidFill>
-                        <a:schemeClr val="tx1"/>
-                      </a:solidFill>
-                      <a:prstDash val="solid"/>
-                      <a:round/>
-                      <a:headEnd type="none" w="med" len="med"/>
-                      <a:tailEnd type="none" w="med" len="med"/>
-                    </a:lnL>
-                    <a:lnR w="12700" cap="flat" cmpd="sng" algn="ctr">
-                      <a:solidFill>
-                        <a:schemeClr val="tx1"/>
-                      </a:solidFill>
-                      <a:prstDash val="solid"/>
-                      <a:round/>
-                      <a:headEnd type="none" w="med" len="med"/>
-                      <a:tailEnd type="none" w="med" len="med"/>
-                    </a:lnR>
-                    <a:lnT w="12700" cap="flat" cmpd="sng" algn="ctr">
-                      <a:solidFill>
-                        <a:schemeClr val="tx1"/>
-                      </a:solidFill>
-                      <a:prstDash val="solid"/>
-                      <a:round/>
-                      <a:headEnd type="none" w="med" len="med"/>
-                      <a:tailEnd type="none" w="med" len="med"/>
-                    </a:lnT>
-                    <a:lnB w="12700" cap="flat" cmpd="sng" algn="ctr">
-                      <a:solidFill>
-                        <a:schemeClr val="tx1"/>
-                      </a:solidFill>
-                      <a:prstDash val="solid"/>
-                      <a:round/>
-                      <a:headEnd type="none" w="med" len="med"/>
-                      <a:tailEnd type="none" w="med" len="med"/>
-                    </a:lnB>
-                    <a:noFill/>
-                  </a:tcPr>
-                </a:tc>
-                <a:extLst>
-                  <a:ext uri="{0D108BD9-81ED-4DB2-BD59-A6C34878D82A}">
-                    <a16:rowId xmlns:a16="http://schemas.microsoft.com/office/drawing/2014/main" val="526335168"/>
-                  </a:ext>
-                </a:extLst>
-              </a:tr>
-              <a:tr h="401843">
-                <a:tc>
-                  <a:txBody>
-                    <a:bodyPr/>
-                    <a:lstStyle/>
-                    <a:p>
-                      <a:r>
-                        <a:rPr lang="en-GB" sz="1800" dirty="0" smtClean="0"/>
-                        <a:t>F</a:t>
-                      </a:r>
-                      <a:endParaRPr lang="en-GB" sz="1800" dirty="0"/>
-                    </a:p>
-                  </a:txBody>
-                  <a:tcPr marL="91427" marR="91427" marT="45736" marB="45736">
-                    <a:lnL w="12700" cap="flat" cmpd="sng" algn="ctr">
-                      <a:solidFill>
-                        <a:schemeClr val="tx1"/>
-                      </a:solidFill>
-                      <a:prstDash val="solid"/>
-                      <a:round/>
-                      <a:headEnd type="none" w="med" len="med"/>
-                      <a:tailEnd type="none" w="med" len="med"/>
-                    </a:lnL>
-                    <a:lnR w="12700" cap="flat" cmpd="sng" algn="ctr">
-                      <a:solidFill>
-                        <a:schemeClr val="tx1"/>
-                      </a:solidFill>
-                      <a:prstDash val="solid"/>
-                      <a:round/>
-                      <a:headEnd type="none" w="med" len="med"/>
-                      <a:tailEnd type="none" w="med" len="med"/>
-                    </a:lnR>
-                    <a:lnT w="12700" cap="flat" cmpd="sng" algn="ctr">
-                      <a:solidFill>
-                        <a:schemeClr val="tx1"/>
-                      </a:solidFill>
-                      <a:prstDash val="solid"/>
-                      <a:round/>
-                      <a:headEnd type="none" w="med" len="med"/>
-                      <a:tailEnd type="none" w="med" len="med"/>
-                    </a:lnT>
-                    <a:lnB w="12700" cap="flat" cmpd="sng" algn="ctr">
-                      <a:solidFill>
-                        <a:schemeClr val="tx1"/>
-                      </a:solidFill>
-                      <a:prstDash val="solid"/>
-                      <a:round/>
-                      <a:headEnd type="none" w="med" len="med"/>
-                      <a:tailEnd type="none" w="med" len="med"/>
-                    </a:lnB>
-                    <a:noFill/>
-                  </a:tcPr>
-                </a:tc>
-                <a:tc>
-                  <a:txBody>
-                    <a:bodyPr/>
-                    <a:lstStyle/>
-                    <a:p>
-                      <a:r>
-                        <a:rPr lang="en-GB" sz="1800" dirty="0" smtClean="0"/>
-                        <a:t>T</a:t>
-                      </a:r>
-                      <a:endParaRPr lang="en-GB" sz="1800" dirty="0"/>
-                    </a:p>
-                  </a:txBody>
-                  <a:tcPr marL="91427" marR="91427" marT="45736" marB="45736">
-                    <a:lnL w="12700" cap="flat" cmpd="sng" algn="ctr">
-                      <a:solidFill>
-                        <a:schemeClr val="tx1"/>
-                      </a:solidFill>
-                      <a:prstDash val="solid"/>
-                      <a:round/>
-                      <a:headEnd type="none" w="med" len="med"/>
-                      <a:tailEnd type="none" w="med" len="med"/>
-                    </a:lnL>
-                    <a:lnR w="12700" cap="flat" cmpd="sng" algn="ctr">
-                      <a:solidFill>
-                        <a:schemeClr val="tx1"/>
-                      </a:solidFill>
-                      <a:prstDash val="solid"/>
-                      <a:round/>
-                      <a:headEnd type="none" w="med" len="med"/>
-                      <a:tailEnd type="none" w="med" len="med"/>
-                    </a:lnR>
-                    <a:lnT w="12700" cap="flat" cmpd="sng" algn="ctr">
-                      <a:solidFill>
-                        <a:schemeClr val="tx1"/>
-                      </a:solidFill>
-                      <a:prstDash val="solid"/>
-                      <a:round/>
-                      <a:headEnd type="none" w="med" len="med"/>
-                      <a:tailEnd type="none" w="med" len="med"/>
-                    </a:lnT>
-                    <a:lnB w="12700" cap="flat" cmpd="sng" algn="ctr">
-                      <a:solidFill>
-                        <a:schemeClr val="tx1"/>
-                      </a:solidFill>
-                      <a:prstDash val="solid"/>
-                      <a:round/>
-                      <a:headEnd type="none" w="med" len="med"/>
-                      <a:tailEnd type="none" w="med" len="med"/>
-                    </a:lnB>
-                    <a:noFill/>
-                  </a:tcPr>
-                </a:tc>
-                <a:tc>
-                  <a:txBody>
-                    <a:bodyPr/>
-                    <a:lstStyle/>
-                    <a:p>
-                      <a:r>
-                        <a:rPr lang="en-GB" sz="1800" dirty="0" smtClean="0"/>
-                        <a:t>T</a:t>
-                      </a:r>
-                      <a:endParaRPr lang="en-GB" sz="1800" dirty="0"/>
-                    </a:p>
-                  </a:txBody>
-                  <a:tcPr marL="91427" marR="91427" marT="45736" marB="45736">
-                    <a:lnL w="12700" cap="flat" cmpd="sng" algn="ctr">
-                      <a:solidFill>
-                        <a:schemeClr val="tx1"/>
-                      </a:solidFill>
-                      <a:prstDash val="solid"/>
-                      <a:round/>
-                      <a:headEnd type="none" w="med" len="med"/>
-                      <a:tailEnd type="none" w="med" len="med"/>
-                    </a:lnL>
-                    <a:lnR w="12700" cap="flat" cmpd="sng" algn="ctr">
-                      <a:solidFill>
-                        <a:schemeClr val="tx1"/>
-                      </a:solidFill>
-                      <a:prstDash val="solid"/>
-                      <a:round/>
-                      <a:headEnd type="none" w="med" len="med"/>
-                      <a:tailEnd type="none" w="med" len="med"/>
-                    </a:lnR>
-                    <a:lnT w="12700" cap="flat" cmpd="sng" algn="ctr">
-                      <a:solidFill>
-                        <a:schemeClr val="tx1"/>
-                      </a:solidFill>
-                      <a:prstDash val="solid"/>
-                      <a:round/>
-                      <a:headEnd type="none" w="med" len="med"/>
-                      <a:tailEnd type="none" w="med" len="med"/>
-                    </a:lnT>
-                    <a:lnB w="12700" cap="flat" cmpd="sng" algn="ctr">
-                      <a:solidFill>
-                        <a:schemeClr val="tx1"/>
-                      </a:solidFill>
-                      <a:prstDash val="solid"/>
-                      <a:round/>
-                      <a:headEnd type="none" w="med" len="med"/>
-                      <a:tailEnd type="none" w="med" len="med"/>
-                    </a:lnB>
-                    <a:noFill/>
-                  </a:tcPr>
-                </a:tc>
-                <a:extLst>
-                  <a:ext uri="{0D108BD9-81ED-4DB2-BD59-A6C34878D82A}">
-                    <a16:rowId xmlns:a16="http://schemas.microsoft.com/office/drawing/2014/main" val="3434315031"/>
-                  </a:ext>
-                </a:extLst>
-              </a:tr>
-              <a:tr h="401843">
-                <a:tc>
-                  <a:txBody>
-                    <a:bodyPr/>
-                    <a:lstStyle/>
-                    <a:p>
-                      <a:r>
-                        <a:rPr lang="en-GB" sz="1800" dirty="0" smtClean="0"/>
-                        <a:t>F</a:t>
-                      </a:r>
-                      <a:endParaRPr lang="en-GB" sz="1800" dirty="0"/>
-                    </a:p>
-                  </a:txBody>
-                  <a:tcPr marL="91427" marR="91427" marT="45736" marB="45736">
-                    <a:lnL w="12700" cap="flat" cmpd="sng" algn="ctr">
-                      <a:solidFill>
-                        <a:schemeClr val="tx1"/>
-                      </a:solidFill>
-                      <a:prstDash val="solid"/>
-                      <a:round/>
-                      <a:headEnd type="none" w="med" len="med"/>
-                      <a:tailEnd type="none" w="med" len="med"/>
-                    </a:lnL>
-                    <a:lnR w="12700" cap="flat" cmpd="sng" algn="ctr">
-                      <a:solidFill>
-                        <a:schemeClr val="tx1"/>
-                      </a:solidFill>
-                      <a:prstDash val="solid"/>
-                      <a:round/>
-                      <a:headEnd type="none" w="med" len="med"/>
-                      <a:tailEnd type="none" w="med" len="med"/>
-                    </a:lnR>
-                    <a:lnT w="12700" cap="flat" cmpd="sng" algn="ctr">
-                      <a:solidFill>
-                        <a:schemeClr val="tx1"/>
-                      </a:solidFill>
-                      <a:prstDash val="solid"/>
-                      <a:round/>
-                      <a:headEnd type="none" w="med" len="med"/>
-                      <a:tailEnd type="none" w="med" len="med"/>
-                    </a:lnT>
-                    <a:lnB w="12700" cap="flat" cmpd="sng" algn="ctr">
-                      <a:solidFill>
-                        <a:schemeClr val="tx1"/>
-                      </a:solidFill>
-                      <a:prstDash val="solid"/>
-                      <a:round/>
-                      <a:headEnd type="none" w="med" len="med"/>
-                      <a:tailEnd type="none" w="med" len="med"/>
-                    </a:lnB>
-                    <a:noFill/>
-                  </a:tcPr>
-                </a:tc>
-                <a:tc>
-                  <a:txBody>
-                    <a:bodyPr/>
-                    <a:lstStyle/>
-                    <a:p>
-                      <a:r>
-                        <a:rPr lang="en-GB" sz="1800" dirty="0" smtClean="0"/>
-                        <a:t>F</a:t>
-                      </a:r>
-                      <a:endParaRPr lang="en-GB" sz="1800" dirty="0"/>
-                    </a:p>
-                  </a:txBody>
-                  <a:tcPr marL="91427" marR="91427" marT="45736" marB="45736">
-                    <a:lnL w="12700" cap="flat" cmpd="sng" algn="ctr">
-                      <a:solidFill>
-                        <a:schemeClr val="tx1"/>
-                      </a:solidFill>
-                      <a:prstDash val="solid"/>
-                      <a:round/>
-                      <a:headEnd type="none" w="med" len="med"/>
-                      <a:tailEnd type="none" w="med" len="med"/>
-                    </a:lnL>
-                    <a:lnR w="12700" cap="flat" cmpd="sng" algn="ctr">
-                      <a:solidFill>
-                        <a:schemeClr val="tx1"/>
-                      </a:solidFill>
-                      <a:prstDash val="solid"/>
-                      <a:round/>
-                      <a:headEnd type="none" w="med" len="med"/>
-                      <a:tailEnd type="none" w="med" len="med"/>
-                    </a:lnR>
-                    <a:lnT w="12700" cap="flat" cmpd="sng" algn="ctr">
-                      <a:solidFill>
-                        <a:schemeClr val="tx1"/>
-                      </a:solidFill>
-                      <a:prstDash val="solid"/>
-                      <a:round/>
-                      <a:headEnd type="none" w="med" len="med"/>
-                      <a:tailEnd type="none" w="med" len="med"/>
-                    </a:lnT>
-                    <a:lnB w="12700" cap="flat" cmpd="sng" algn="ctr">
-                      <a:solidFill>
-                        <a:schemeClr val="tx1"/>
-                      </a:solidFill>
-                      <a:prstDash val="solid"/>
-                      <a:round/>
-                      <a:headEnd type="none" w="med" len="med"/>
-                      <a:tailEnd type="none" w="med" len="med"/>
-                    </a:lnB>
-                    <a:noFill/>
-                  </a:tcPr>
-                </a:tc>
-                <a:tc>
-                  <a:txBody>
-                    <a:bodyPr/>
-                    <a:lstStyle/>
-                    <a:p>
-                      <a:r>
-                        <a:rPr lang="en-GB" sz="1800" dirty="0" smtClean="0"/>
-                        <a:t>F</a:t>
-                      </a:r>
-                      <a:endParaRPr lang="en-GB" sz="1800" dirty="0"/>
-                    </a:p>
-                  </a:txBody>
-                  <a:tcPr marL="91427" marR="91427" marT="45736" marB="45736">
-                    <a:lnL w="12700" cap="flat" cmpd="sng" algn="ctr">
-                      <a:solidFill>
-                        <a:schemeClr val="tx1"/>
-                      </a:solidFill>
-                      <a:prstDash val="solid"/>
-                      <a:round/>
-                      <a:headEnd type="none" w="med" len="med"/>
-                      <a:tailEnd type="none" w="med" len="med"/>
-                    </a:lnL>
-                    <a:lnR w="12700" cap="flat" cmpd="sng" algn="ctr">
-                      <a:solidFill>
-                        <a:schemeClr val="tx1"/>
-                      </a:solidFill>
-                      <a:prstDash val="solid"/>
-                      <a:round/>
-                      <a:headEnd type="none" w="med" len="med"/>
-                      <a:tailEnd type="none" w="med" len="med"/>
-                    </a:lnR>
-                    <a:lnT w="12700" cap="flat" cmpd="sng" algn="ctr">
-                      <a:solidFill>
-                        <a:schemeClr val="tx1"/>
-                      </a:solidFill>
-                      <a:prstDash val="solid"/>
-                      <a:round/>
-                      <a:headEnd type="none" w="med" len="med"/>
-                      <a:tailEnd type="none" w="med" len="med"/>
-                    </a:lnT>
-                    <a:lnB w="12700" cap="flat" cmpd="sng" algn="ctr">
-                      <a:solidFill>
-                        <a:schemeClr val="tx1"/>
-                      </a:solidFill>
-                      <a:prstDash val="solid"/>
-                      <a:round/>
-                      <a:headEnd type="none" w="med" len="med"/>
-                      <a:tailEnd type="none" w="med" len="med"/>
-                    </a:lnB>
-                    <a:noFill/>
-                  </a:tcPr>
-                </a:tc>
-                <a:extLst>
-                  <a:ext uri="{0D108BD9-81ED-4DB2-BD59-A6C34878D82A}">
-                    <a16:rowId xmlns:a16="http://schemas.microsoft.com/office/drawing/2014/main" val="460917129"/>
-                  </a:ext>
-                </a:extLst>
-              </a:tr>
-            </a:tbl>
-          </a:graphicData>
-        </a:graphic>
-      </p:graphicFrame>
-    </p:spTree>
-    <p:extLst>
-      <p:ext uri="{BB962C8B-B14F-4D97-AF65-F5344CB8AC3E}">
-        <p14:creationId xmlns:p14="http://schemas.microsoft.com/office/powerpoint/2010/main" val="2354048746"/>
-      </p:ext>
-    </p:extLst>
-  </p:cSld>
-  <p:clrMapOvr>
-    <a:masterClrMapping/>
-  </p:clrMapOvr>
-</p:sld>
-</file>
-
-<file path=ppt/slides/slide12.xml><?xml version="1.0" encoding="utf-8"?>
 <p:sld xmlns:a="http://schemas.openxmlformats.org/drawingml/2006/main" xmlns:r="http://schemas.openxmlformats.org/officeDocument/2006/relationships" xmlns:p="http://schemas.openxmlformats.org/presentationml/2006/main">
   <p:cSld>
     <p:spTree>
@@ -6260,7 +4645,7 @@
             <a:fld id="{7411DD5B-834D-4E5D-BD40-85BDF059AE52}" type="slidenum">
               <a:rPr lang="en-US" altLang="en-US" sz="1400"/>
               <a:pPr algn="r"/>
-              <a:t>12</a:t>
+              <a:t>10</a:t>
             </a:fld>
             <a:endParaRPr lang="en-US" altLang="en-US" sz="1400"/>
           </a:p>
@@ -6546,7 +4931,7 @@
 </p:sld>
 </file>
 
-<file path=ppt/slides/slide13.xml><?xml version="1.0" encoding="utf-8"?>
+<file path=ppt/slides/slide11.xml><?xml version="1.0" encoding="utf-8"?>
 <p:sld xmlns:a="http://schemas.openxmlformats.org/drawingml/2006/main" xmlns:r="http://schemas.openxmlformats.org/officeDocument/2006/relationships" xmlns:p="http://schemas.openxmlformats.org/presentationml/2006/main">
   <p:cSld>
     <p:spTree>
@@ -6681,7 +5066,7 @@
             <a:fld id="{CF414D67-481E-4B5A-9203-7E9FF0D69D3B}" type="slidenum">
               <a:rPr lang="en-US" altLang="en-US" sz="1400"/>
               <a:pPr algn="r"/>
-              <a:t>13</a:t>
+              <a:t>11</a:t>
             </a:fld>
             <a:endParaRPr lang="en-US" altLang="en-US" sz="1400"/>
           </a:p>
@@ -11046,7 +9431,7 @@
 </p:sld>
 </file>
 
-<file path=ppt/slides/slide14.xml><?xml version="1.0" encoding="utf-8"?>
+<file path=ppt/slides/slide12.xml><?xml version="1.0" encoding="utf-8"?>
 <p:sld xmlns:a="http://schemas.openxmlformats.org/drawingml/2006/main" xmlns:r="http://schemas.openxmlformats.org/officeDocument/2006/relationships" xmlns:p="http://schemas.openxmlformats.org/presentationml/2006/main">
   <p:cSld>
     <p:spTree>
@@ -11181,7 +9566,7 @@
             <a:fld id="{3A0759E7-B30F-4E9A-BBB3-529FDBF0AAFB}" type="slidenum">
               <a:rPr lang="en-US" altLang="en-US" sz="1400"/>
               <a:pPr algn="r"/>
-              <a:t>14</a:t>
+              <a:t>12</a:t>
             </a:fld>
             <a:endParaRPr lang="en-US" altLang="en-US" sz="1400"/>
           </a:p>
@@ -11336,7 +9721,7 @@
 </p:sld>
 </file>
 
-<file path=ppt/slides/slide15.xml><?xml version="1.0" encoding="utf-8"?>
+<file path=ppt/slides/slide13.xml><?xml version="1.0" encoding="utf-8"?>
 <p:sld xmlns:a="http://schemas.openxmlformats.org/drawingml/2006/main" xmlns:r="http://schemas.openxmlformats.org/officeDocument/2006/relationships" xmlns:p="http://schemas.openxmlformats.org/presentationml/2006/main">
   <p:cSld>
     <p:spTree>
@@ -11471,7 +9856,7 @@
             <a:fld id="{5F36C3E6-D9B0-4D59-8025-C79EB19BCAF7}" type="slidenum">
               <a:rPr lang="en-US" altLang="en-US" sz="1400"/>
               <a:pPr algn="r"/>
-              <a:t>15</a:t>
+              <a:t>13</a:t>
             </a:fld>
             <a:endParaRPr lang="en-US" altLang="en-US" sz="1400"/>
           </a:p>
@@ -12747,7 +11132,7 @@
 </p:sld>
 </file>
 
-<file path=ppt/slides/slide16.xml><?xml version="1.0" encoding="utf-8"?>
+<file path=ppt/slides/slide14.xml><?xml version="1.0" encoding="utf-8"?>
 <p:sld xmlns:a="http://schemas.openxmlformats.org/drawingml/2006/main" xmlns:r="http://schemas.openxmlformats.org/officeDocument/2006/relationships" xmlns:p="http://schemas.openxmlformats.org/presentationml/2006/main">
   <p:cSld>
     <p:spTree>
@@ -12882,7 +11267,7 @@
             <a:fld id="{2661E914-17DC-488E-9D92-CB45C36B1AF9}" type="slidenum">
               <a:rPr lang="en-US" altLang="en-US" sz="1400"/>
               <a:pPr algn="r"/>
-              <a:t>16</a:t>
+              <a:t>14</a:t>
             </a:fld>
             <a:endParaRPr lang="en-US" altLang="en-US" sz="1400"/>
           </a:p>
@@ -13051,7 +11436,7 @@
 </p:sld>
 </file>
 
-<file path=ppt/slides/slide17.xml><?xml version="1.0" encoding="utf-8"?>
+<file path=ppt/slides/slide15.xml><?xml version="1.0" encoding="utf-8"?>
 <p:sld xmlns:a="http://schemas.openxmlformats.org/drawingml/2006/main" xmlns:r="http://schemas.openxmlformats.org/officeDocument/2006/relationships" xmlns:p="http://schemas.openxmlformats.org/presentationml/2006/main">
   <p:cSld>
     <p:spTree>
@@ -13186,7 +11571,7 @@
             <a:fld id="{30E7455C-E7A6-4D1E-88D7-CBDAE12D21D5}" type="slidenum">
               <a:rPr lang="en-US" altLang="en-US" sz="1400"/>
               <a:pPr algn="r"/>
-              <a:t>17</a:t>
+              <a:t>15</a:t>
             </a:fld>
             <a:endParaRPr lang="en-US" altLang="en-US" sz="1400"/>
           </a:p>
@@ -15300,7 +13685,7 @@
 </p:sld>
 </file>
 
-<file path=ppt/slides/slide18.xml><?xml version="1.0" encoding="utf-8"?>
+<file path=ppt/slides/slide16.xml><?xml version="1.0" encoding="utf-8"?>
 <p:sld xmlns:a="http://schemas.openxmlformats.org/drawingml/2006/main" xmlns:r="http://schemas.openxmlformats.org/officeDocument/2006/relationships" xmlns:p="http://schemas.openxmlformats.org/presentationml/2006/main">
   <p:cSld>
     <p:spTree>
@@ -15435,7 +13820,7 @@
             <a:fld id="{510611B6-8B57-464D-B704-DA249E0A7119}" type="slidenum">
               <a:rPr lang="en-US" altLang="en-US" sz="1400"/>
               <a:pPr algn="r"/>
-              <a:t>18</a:t>
+              <a:t>16</a:t>
             </a:fld>
             <a:endParaRPr lang="en-US" altLang="en-US" sz="1400"/>
           </a:p>
@@ -15574,7 +13959,7 @@
 </p:sld>
 </file>
 
-<file path=ppt/slides/slide19.xml><?xml version="1.0" encoding="utf-8"?>
+<file path=ppt/slides/slide17.xml><?xml version="1.0" encoding="utf-8"?>
 <p:sld xmlns:a="http://schemas.openxmlformats.org/drawingml/2006/main" xmlns:r="http://schemas.openxmlformats.org/officeDocument/2006/relationships" xmlns:p="http://schemas.openxmlformats.org/presentationml/2006/main">
   <p:cSld>
     <p:spTree>
@@ -15709,7 +14094,7 @@
             <a:fld id="{704D6A51-9556-493C-9555-DBC0690FDA07}" type="slidenum">
               <a:rPr lang="en-US" altLang="en-US" sz="1400"/>
               <a:pPr algn="r"/>
-              <a:t>19</a:t>
+              <a:t>17</a:t>
             </a:fld>
             <a:endParaRPr lang="en-US" altLang="en-US" sz="1400"/>
           </a:p>
@@ -15888,368 +14273,7 @@
 </p:sld>
 </file>
 
-<file path=ppt/slides/slide2.xml><?xml version="1.0" encoding="utf-8"?>
-<p:sld xmlns:a="http://schemas.openxmlformats.org/drawingml/2006/main" xmlns:r="http://schemas.openxmlformats.org/officeDocument/2006/relationships" xmlns:p="http://schemas.openxmlformats.org/presentationml/2006/main">
-  <p:cSld>
-    <p:spTree>
-      <p:nvGrpSpPr>
-        <p:cNvPr id="1" name=""/>
-        <p:cNvGrpSpPr/>
-        <p:nvPr/>
-      </p:nvGrpSpPr>
-      <p:grpSpPr>
-        <a:xfrm>
-          <a:off x="0" y="0"/>
-          <a:ext cx="0" cy="0"/>
-          <a:chOff x="0" y="0"/>
-          <a:chExt cx="0" cy="0"/>
-        </a:xfrm>
-      </p:grpSpPr>
-      <p:sp>
-        <p:nvSpPr>
-          <p:cNvPr id="4" name="Title 1"/>
-          <p:cNvSpPr txBox="1">
-            <a:spLocks/>
-          </p:cNvSpPr>
-          <p:nvPr/>
-        </p:nvSpPr>
-        <p:spPr>
-          <a:xfrm>
-            <a:off x="0" y="2132856"/>
-            <a:ext cx="9144000" cy="1512168"/>
-          </a:xfrm>
-          <a:prstGeom prst="rect">
-            <a:avLst/>
-          </a:prstGeom>
-          <a:solidFill>
-            <a:srgbClr val="F8AC00"/>
-          </a:solidFill>
-        </p:spPr>
-        <p:txBody>
-          <a:bodyPr vert="horz" lIns="91440" tIns="45720" rIns="91440" bIns="45720" rtlCol="0" anchor="t">
-            <a:noAutofit/>
-          </a:bodyPr>
-          <a:lstStyle>
-            <a:lvl1pPr algn="l" defTabSz="457200" rtl="0" eaLnBrk="1" latinLnBrk="0" hangingPunct="1">
-              <a:spcBef>
-                <a:spcPct val="0"/>
-              </a:spcBef>
-              <a:buNone/>
-              <a:defRPr sz="4000" b="1" kern="1200" cap="all">
-                <a:solidFill>
-                  <a:schemeClr val="tx1"/>
-                </a:solidFill>
-                <a:latin typeface="+mj-lt"/>
-                <a:ea typeface="+mj-ea"/>
-                <a:cs typeface="+mj-cs"/>
-              </a:defRPr>
-            </a:lvl1pPr>
-          </a:lstStyle>
-          <a:p>
-            <a:pPr algn="ctr"/>
-            <a:r>
-              <a:rPr lang="en-GB" sz="4800" dirty="0">
-                <a:solidFill>
-                  <a:schemeClr val="bg1"/>
-                </a:solidFill>
-                <a:latin typeface="Arial" panose="020B0604020202020204" pitchFamily="34" charset="0"/>
-                <a:cs typeface="Arial" panose="020B0604020202020204" pitchFamily="34" charset="0"/>
-              </a:rPr>
-              <a:t>Problem Solving and Programming</a:t>
-            </a:r>
-            <a:endParaRPr lang="en-GB" sz="4800" dirty="0">
-              <a:solidFill>
-                <a:schemeClr val="bg1"/>
-              </a:solidFill>
-              <a:latin typeface="Calibri" pitchFamily="34" charset="0"/>
-              <a:cs typeface="Calibri" pitchFamily="34" charset="0"/>
-            </a:endParaRPr>
-          </a:p>
-        </p:txBody>
-      </p:sp>
-      <p:sp>
-        <p:nvSpPr>
-          <p:cNvPr id="5" name="Subtitle 2"/>
-          <p:cNvSpPr txBox="1">
-            <a:spLocks/>
-          </p:cNvSpPr>
-          <p:nvPr/>
-        </p:nvSpPr>
-        <p:spPr>
-          <a:xfrm>
-            <a:off x="1371600" y="4005064"/>
-            <a:ext cx="6400800" cy="2016224"/>
-          </a:xfrm>
-          <a:prstGeom prst="rect">
-            <a:avLst/>
-          </a:prstGeom>
-        </p:spPr>
-        <p:txBody>
-          <a:bodyPr vert="horz" lIns="91440" tIns="45720" rIns="91440" bIns="45720" rtlCol="0" anchor="b">
-            <a:normAutofit/>
-          </a:bodyPr>
-          <a:lstStyle>
-            <a:lvl1pPr marL="0" indent="0" algn="l" defTabSz="457200" rtl="0" eaLnBrk="1" latinLnBrk="0" hangingPunct="1">
-              <a:spcBef>
-                <a:spcPct val="20000"/>
-              </a:spcBef>
-              <a:buFont typeface="Arial"/>
-              <a:buNone/>
-              <a:defRPr sz="2000" kern="1200">
-                <a:solidFill>
-                  <a:schemeClr val="tx1">
-                    <a:tint val="75000"/>
-                  </a:schemeClr>
-                </a:solidFill>
-                <a:latin typeface="+mn-lt"/>
-                <a:ea typeface="+mn-ea"/>
-                <a:cs typeface="+mn-cs"/>
-              </a:defRPr>
-            </a:lvl1pPr>
-            <a:lvl2pPr marL="457200" indent="0" algn="l" defTabSz="457200" rtl="0" eaLnBrk="1" latinLnBrk="0" hangingPunct="1">
-              <a:spcBef>
-                <a:spcPct val="20000"/>
-              </a:spcBef>
-              <a:buFont typeface="Arial"/>
-              <a:buNone/>
-              <a:defRPr sz="1800" kern="1200">
-                <a:solidFill>
-                  <a:schemeClr val="tx1">
-                    <a:tint val="75000"/>
-                  </a:schemeClr>
-                </a:solidFill>
-                <a:latin typeface="+mn-lt"/>
-                <a:ea typeface="+mn-ea"/>
-                <a:cs typeface="+mn-cs"/>
-              </a:defRPr>
-            </a:lvl2pPr>
-            <a:lvl3pPr marL="914400" indent="0" algn="l" defTabSz="457200" rtl="0" eaLnBrk="1" latinLnBrk="0" hangingPunct="1">
-              <a:spcBef>
-                <a:spcPct val="20000"/>
-              </a:spcBef>
-              <a:buFont typeface="Arial"/>
-              <a:buNone/>
-              <a:defRPr sz="1600" kern="1200">
-                <a:solidFill>
-                  <a:schemeClr val="tx1">
-                    <a:tint val="75000"/>
-                  </a:schemeClr>
-                </a:solidFill>
-                <a:latin typeface="+mn-lt"/>
-                <a:ea typeface="+mn-ea"/>
-                <a:cs typeface="+mn-cs"/>
-              </a:defRPr>
-            </a:lvl3pPr>
-            <a:lvl4pPr marL="1371600" indent="0" algn="l" defTabSz="457200" rtl="0" eaLnBrk="1" latinLnBrk="0" hangingPunct="1">
-              <a:spcBef>
-                <a:spcPct val="20000"/>
-              </a:spcBef>
-              <a:buFont typeface="Arial"/>
-              <a:buNone/>
-              <a:defRPr sz="1400" kern="1200">
-                <a:solidFill>
-                  <a:schemeClr val="tx1">
-                    <a:tint val="75000"/>
-                  </a:schemeClr>
-                </a:solidFill>
-                <a:latin typeface="+mn-lt"/>
-                <a:ea typeface="+mn-ea"/>
-                <a:cs typeface="+mn-cs"/>
-              </a:defRPr>
-            </a:lvl4pPr>
-            <a:lvl5pPr marL="1828800" indent="0" algn="l" defTabSz="457200" rtl="0" eaLnBrk="1" latinLnBrk="0" hangingPunct="1">
-              <a:spcBef>
-                <a:spcPct val="20000"/>
-              </a:spcBef>
-              <a:buFont typeface="Arial"/>
-              <a:buNone/>
-              <a:defRPr sz="1400" kern="1200">
-                <a:solidFill>
-                  <a:schemeClr val="tx1">
-                    <a:tint val="75000"/>
-                  </a:schemeClr>
-                </a:solidFill>
-                <a:latin typeface="+mn-lt"/>
-                <a:ea typeface="+mn-ea"/>
-                <a:cs typeface="+mn-cs"/>
-              </a:defRPr>
-            </a:lvl5pPr>
-            <a:lvl6pPr marL="2286000" indent="0" algn="l" defTabSz="457200" rtl="0" eaLnBrk="1" latinLnBrk="0" hangingPunct="1">
-              <a:spcBef>
-                <a:spcPct val="20000"/>
-              </a:spcBef>
-              <a:buFont typeface="Arial"/>
-              <a:buNone/>
-              <a:defRPr sz="1400" kern="1200">
-                <a:solidFill>
-                  <a:schemeClr val="tx1">
-                    <a:tint val="75000"/>
-                  </a:schemeClr>
-                </a:solidFill>
-                <a:latin typeface="+mn-lt"/>
-                <a:ea typeface="+mn-ea"/>
-                <a:cs typeface="+mn-cs"/>
-              </a:defRPr>
-            </a:lvl6pPr>
-            <a:lvl7pPr marL="2743200" indent="0" algn="l" defTabSz="457200" rtl="0" eaLnBrk="1" latinLnBrk="0" hangingPunct="1">
-              <a:spcBef>
-                <a:spcPct val="20000"/>
-              </a:spcBef>
-              <a:buFont typeface="Arial"/>
-              <a:buNone/>
-              <a:defRPr sz="1400" kern="1200">
-                <a:solidFill>
-                  <a:schemeClr val="tx1">
-                    <a:tint val="75000"/>
-                  </a:schemeClr>
-                </a:solidFill>
-                <a:latin typeface="+mn-lt"/>
-                <a:ea typeface="+mn-ea"/>
-                <a:cs typeface="+mn-cs"/>
-              </a:defRPr>
-            </a:lvl7pPr>
-            <a:lvl8pPr marL="3200400" indent="0" algn="l" defTabSz="457200" rtl="0" eaLnBrk="1" latinLnBrk="0" hangingPunct="1">
-              <a:spcBef>
-                <a:spcPct val="20000"/>
-              </a:spcBef>
-              <a:buFont typeface="Arial"/>
-              <a:buNone/>
-              <a:defRPr sz="1400" kern="1200">
-                <a:solidFill>
-                  <a:schemeClr val="tx1">
-                    <a:tint val="75000"/>
-                  </a:schemeClr>
-                </a:solidFill>
-                <a:latin typeface="+mn-lt"/>
-                <a:ea typeface="+mn-ea"/>
-                <a:cs typeface="+mn-cs"/>
-              </a:defRPr>
-            </a:lvl8pPr>
-            <a:lvl9pPr marL="3657600" indent="0" algn="l" defTabSz="457200" rtl="0" eaLnBrk="1" latinLnBrk="0" hangingPunct="1">
-              <a:spcBef>
-                <a:spcPct val="20000"/>
-              </a:spcBef>
-              <a:buFont typeface="Arial"/>
-              <a:buNone/>
-              <a:defRPr sz="1400" kern="1200">
-                <a:solidFill>
-                  <a:schemeClr val="tx1">
-                    <a:tint val="75000"/>
-                  </a:schemeClr>
-                </a:solidFill>
-                <a:latin typeface="+mn-lt"/>
-                <a:ea typeface="+mn-ea"/>
-                <a:cs typeface="+mn-cs"/>
-              </a:defRPr>
-            </a:lvl9pPr>
-          </a:lstStyle>
-          <a:p>
-            <a:pPr algn="ctr"/>
-            <a:r>
-              <a:rPr lang="en-GB" sz="2800" b="1" dirty="0" smtClean="0">
-                <a:solidFill>
-                  <a:srgbClr val="F8AC00"/>
-                </a:solidFill>
-                <a:latin typeface="Calibri" pitchFamily="34" charset="0"/>
-                <a:cs typeface="Calibri" pitchFamily="34" charset="0"/>
-              </a:rPr>
-              <a:t>Dr Solomon Amos</a:t>
-            </a:r>
-          </a:p>
-          <a:p>
-            <a:pPr algn="ctr"/>
-            <a:r>
-              <a:rPr lang="en-GB" dirty="0" smtClean="0">
-                <a:solidFill>
-                  <a:srgbClr val="F8AC00"/>
-                </a:solidFill>
-                <a:latin typeface="Calibri" pitchFamily="34" charset="0"/>
-                <a:cs typeface="Calibri" pitchFamily="34" charset="0"/>
-              </a:rPr>
-              <a:t>ac8880@coventry.ac.uk</a:t>
-            </a:r>
-          </a:p>
-          <a:p>
-            <a:pPr algn="ctr"/>
-            <a:endParaRPr lang="en-GB" dirty="0" smtClean="0">
-              <a:solidFill>
-                <a:srgbClr val="F8AC00"/>
-              </a:solidFill>
-              <a:latin typeface="Calibri" pitchFamily="34" charset="0"/>
-              <a:cs typeface="Calibri" pitchFamily="34" charset="0"/>
-            </a:endParaRPr>
-          </a:p>
-          <a:p>
-            <a:pPr algn="ctr"/>
-            <a:r>
-              <a:rPr lang="en-GB" dirty="0" smtClean="0">
-                <a:solidFill>
-                  <a:srgbClr val="F8AC00"/>
-                </a:solidFill>
-                <a:latin typeface="Calibri" pitchFamily="34" charset="0"/>
-                <a:cs typeface="Calibri" pitchFamily="34" charset="0"/>
-              </a:rPr>
-              <a:t>14</a:t>
-            </a:r>
-            <a:r>
-              <a:rPr lang="en-GB" baseline="30000" dirty="0" smtClean="0">
-                <a:solidFill>
-                  <a:srgbClr val="F8AC00"/>
-                </a:solidFill>
-                <a:latin typeface="Calibri" pitchFamily="34" charset="0"/>
-                <a:cs typeface="Calibri" pitchFamily="34" charset="0"/>
-              </a:rPr>
-              <a:t>th</a:t>
-            </a:r>
-            <a:r>
-              <a:rPr lang="en-GB" dirty="0" smtClean="0">
-                <a:solidFill>
-                  <a:srgbClr val="F8AC00"/>
-                </a:solidFill>
-                <a:latin typeface="Calibri" pitchFamily="34" charset="0"/>
-                <a:cs typeface="Calibri" pitchFamily="34" charset="0"/>
-              </a:rPr>
-              <a:t> January, 2019</a:t>
-            </a:r>
-            <a:endParaRPr lang="en-GB" dirty="0">
-              <a:solidFill>
-                <a:srgbClr val="F8AC00"/>
-              </a:solidFill>
-              <a:latin typeface="Calibri" pitchFamily="34" charset="0"/>
-              <a:cs typeface="Calibri" pitchFamily="34" charset="0"/>
-            </a:endParaRPr>
-          </a:p>
-        </p:txBody>
-      </p:sp>
-    </p:spTree>
-    <p:extLst>
-      <p:ext uri="{BB962C8B-B14F-4D97-AF65-F5344CB8AC3E}">
-        <p14:creationId xmlns:p14="http://schemas.microsoft.com/office/powerpoint/2010/main" val="1107350986"/>
-      </p:ext>
-    </p:extLst>
-  </p:cSld>
-  <p:clrMapOvr>
-    <a:masterClrMapping/>
-  </p:clrMapOvr>
-  <mc:AlternateContent xmlns:mc="http://schemas.openxmlformats.org/markup-compatibility/2006" xmlns:p14="http://schemas.microsoft.com/office/powerpoint/2010/main">
-    <mc:Choice Requires="p14">
-      <p:transition spd="slow" p14:dur="2000"/>
-    </mc:Choice>
-    <mc:Fallback xmlns="">
-      <p:transition spd="slow"/>
-    </mc:Fallback>
-  </mc:AlternateContent>
-  <p:timing>
-    <p:tnLst>
-      <p:par>
-        <p:cTn id="1" dur="indefinite" restart="never" nodeType="tmRoot"/>
-      </p:par>
-    </p:tnLst>
-  </p:timing>
-</p:sld>
-</file>
-
-<file path=ppt/slides/slide20.xml><?xml version="1.0" encoding="utf-8"?>
+<file path=ppt/slides/slide18.xml><?xml version="1.0" encoding="utf-8"?>
 <p:sld xmlns:a="http://schemas.openxmlformats.org/drawingml/2006/main" xmlns:r="http://schemas.openxmlformats.org/officeDocument/2006/relationships" xmlns:p="http://schemas.openxmlformats.org/presentationml/2006/main">
   <p:cSld>
     <p:spTree>
@@ -16384,7 +14408,7 @@
             <a:fld id="{7424366F-F7E8-4910-A56C-2C3CC9C22C20}" type="slidenum">
               <a:rPr lang="en-US" altLang="en-US" sz="1400"/>
               <a:pPr algn="r"/>
-              <a:t>20</a:t>
+              <a:t>18</a:t>
             </a:fld>
             <a:endParaRPr lang="en-US" altLang="en-US" sz="1400"/>
           </a:p>
@@ -16558,7 +14582,7 @@
 </p:sld>
 </file>
 
-<file path=ppt/slides/slide21.xml><?xml version="1.0" encoding="utf-8"?>
+<file path=ppt/slides/slide19.xml><?xml version="1.0" encoding="utf-8"?>
 <p:sld xmlns:a="http://schemas.openxmlformats.org/drawingml/2006/main" xmlns:r="http://schemas.openxmlformats.org/officeDocument/2006/relationships" xmlns:p="http://schemas.openxmlformats.org/presentationml/2006/main">
   <p:cSld>
     <p:spTree>
@@ -16693,7 +14717,7 @@
             <a:fld id="{DAA5405F-B06A-4B8A-B6DF-1FC5F50BE18F}" type="slidenum">
               <a:rPr lang="en-US" altLang="en-US" sz="1400"/>
               <a:pPr algn="r"/>
-              <a:t>21</a:t>
+              <a:t>19</a:t>
             </a:fld>
             <a:endParaRPr lang="en-US" altLang="en-US" sz="1400"/>
           </a:p>
@@ -16879,7 +14903,441 @@
 </p:sld>
 </file>
 
-<file path=ppt/slides/slide22.xml><?xml version="1.0" encoding="utf-8"?>
+<file path=ppt/slides/slide2.xml><?xml version="1.0" encoding="utf-8"?>
+<p:sld xmlns:a="http://schemas.openxmlformats.org/drawingml/2006/main" xmlns:r="http://schemas.openxmlformats.org/officeDocument/2006/relationships" xmlns:p="http://schemas.openxmlformats.org/presentationml/2006/main">
+  <p:cSld>
+    <p:spTree>
+      <p:nvGrpSpPr>
+        <p:cNvPr id="1" name=""/>
+        <p:cNvGrpSpPr/>
+        <p:nvPr/>
+      </p:nvGrpSpPr>
+      <p:grpSpPr>
+        <a:xfrm>
+          <a:off x="0" y="0"/>
+          <a:ext cx="0" cy="0"/>
+          <a:chOff x="0" y="0"/>
+          <a:chExt cx="0" cy="0"/>
+        </a:xfrm>
+      </p:grpSpPr>
+      <p:sp>
+        <p:nvSpPr>
+          <p:cNvPr id="4098" name="Slide Number Placeholder 2"/>
+          <p:cNvSpPr>
+            <a:spLocks noGrp="1"/>
+          </p:cNvSpPr>
+          <p:nvPr>
+            <p:ph type="sldNum" sz="quarter" idx="10"/>
+          </p:nvPr>
+        </p:nvSpPr>
+        <p:spPr>
+          <a:noFill/>
+        </p:spPr>
+        <p:txBody>
+          <a:bodyPr/>
+          <a:lstStyle>
+            <a:lvl1pPr algn="ctr">
+              <a:defRPr sz="4000" b="1">
+                <a:solidFill>
+                  <a:schemeClr val="tx1"/>
+                </a:solidFill>
+                <a:latin typeface="Arial" panose="020B0604020202020204" pitchFamily="34" charset="0"/>
+              </a:defRPr>
+            </a:lvl1pPr>
+            <a:lvl2pPr marL="742950" indent="-285750" algn="ctr">
+              <a:defRPr sz="4000" b="1">
+                <a:solidFill>
+                  <a:schemeClr val="tx1"/>
+                </a:solidFill>
+                <a:latin typeface="Arial" panose="020B0604020202020204" pitchFamily="34" charset="0"/>
+              </a:defRPr>
+            </a:lvl2pPr>
+            <a:lvl3pPr marL="1143000" indent="-228600" algn="ctr">
+              <a:defRPr sz="4000" b="1">
+                <a:solidFill>
+                  <a:schemeClr val="tx1"/>
+                </a:solidFill>
+                <a:latin typeface="Arial" panose="020B0604020202020204" pitchFamily="34" charset="0"/>
+              </a:defRPr>
+            </a:lvl3pPr>
+            <a:lvl4pPr marL="1600200" indent="-228600" algn="ctr">
+              <a:defRPr sz="4000" b="1">
+                <a:solidFill>
+                  <a:schemeClr val="tx1"/>
+                </a:solidFill>
+                <a:latin typeface="Arial" panose="020B0604020202020204" pitchFamily="34" charset="0"/>
+              </a:defRPr>
+            </a:lvl4pPr>
+            <a:lvl5pPr marL="2057400" indent="-228600" algn="ctr">
+              <a:defRPr sz="4000" b="1">
+                <a:solidFill>
+                  <a:schemeClr val="tx1"/>
+                </a:solidFill>
+                <a:latin typeface="Arial" panose="020B0604020202020204" pitchFamily="34" charset="0"/>
+              </a:defRPr>
+            </a:lvl5pPr>
+            <a:lvl6pPr marL="2514600" indent="-228600" algn="ctr" eaLnBrk="0" fontAlgn="base" hangingPunct="0">
+              <a:spcBef>
+                <a:spcPct val="0"/>
+              </a:spcBef>
+              <a:spcAft>
+                <a:spcPct val="0"/>
+              </a:spcAft>
+              <a:defRPr sz="4000" b="1">
+                <a:solidFill>
+                  <a:schemeClr val="tx1"/>
+                </a:solidFill>
+                <a:latin typeface="Arial" panose="020B0604020202020204" pitchFamily="34" charset="0"/>
+              </a:defRPr>
+            </a:lvl6pPr>
+            <a:lvl7pPr marL="2971800" indent="-228600" algn="ctr" eaLnBrk="0" fontAlgn="base" hangingPunct="0">
+              <a:spcBef>
+                <a:spcPct val="0"/>
+              </a:spcBef>
+              <a:spcAft>
+                <a:spcPct val="0"/>
+              </a:spcAft>
+              <a:defRPr sz="4000" b="1">
+                <a:solidFill>
+                  <a:schemeClr val="tx1"/>
+                </a:solidFill>
+                <a:latin typeface="Arial" panose="020B0604020202020204" pitchFamily="34" charset="0"/>
+              </a:defRPr>
+            </a:lvl7pPr>
+            <a:lvl8pPr marL="3429000" indent="-228600" algn="ctr" eaLnBrk="0" fontAlgn="base" hangingPunct="0">
+              <a:spcBef>
+                <a:spcPct val="0"/>
+              </a:spcBef>
+              <a:spcAft>
+                <a:spcPct val="0"/>
+              </a:spcAft>
+              <a:defRPr sz="4000" b="1">
+                <a:solidFill>
+                  <a:schemeClr val="tx1"/>
+                </a:solidFill>
+                <a:latin typeface="Arial" panose="020B0604020202020204" pitchFamily="34" charset="0"/>
+              </a:defRPr>
+            </a:lvl8pPr>
+            <a:lvl9pPr marL="3886200" indent="-228600" algn="ctr" eaLnBrk="0" fontAlgn="base" hangingPunct="0">
+              <a:spcBef>
+                <a:spcPct val="0"/>
+              </a:spcBef>
+              <a:spcAft>
+                <a:spcPct val="0"/>
+              </a:spcAft>
+              <a:defRPr sz="4000" b="1">
+                <a:solidFill>
+                  <a:schemeClr val="tx1"/>
+                </a:solidFill>
+                <a:latin typeface="Arial" panose="020B0604020202020204" pitchFamily="34" charset="0"/>
+              </a:defRPr>
+            </a:lvl9pPr>
+          </a:lstStyle>
+          <a:p>
+            <a:pPr algn="r"/>
+            <a:fld id="{0C6F3556-FFE0-4CAE-802A-E4879E9DD42D}" type="slidenum">
+              <a:rPr lang="en-US" altLang="en-US" sz="1400"/>
+              <a:pPr algn="r"/>
+              <a:t>2</a:t>
+            </a:fld>
+            <a:endParaRPr lang="en-US" altLang="en-US" sz="1400"/>
+          </a:p>
+        </p:txBody>
+      </p:sp>
+      <p:sp>
+        <p:nvSpPr>
+          <p:cNvPr id="4099" name="Rectangle 2"/>
+          <p:cNvSpPr>
+            <a:spLocks noGrp="1" noChangeArrowheads="1"/>
+          </p:cNvSpPr>
+          <p:nvPr>
+            <p:ph type="title"/>
+          </p:nvPr>
+        </p:nvSpPr>
+        <p:spPr>
+          <a:xfrm>
+            <a:off x="23418" y="6085"/>
+            <a:ext cx="7772400" cy="819944"/>
+          </a:xfrm>
+        </p:spPr>
+        <p:txBody>
+          <a:bodyPr>
+            <a:normAutofit/>
+          </a:bodyPr>
+          <a:lstStyle/>
+          <a:p>
+            <a:pPr algn="l" eaLnBrk="1" hangingPunct="1"/>
+            <a:r>
+              <a:rPr lang="en-US" altLang="en-US" b="1" dirty="0" smtClean="0"/>
+              <a:t>Tools for reasoning: Logic</a:t>
+            </a:r>
+          </a:p>
+        </p:txBody>
+      </p:sp>
+      <p:sp>
+        <p:nvSpPr>
+          <p:cNvPr id="4100" name="Text Box 3"/>
+          <p:cNvSpPr txBox="1">
+            <a:spLocks noChangeArrowheads="1"/>
+          </p:cNvSpPr>
+          <p:nvPr/>
+        </p:nvSpPr>
+        <p:spPr bwMode="auto">
+          <a:xfrm>
+            <a:off x="304800" y="1628800"/>
+            <a:ext cx="8534400" cy="3514808"/>
+          </a:xfrm>
+          <a:prstGeom prst="rect">
+            <a:avLst/>
+          </a:prstGeom>
+          <a:noFill/>
+          <a:ln>
+            <a:noFill/>
+          </a:ln>
+          <a:effectLst/>
+          <a:extLst>
+            <a:ext uri="{909E8E84-426E-40DD-AFC4-6F175D3DCCD1}">
+              <a14:hiddenFill xmlns:a14="http://schemas.microsoft.com/office/drawing/2010/main">
+                <a:solidFill>
+                  <a:schemeClr val="tx1"/>
+                </a:solidFill>
+              </a14:hiddenFill>
+            </a:ext>
+            <a:ext uri="{91240B29-F687-4F45-9708-019B960494DF}">
+              <a14:hiddenLine xmlns:a14="http://schemas.microsoft.com/office/drawing/2010/main" w="9525">
+                <a:solidFill>
+                  <a:schemeClr val="tx1"/>
+                </a:solidFill>
+                <a:miter lim="800000"/>
+                <a:headEnd/>
+                <a:tailEnd/>
+              </a14:hiddenLine>
+            </a:ext>
+            <a:ext uri="{AF507438-7753-43E0-B8FC-AC1667EBCBE1}">
+              <a14:hiddenEffects xmlns:a14="http://schemas.microsoft.com/office/drawing/2010/main">
+                <a:effectLst>
+                  <a:outerShdw dist="35921" dir="2700000" algn="ctr" rotWithShape="0">
+                    <a:schemeClr val="bg2"/>
+                  </a:outerShdw>
+                </a:effectLst>
+              </a14:hiddenEffects>
+            </a:ext>
+          </a:extLst>
+        </p:spPr>
+        <p:txBody>
+          <a:bodyPr>
+            <a:spAutoFit/>
+          </a:bodyPr>
+          <a:lstStyle>
+            <a:lvl1pPr algn="ctr">
+              <a:defRPr sz="4000" b="1">
+                <a:solidFill>
+                  <a:schemeClr val="tx1"/>
+                </a:solidFill>
+                <a:latin typeface="Arial" panose="020B0604020202020204" pitchFamily="34" charset="0"/>
+              </a:defRPr>
+            </a:lvl1pPr>
+            <a:lvl2pPr marL="742950" indent="-285750" algn="ctr">
+              <a:defRPr sz="4000" b="1">
+                <a:solidFill>
+                  <a:schemeClr val="tx1"/>
+                </a:solidFill>
+                <a:latin typeface="Arial" panose="020B0604020202020204" pitchFamily="34" charset="0"/>
+              </a:defRPr>
+            </a:lvl2pPr>
+            <a:lvl3pPr algn="ctr">
+              <a:defRPr sz="4000" b="1">
+                <a:solidFill>
+                  <a:schemeClr val="tx1"/>
+                </a:solidFill>
+                <a:latin typeface="Arial" panose="020B0604020202020204" pitchFamily="34" charset="0"/>
+              </a:defRPr>
+            </a:lvl3pPr>
+            <a:lvl4pPr marL="1600200" indent="-228600" algn="ctr">
+              <a:defRPr sz="4000" b="1">
+                <a:solidFill>
+                  <a:schemeClr val="tx1"/>
+                </a:solidFill>
+                <a:latin typeface="Arial" panose="020B0604020202020204" pitchFamily="34" charset="0"/>
+              </a:defRPr>
+            </a:lvl4pPr>
+            <a:lvl5pPr marL="2057400" indent="-228600" algn="ctr">
+              <a:defRPr sz="4000" b="1">
+                <a:solidFill>
+                  <a:schemeClr val="tx1"/>
+                </a:solidFill>
+                <a:latin typeface="Arial" panose="020B0604020202020204" pitchFamily="34" charset="0"/>
+              </a:defRPr>
+            </a:lvl5pPr>
+            <a:lvl6pPr marL="2514600" indent="-228600" algn="ctr" eaLnBrk="0" fontAlgn="base" hangingPunct="0">
+              <a:spcBef>
+                <a:spcPct val="0"/>
+              </a:spcBef>
+              <a:spcAft>
+                <a:spcPct val="0"/>
+              </a:spcAft>
+              <a:defRPr sz="4000" b="1">
+                <a:solidFill>
+                  <a:schemeClr val="tx1"/>
+                </a:solidFill>
+                <a:latin typeface="Arial" panose="020B0604020202020204" pitchFamily="34" charset="0"/>
+              </a:defRPr>
+            </a:lvl6pPr>
+            <a:lvl7pPr marL="2971800" indent="-228600" algn="ctr" eaLnBrk="0" fontAlgn="base" hangingPunct="0">
+              <a:spcBef>
+                <a:spcPct val="0"/>
+              </a:spcBef>
+              <a:spcAft>
+                <a:spcPct val="0"/>
+              </a:spcAft>
+              <a:defRPr sz="4000" b="1">
+                <a:solidFill>
+                  <a:schemeClr val="tx1"/>
+                </a:solidFill>
+                <a:latin typeface="Arial" panose="020B0604020202020204" pitchFamily="34" charset="0"/>
+              </a:defRPr>
+            </a:lvl7pPr>
+            <a:lvl8pPr marL="3429000" indent="-228600" algn="ctr" eaLnBrk="0" fontAlgn="base" hangingPunct="0">
+              <a:spcBef>
+                <a:spcPct val="0"/>
+              </a:spcBef>
+              <a:spcAft>
+                <a:spcPct val="0"/>
+              </a:spcAft>
+              <a:defRPr sz="4000" b="1">
+                <a:solidFill>
+                  <a:schemeClr val="tx1"/>
+                </a:solidFill>
+                <a:latin typeface="Arial" panose="020B0604020202020204" pitchFamily="34" charset="0"/>
+              </a:defRPr>
+            </a:lvl8pPr>
+            <a:lvl9pPr marL="3886200" indent="-228600" algn="ctr" eaLnBrk="0" fontAlgn="base" hangingPunct="0">
+              <a:spcBef>
+                <a:spcPct val="0"/>
+              </a:spcBef>
+              <a:spcAft>
+                <a:spcPct val="0"/>
+              </a:spcAft>
+              <a:defRPr sz="4000" b="1">
+                <a:solidFill>
+                  <a:schemeClr val="tx1"/>
+                </a:solidFill>
+                <a:latin typeface="Arial" panose="020B0604020202020204" pitchFamily="34" charset="0"/>
+              </a:defRPr>
+            </a:lvl9pPr>
+          </a:lstStyle>
+          <a:p>
+            <a:pPr algn="l" eaLnBrk="1" hangingPunct="1"/>
+            <a:r>
+              <a:rPr lang="en-US" altLang="en-US" sz="3200" dirty="0" smtClean="0">
+                <a:latin typeface="+mn-lt"/>
+              </a:rPr>
+              <a:t>Introduction </a:t>
+            </a:r>
+            <a:r>
+              <a:rPr lang="en-US" altLang="en-US" sz="3200" dirty="0">
+                <a:latin typeface="+mn-lt"/>
+              </a:rPr>
+              <a:t>to Propositional Logic</a:t>
+            </a:r>
+          </a:p>
+          <a:p>
+            <a:pPr lvl="2" algn="l" eaLnBrk="1" hangingPunct="1">
+              <a:spcBef>
+                <a:spcPct val="20000"/>
+              </a:spcBef>
+              <a:buFontTx/>
+              <a:buChar char="•"/>
+            </a:pPr>
+            <a:r>
+              <a:rPr lang="en-US" altLang="en-US" sz="2400" b="0" dirty="0">
+                <a:latin typeface="+mn-lt"/>
+              </a:rPr>
+              <a:t> </a:t>
+            </a:r>
+            <a:r>
+              <a:rPr lang="en-US" altLang="en-US" sz="3200" b="0" dirty="0">
+                <a:latin typeface="+mn-lt"/>
+              </a:rPr>
+              <a:t>Truth values, truth tables</a:t>
+            </a:r>
+          </a:p>
+          <a:p>
+            <a:pPr lvl="2" algn="l" eaLnBrk="1" hangingPunct="1">
+              <a:spcBef>
+                <a:spcPct val="20000"/>
+              </a:spcBef>
+              <a:buFontTx/>
+              <a:buChar char="•"/>
+            </a:pPr>
+            <a:r>
+              <a:rPr lang="en-US" altLang="en-US" sz="3200" b="0" dirty="0">
+                <a:latin typeface="+mn-lt"/>
+              </a:rPr>
+              <a:t> Boolean logic: </a:t>
+            </a:r>
+            <a:r>
+              <a:rPr lang="en-US" altLang="en-US" sz="3200" b="0" dirty="0">
+                <a:latin typeface="+mn-lt"/>
+                <a:sym typeface="Symbol" panose="05050102010706020507" pitchFamily="18" charset="2"/>
+              </a:rPr>
+              <a:t>    </a:t>
+            </a:r>
+          </a:p>
+          <a:p>
+            <a:pPr lvl="2" algn="l" eaLnBrk="1" hangingPunct="1">
+              <a:spcBef>
+                <a:spcPct val="20000"/>
+              </a:spcBef>
+              <a:buFontTx/>
+              <a:buChar char="•"/>
+            </a:pPr>
+            <a:r>
+              <a:rPr lang="en-US" altLang="en-US" sz="3200" b="0" dirty="0">
+                <a:latin typeface="+mn-lt"/>
+                <a:sym typeface="Symbol" panose="05050102010706020507" pitchFamily="18" charset="2"/>
+              </a:rPr>
+              <a:t> Implications:   </a:t>
+            </a:r>
+          </a:p>
+          <a:p>
+            <a:pPr lvl="2" algn="l" eaLnBrk="1" hangingPunct="1">
+              <a:spcBef>
+                <a:spcPct val="20000"/>
+              </a:spcBef>
+              <a:buFontTx/>
+              <a:buChar char="•"/>
+            </a:pPr>
+            <a:endParaRPr lang="en-US" altLang="en-US" sz="3600" b="0" dirty="0">
+              <a:latin typeface="+mn-lt"/>
+              <a:sym typeface="Symbol" panose="05050102010706020507" pitchFamily="18" charset="2"/>
+            </a:endParaRPr>
+          </a:p>
+          <a:p>
+            <a:pPr lvl="2" algn="l" eaLnBrk="1" hangingPunct="1">
+              <a:buFontTx/>
+              <a:buChar char="•"/>
+            </a:pPr>
+            <a:endParaRPr lang="en-US" altLang="en-US" sz="3200" dirty="0">
+              <a:latin typeface="+mn-lt"/>
+            </a:endParaRPr>
+          </a:p>
+        </p:txBody>
+      </p:sp>
+    </p:spTree>
+    <p:extLst>
+      <p:ext uri="{BB962C8B-B14F-4D97-AF65-F5344CB8AC3E}">
+        <p14:creationId xmlns:p14="http://schemas.microsoft.com/office/powerpoint/2010/main" val="2706160023"/>
+      </p:ext>
+    </p:extLst>
+  </p:cSld>
+  <p:clrMapOvr>
+    <a:masterClrMapping/>
+  </p:clrMapOvr>
+</p:sld>
+</file>
+
+<file path=ppt/slides/slide20.xml><?xml version="1.0" encoding="utf-8"?>
 <p:sld xmlns:a="http://schemas.openxmlformats.org/drawingml/2006/main" xmlns:r="http://schemas.openxmlformats.org/officeDocument/2006/relationships" xmlns:p="http://schemas.openxmlformats.org/presentationml/2006/main">
   <p:cSld>
     <p:spTree>
@@ -17014,7 +15472,7 @@
             <a:fld id="{2948C3D1-1B1F-4A44-8B8F-5FACB4076416}" type="slidenum">
               <a:rPr lang="en-US" altLang="en-US" sz="1400"/>
               <a:pPr algn="r"/>
-              <a:t>22</a:t>
+              <a:t>20</a:t>
             </a:fld>
             <a:endParaRPr lang="en-US" altLang="en-US" sz="1400"/>
           </a:p>
@@ -17148,7 +15606,7 @@
 </p:sld>
 </file>
 
-<file path=ppt/slides/slide23.xml><?xml version="1.0" encoding="utf-8"?>
+<file path=ppt/slides/slide21.xml><?xml version="1.0" encoding="utf-8"?>
 <p:sld xmlns:a="http://schemas.openxmlformats.org/drawingml/2006/main" xmlns:r="http://schemas.openxmlformats.org/officeDocument/2006/relationships" xmlns:p="http://schemas.openxmlformats.org/presentationml/2006/main">
   <p:cSld>
     <p:spTree>
@@ -17283,7 +15741,7 @@
             <a:fld id="{6D1199E2-6173-40D9-8288-E81D21502A51}" type="slidenum">
               <a:rPr lang="en-US" altLang="en-US" sz="1400"/>
               <a:pPr algn="r"/>
-              <a:t>23</a:t>
+              <a:t>21</a:t>
             </a:fld>
             <a:endParaRPr lang="en-US" altLang="en-US" sz="1400"/>
           </a:p>
@@ -17416,7 +15874,7 @@
 </p:sld>
 </file>
 
-<file path=ppt/slides/slide24.xml><?xml version="1.0" encoding="utf-8"?>
+<file path=ppt/slides/slide22.xml><?xml version="1.0" encoding="utf-8"?>
 <p:sld xmlns:a="http://schemas.openxmlformats.org/drawingml/2006/main" xmlns:r="http://schemas.openxmlformats.org/officeDocument/2006/relationships" xmlns:p="http://schemas.openxmlformats.org/presentationml/2006/main">
   <p:cSld>
     <p:spTree>
@@ -17551,7 +16009,7 @@
             <a:fld id="{268D27AF-4BC1-458B-B20D-396FA96F2C7D}" type="slidenum">
               <a:rPr lang="en-US" altLang="en-US" sz="1400"/>
               <a:pPr algn="r"/>
-              <a:t>24</a:t>
+              <a:t>22</a:t>
             </a:fld>
             <a:endParaRPr lang="en-US" altLang="en-US" sz="1400"/>
           </a:p>
@@ -17623,7 +16081,7 @@
 </p:sld>
 </file>
 
-<file path=ppt/slides/slide25.xml><?xml version="1.0" encoding="utf-8"?>
+<file path=ppt/slides/slide23.xml><?xml version="1.0" encoding="utf-8"?>
 <p:sld xmlns:a="http://schemas.openxmlformats.org/drawingml/2006/main" xmlns:r="http://schemas.openxmlformats.org/officeDocument/2006/relationships" xmlns:p="http://schemas.openxmlformats.org/presentationml/2006/main">
   <p:cSld>
     <p:spTree>
@@ -17758,7 +16216,7 @@
             <a:fld id="{9FDC4A5F-ADF9-4864-A2A2-4AFF92DAB3E4}" type="slidenum">
               <a:rPr lang="en-US" altLang="en-US" sz="1400"/>
               <a:pPr algn="r"/>
-              <a:t>25</a:t>
+              <a:t>23</a:t>
             </a:fld>
             <a:endParaRPr lang="en-US" altLang="en-US" sz="1400"/>
           </a:p>
@@ -17994,7 +16452,7 @@
 </p:sld>
 </file>
 
-<file path=ppt/slides/slide26.xml><?xml version="1.0" encoding="utf-8"?>
+<file path=ppt/slides/slide24.xml><?xml version="1.0" encoding="utf-8"?>
 <p:sld xmlns:a="http://schemas.openxmlformats.org/drawingml/2006/main" xmlns:r="http://schemas.openxmlformats.org/officeDocument/2006/relationships" xmlns:p="http://schemas.openxmlformats.org/presentationml/2006/main">
   <p:cSld>
     <p:spTree>
@@ -18129,7 +16587,7 @@
             <a:fld id="{B00722F1-F438-41CA-92B6-EB3D5908D5CB}" type="slidenum">
               <a:rPr lang="en-US" altLang="en-US" sz="1400"/>
               <a:pPr algn="r"/>
-              <a:t>26</a:t>
+              <a:t>24</a:t>
             </a:fld>
             <a:endParaRPr lang="en-US" altLang="en-US" sz="1400"/>
           </a:p>
@@ -18439,7 +16897,7 @@
 </p:sld>
 </file>
 
-<file path=ppt/slides/slide27.xml><?xml version="1.0" encoding="utf-8"?>
+<file path=ppt/slides/slide25.xml><?xml version="1.0" encoding="utf-8"?>
 <p:sld xmlns:a="http://schemas.openxmlformats.org/drawingml/2006/main" xmlns:r="http://schemas.openxmlformats.org/officeDocument/2006/relationships" xmlns:p="http://schemas.openxmlformats.org/presentationml/2006/main">
   <p:cSld>
     <p:spTree>
@@ -18574,7 +17032,7 @@
             <a:fld id="{8B1FC622-7AC7-4E55-B254-78ECC659EFBC}" type="slidenum">
               <a:rPr lang="en-US" altLang="en-US" sz="1400"/>
               <a:pPr algn="r"/>
-              <a:t>27</a:t>
+              <a:t>25</a:t>
             </a:fld>
             <a:endParaRPr lang="en-US" altLang="en-US" sz="1400"/>
           </a:p>
@@ -18743,7 +17201,7 @@
 </p:sld>
 </file>
 
-<file path=ppt/slides/slide28.xml><?xml version="1.0" encoding="utf-8"?>
+<file path=ppt/slides/slide26.xml><?xml version="1.0" encoding="utf-8"?>
 <p:sld xmlns:a="http://schemas.openxmlformats.org/drawingml/2006/main" xmlns:r="http://schemas.openxmlformats.org/officeDocument/2006/relationships" xmlns:p="http://schemas.openxmlformats.org/presentationml/2006/main">
   <p:cSld>
     <p:spTree>
@@ -18878,7 +17336,7 @@
             <a:fld id="{A9B210FC-C52E-4408-ACFD-43F91B46B865}" type="slidenum">
               <a:rPr lang="en-US" altLang="en-US" sz="1400"/>
               <a:pPr algn="r"/>
-              <a:t>28</a:t>
+              <a:t>26</a:t>
             </a:fld>
             <a:endParaRPr lang="en-US" altLang="en-US" sz="1400"/>
           </a:p>
@@ -18957,7 +17415,7 @@
 </p:sld>
 </file>
 
-<file path=ppt/slides/slide29.xml><?xml version="1.0" encoding="utf-8"?>
+<file path=ppt/slides/slide27.xml><?xml version="1.0" encoding="utf-8"?>
 <p:sld xmlns:a="http://schemas.openxmlformats.org/drawingml/2006/main" xmlns:r="http://schemas.openxmlformats.org/officeDocument/2006/relationships" xmlns:p="http://schemas.openxmlformats.org/presentationml/2006/main">
   <p:cSld>
     <p:spTree>
@@ -19092,7 +17550,7 @@
             <a:fld id="{A3F6BF69-11C2-44F2-89B5-2F22F4034235}" type="slidenum">
               <a:rPr lang="en-US" altLang="en-US" sz="1400"/>
               <a:pPr algn="r"/>
-              <a:t>29</a:t>
+              <a:t>27</a:t>
             </a:fld>
             <a:endParaRPr lang="en-US" altLang="en-US" sz="1400"/>
           </a:p>
@@ -19357,129 +17815,7 @@
 </p:sld>
 </file>
 
-<file path=ppt/slides/slide3.xml><?xml version="1.0" encoding="utf-8"?>
-<p:sld xmlns:a="http://schemas.openxmlformats.org/drawingml/2006/main" xmlns:r="http://schemas.openxmlformats.org/officeDocument/2006/relationships" xmlns:p="http://schemas.openxmlformats.org/presentationml/2006/main">
-  <p:cSld>
-    <p:spTree>
-      <p:nvGrpSpPr>
-        <p:cNvPr id="1" name=""/>
-        <p:cNvGrpSpPr/>
-        <p:nvPr/>
-      </p:nvGrpSpPr>
-      <p:grpSpPr>
-        <a:xfrm>
-          <a:off x="0" y="0"/>
-          <a:ext cx="0" cy="0"/>
-          <a:chOff x="0" y="0"/>
-          <a:chExt cx="0" cy="0"/>
-        </a:xfrm>
-      </p:grpSpPr>
-      <p:sp>
-        <p:nvSpPr>
-          <p:cNvPr id="2" name="Title 1"/>
-          <p:cNvSpPr>
-            <a:spLocks noGrp="1"/>
-          </p:cNvSpPr>
-          <p:nvPr>
-            <p:ph type="title"/>
-          </p:nvPr>
-        </p:nvSpPr>
-        <p:spPr/>
-        <p:txBody>
-          <a:bodyPr/>
-          <a:lstStyle/>
-          <a:p>
-            <a:endParaRPr lang="en-GB" b="1" dirty="0"/>
-          </a:p>
-        </p:txBody>
-      </p:sp>
-      <p:sp>
-        <p:nvSpPr>
-          <p:cNvPr id="3" name="Content Placeholder 2"/>
-          <p:cNvSpPr>
-            <a:spLocks noGrp="1"/>
-          </p:cNvSpPr>
-          <p:nvPr>
-            <p:ph idx="1"/>
-          </p:nvPr>
-        </p:nvSpPr>
-        <p:spPr>
-          <a:xfrm>
-            <a:off x="457200" y="1600201"/>
-            <a:ext cx="8229600" cy="4349080"/>
-          </a:xfrm>
-        </p:spPr>
-        <p:txBody>
-          <a:bodyPr>
-            <a:normAutofit/>
-          </a:bodyPr>
-          <a:lstStyle/>
-          <a:p>
-            <a:pPr marL="514350" indent="-514350">
-              <a:buFont typeface="+mj-lt"/>
-              <a:buAutoNum type="arabicPeriod"/>
-            </a:pPr>
-            <a:endParaRPr lang="en-GB" dirty="0"/>
-          </a:p>
-          <a:p>
-            <a:pPr marL="514350" indent="-514350">
-              <a:buFont typeface="+mj-lt"/>
-              <a:buAutoNum type="arabicPeriod"/>
-            </a:pPr>
-            <a:endParaRPr lang="en-GB" dirty="0"/>
-          </a:p>
-          <a:p>
-            <a:endParaRPr lang="en-GB" dirty="0"/>
-          </a:p>
-        </p:txBody>
-      </p:sp>
-      <p:sp>
-        <p:nvSpPr>
-          <p:cNvPr id="4" name="Slide Number Placeholder 3"/>
-          <p:cNvSpPr>
-            <a:spLocks noGrp="1"/>
-          </p:cNvSpPr>
-          <p:nvPr>
-            <p:ph type="sldNum" sz="quarter" idx="12"/>
-          </p:nvPr>
-        </p:nvSpPr>
-        <p:spPr/>
-        <p:txBody>
-          <a:bodyPr/>
-          <a:lstStyle/>
-          <a:p>
-            <a:pPr>
-              <a:defRPr/>
-            </a:pPr>
-            <a:r>
-              <a:rPr lang="en-GB"/>
-              <a:t>Slide  </a:t>
-            </a:r>
-            <a:fld id="{35EF31DC-37E0-46A7-B0BE-61665DB0F5C0}" type="slidenum">
-              <a:rPr lang="en-GB" smtClean="0"/>
-              <a:pPr>
-                <a:defRPr/>
-              </a:pPr>
-              <a:t>3</a:t>
-            </a:fld>
-            <a:endParaRPr lang="en-GB"/>
-          </a:p>
-        </p:txBody>
-      </p:sp>
-    </p:spTree>
-    <p:extLst>
-      <p:ext uri="{BB962C8B-B14F-4D97-AF65-F5344CB8AC3E}">
-        <p14:creationId xmlns:p14="http://schemas.microsoft.com/office/powerpoint/2010/main" val="49004202"/>
-      </p:ext>
-    </p:extLst>
-  </p:cSld>
-  <p:clrMapOvr>
-    <a:masterClrMapping/>
-  </p:clrMapOvr>
-</p:sld>
-</file>
-
-<file path=ppt/slides/slide30.xml><?xml version="1.0" encoding="utf-8"?>
+<file path=ppt/slides/slide28.xml><?xml version="1.0" encoding="utf-8"?>
 <p:sld xmlns:a="http://schemas.openxmlformats.org/drawingml/2006/main" xmlns:r="http://schemas.openxmlformats.org/officeDocument/2006/relationships" xmlns:p="http://schemas.openxmlformats.org/presentationml/2006/main">
   <p:cSld>
     <p:spTree>
@@ -19614,7 +17950,7 @@
             <a:fld id="{545D45E5-AE47-44CA-B9C3-18E069B665EA}" type="slidenum">
               <a:rPr lang="en-US" altLang="en-US" sz="1400"/>
               <a:pPr algn="r"/>
-              <a:t>30</a:t>
+              <a:t>28</a:t>
             </a:fld>
             <a:endParaRPr lang="en-US" altLang="en-US" sz="1400"/>
           </a:p>
@@ -19792,7 +18128,7 @@
 </p:sld>
 </file>
 
-<file path=ppt/slides/slide31.xml><?xml version="1.0" encoding="utf-8"?>
+<file path=ppt/slides/slide29.xml><?xml version="1.0" encoding="utf-8"?>
 <p:sld xmlns:a="http://schemas.openxmlformats.org/drawingml/2006/main" xmlns:r="http://schemas.openxmlformats.org/officeDocument/2006/relationships" xmlns:p="http://schemas.openxmlformats.org/presentationml/2006/main">
   <p:cSld>
     <p:spTree>
@@ -19927,7 +18263,7 @@
             <a:fld id="{398E94BB-CE8F-4504-9D0B-143419817FDA}" type="slidenum">
               <a:rPr lang="en-US" altLang="en-US" sz="1400"/>
               <a:pPr algn="r"/>
-              <a:t>31</a:t>
+              <a:t>29</a:t>
             </a:fld>
             <a:endParaRPr lang="en-US" altLang="en-US" sz="1400"/>
           </a:p>
@@ -20056,7 +18392,228 @@
 </p:sld>
 </file>
 
-<file path=ppt/slides/slide32.xml><?xml version="1.0" encoding="utf-8"?>
+<file path=ppt/slides/slide3.xml><?xml version="1.0" encoding="utf-8"?>
+<p:sld xmlns:a="http://schemas.openxmlformats.org/drawingml/2006/main" xmlns:r="http://schemas.openxmlformats.org/officeDocument/2006/relationships" xmlns:p="http://schemas.openxmlformats.org/presentationml/2006/main">
+  <p:cSld>
+    <p:spTree>
+      <p:nvGrpSpPr>
+        <p:cNvPr id="1" name=""/>
+        <p:cNvGrpSpPr/>
+        <p:nvPr/>
+      </p:nvGrpSpPr>
+      <p:grpSpPr>
+        <a:xfrm>
+          <a:off x="0" y="0"/>
+          <a:ext cx="0" cy="0"/>
+          <a:chOff x="0" y="0"/>
+          <a:chExt cx="0" cy="0"/>
+        </a:xfrm>
+      </p:grpSpPr>
+      <p:sp>
+        <p:nvSpPr>
+          <p:cNvPr id="5122" name="Slide Number Placeholder 3"/>
+          <p:cNvSpPr>
+            <a:spLocks noGrp="1"/>
+          </p:cNvSpPr>
+          <p:nvPr>
+            <p:ph type="sldNum" sz="quarter" idx="10"/>
+          </p:nvPr>
+        </p:nvSpPr>
+        <p:spPr>
+          <a:noFill/>
+        </p:spPr>
+        <p:txBody>
+          <a:bodyPr/>
+          <a:lstStyle>
+            <a:lvl1pPr algn="ctr">
+              <a:defRPr sz="4000" b="1">
+                <a:solidFill>
+                  <a:schemeClr val="tx1"/>
+                </a:solidFill>
+                <a:latin typeface="Arial" panose="020B0604020202020204" pitchFamily="34" charset="0"/>
+              </a:defRPr>
+            </a:lvl1pPr>
+            <a:lvl2pPr marL="742950" indent="-285750" algn="ctr">
+              <a:defRPr sz="4000" b="1">
+                <a:solidFill>
+                  <a:schemeClr val="tx1"/>
+                </a:solidFill>
+                <a:latin typeface="Arial" panose="020B0604020202020204" pitchFamily="34" charset="0"/>
+              </a:defRPr>
+            </a:lvl2pPr>
+            <a:lvl3pPr marL="1143000" indent="-228600" algn="ctr">
+              <a:defRPr sz="4000" b="1">
+                <a:solidFill>
+                  <a:schemeClr val="tx1"/>
+                </a:solidFill>
+                <a:latin typeface="Arial" panose="020B0604020202020204" pitchFamily="34" charset="0"/>
+              </a:defRPr>
+            </a:lvl3pPr>
+            <a:lvl4pPr marL="1600200" indent="-228600" algn="ctr">
+              <a:defRPr sz="4000" b="1">
+                <a:solidFill>
+                  <a:schemeClr val="tx1"/>
+                </a:solidFill>
+                <a:latin typeface="Arial" panose="020B0604020202020204" pitchFamily="34" charset="0"/>
+              </a:defRPr>
+            </a:lvl4pPr>
+            <a:lvl5pPr marL="2057400" indent="-228600" algn="ctr">
+              <a:defRPr sz="4000" b="1">
+                <a:solidFill>
+                  <a:schemeClr val="tx1"/>
+                </a:solidFill>
+                <a:latin typeface="Arial" panose="020B0604020202020204" pitchFamily="34" charset="0"/>
+              </a:defRPr>
+            </a:lvl5pPr>
+            <a:lvl6pPr marL="2514600" indent="-228600" algn="ctr" eaLnBrk="0" fontAlgn="base" hangingPunct="0">
+              <a:spcBef>
+                <a:spcPct val="0"/>
+              </a:spcBef>
+              <a:spcAft>
+                <a:spcPct val="0"/>
+              </a:spcAft>
+              <a:defRPr sz="4000" b="1">
+                <a:solidFill>
+                  <a:schemeClr val="tx1"/>
+                </a:solidFill>
+                <a:latin typeface="Arial" panose="020B0604020202020204" pitchFamily="34" charset="0"/>
+              </a:defRPr>
+            </a:lvl6pPr>
+            <a:lvl7pPr marL="2971800" indent="-228600" algn="ctr" eaLnBrk="0" fontAlgn="base" hangingPunct="0">
+              <a:spcBef>
+                <a:spcPct val="0"/>
+              </a:spcBef>
+              <a:spcAft>
+                <a:spcPct val="0"/>
+              </a:spcAft>
+              <a:defRPr sz="4000" b="1">
+                <a:solidFill>
+                  <a:schemeClr val="tx1"/>
+                </a:solidFill>
+                <a:latin typeface="Arial" panose="020B0604020202020204" pitchFamily="34" charset="0"/>
+              </a:defRPr>
+            </a:lvl7pPr>
+            <a:lvl8pPr marL="3429000" indent="-228600" algn="ctr" eaLnBrk="0" fontAlgn="base" hangingPunct="0">
+              <a:spcBef>
+                <a:spcPct val="0"/>
+              </a:spcBef>
+              <a:spcAft>
+                <a:spcPct val="0"/>
+              </a:spcAft>
+              <a:defRPr sz="4000" b="1">
+                <a:solidFill>
+                  <a:schemeClr val="tx1"/>
+                </a:solidFill>
+                <a:latin typeface="Arial" panose="020B0604020202020204" pitchFamily="34" charset="0"/>
+              </a:defRPr>
+            </a:lvl8pPr>
+            <a:lvl9pPr marL="3886200" indent="-228600" algn="ctr" eaLnBrk="0" fontAlgn="base" hangingPunct="0">
+              <a:spcBef>
+                <a:spcPct val="0"/>
+              </a:spcBef>
+              <a:spcAft>
+                <a:spcPct val="0"/>
+              </a:spcAft>
+              <a:defRPr sz="4000" b="1">
+                <a:solidFill>
+                  <a:schemeClr val="tx1"/>
+                </a:solidFill>
+                <a:latin typeface="Arial" panose="020B0604020202020204" pitchFamily="34" charset="0"/>
+              </a:defRPr>
+            </a:lvl9pPr>
+          </a:lstStyle>
+          <a:p>
+            <a:pPr algn="r"/>
+            <a:fld id="{B0CB48DE-4226-4AE9-A9ED-54E41AEE5B1F}" type="slidenum">
+              <a:rPr lang="en-US" altLang="en-US" sz="1400"/>
+              <a:pPr algn="r"/>
+              <a:t>3</a:t>
+            </a:fld>
+            <a:endParaRPr lang="en-US" altLang="en-US" sz="1400"/>
+          </a:p>
+        </p:txBody>
+      </p:sp>
+      <p:sp>
+        <p:nvSpPr>
+          <p:cNvPr id="5123" name="Rectangle 2"/>
+          <p:cNvSpPr>
+            <a:spLocks noGrp="1" noChangeArrowheads="1"/>
+          </p:cNvSpPr>
+          <p:nvPr>
+            <p:ph type="title"/>
+          </p:nvPr>
+        </p:nvSpPr>
+        <p:spPr/>
+        <p:txBody>
+          <a:bodyPr/>
+          <a:lstStyle/>
+          <a:p>
+            <a:pPr algn="l" eaLnBrk="1" hangingPunct="1"/>
+            <a:r>
+              <a:rPr lang="en-US" altLang="en-US" b="1" dirty="0" smtClean="0"/>
+              <a:t>Why study propositional logic?</a:t>
+            </a:r>
+          </a:p>
+        </p:txBody>
+      </p:sp>
+      <p:sp>
+        <p:nvSpPr>
+          <p:cNvPr id="5124" name="Rectangle 3"/>
+          <p:cNvSpPr>
+            <a:spLocks noGrp="1" noChangeArrowheads="1"/>
+          </p:cNvSpPr>
+          <p:nvPr>
+            <p:ph type="body" idx="1"/>
+          </p:nvPr>
+        </p:nvSpPr>
+        <p:spPr/>
+        <p:txBody>
+          <a:bodyPr/>
+          <a:lstStyle/>
+          <a:p>
+            <a:pPr eaLnBrk="1" hangingPunct="1"/>
+            <a:r>
+              <a:rPr lang="en-US" altLang="en-US" dirty="0" smtClean="0"/>
+              <a:t>A formal mathematical “language” for precise reasoning.</a:t>
+            </a:r>
+          </a:p>
+          <a:p>
+            <a:pPr eaLnBrk="1" hangingPunct="1"/>
+            <a:r>
+              <a:rPr lang="en-US" altLang="en-US" dirty="0" smtClean="0"/>
+              <a:t>Start with propositions.</a:t>
+            </a:r>
+          </a:p>
+          <a:p>
+            <a:pPr eaLnBrk="1" hangingPunct="1"/>
+            <a:r>
+              <a:rPr lang="en-US" altLang="en-US" dirty="0" smtClean="0"/>
+              <a:t>Add other constructs like negation, conjunction, disjunction, implication etc.</a:t>
+            </a:r>
+          </a:p>
+          <a:p>
+            <a:pPr eaLnBrk="1" hangingPunct="1"/>
+            <a:r>
+              <a:rPr lang="en-US" altLang="en-US" dirty="0" smtClean="0"/>
+              <a:t>All of these are based on ideas we use daily to reason about things.  </a:t>
+            </a:r>
+          </a:p>
+        </p:txBody>
+      </p:sp>
+    </p:spTree>
+    <p:extLst>
+      <p:ext uri="{BB962C8B-B14F-4D97-AF65-F5344CB8AC3E}">
+        <p14:creationId xmlns:p14="http://schemas.microsoft.com/office/powerpoint/2010/main" val="2278351427"/>
+      </p:ext>
+    </p:extLst>
+  </p:cSld>
+  <p:clrMapOvr>
+    <a:masterClrMapping/>
+  </p:clrMapOvr>
+</p:sld>
+</file>
+
+<file path=ppt/slides/slide30.xml><?xml version="1.0" encoding="utf-8"?>
 <p:sld xmlns:a="http://schemas.openxmlformats.org/drawingml/2006/main" xmlns:r="http://schemas.openxmlformats.org/officeDocument/2006/relationships" xmlns:p="http://schemas.openxmlformats.org/presentationml/2006/main">
   <p:cSld>
     <p:spTree>
@@ -20191,7 +18748,7 @@
             <a:fld id="{E6E8322A-761E-4342-A7AA-CE26DC347151}" type="slidenum">
               <a:rPr lang="en-US" altLang="en-US" sz="1400"/>
               <a:pPr algn="r"/>
-              <a:t>32</a:t>
+              <a:t>30</a:t>
             </a:fld>
             <a:endParaRPr lang="en-US" altLang="en-US" sz="1400"/>
           </a:p>
@@ -20319,7 +18876,7 @@
 </p:sld>
 </file>
 
-<file path=ppt/slides/slide33.xml><?xml version="1.0" encoding="utf-8"?>
+<file path=ppt/slides/slide31.xml><?xml version="1.0" encoding="utf-8"?>
 <p:sld xmlns:a="http://schemas.openxmlformats.org/drawingml/2006/main" xmlns:r="http://schemas.openxmlformats.org/officeDocument/2006/relationships" xmlns:p="http://schemas.openxmlformats.org/presentationml/2006/main">
   <p:cSld>
     <p:spTree>
@@ -20454,7 +19011,7 @@
             <a:fld id="{E94F43CA-AC8F-4BF9-AB1A-414B419BCF53}" type="slidenum">
               <a:rPr lang="en-US" altLang="en-US" sz="1400"/>
               <a:pPr algn="r"/>
-              <a:t>33</a:t>
+              <a:t>31</a:t>
             </a:fld>
             <a:endParaRPr lang="en-US" altLang="en-US" sz="1400"/>
           </a:p>
@@ -20538,7 +19095,7 @@
 </p:sld>
 </file>
 
-<file path=ppt/slides/slide34.xml><?xml version="1.0" encoding="utf-8"?>
+<file path=ppt/slides/slide32.xml><?xml version="1.0" encoding="utf-8"?>
 <p:sld xmlns:a="http://schemas.openxmlformats.org/drawingml/2006/main" xmlns:r="http://schemas.openxmlformats.org/officeDocument/2006/relationships" xmlns:p="http://schemas.openxmlformats.org/presentationml/2006/main">
   <p:cSld>
     <p:spTree>
@@ -20673,7 +19230,7 @@
             <a:fld id="{78ABEFCE-2F61-42A0-BCB7-A3A8E7934371}" type="slidenum">
               <a:rPr lang="en-US" altLang="en-US" sz="1400"/>
               <a:pPr algn="r"/>
-              <a:t>34</a:t>
+              <a:t>32</a:t>
             </a:fld>
             <a:endParaRPr lang="en-US" altLang="en-US" sz="1400"/>
           </a:p>
@@ -20811,7 +19368,7 @@
 </p:sld>
 </file>
 
-<file path=ppt/slides/slide35.xml><?xml version="1.0" encoding="utf-8"?>
+<file path=ppt/slides/slide33.xml><?xml version="1.0" encoding="utf-8"?>
 <p:sld xmlns:a="http://schemas.openxmlformats.org/drawingml/2006/main" xmlns:r="http://schemas.openxmlformats.org/officeDocument/2006/relationships" xmlns:p="http://schemas.openxmlformats.org/presentationml/2006/main">
   <p:cSld>
     <p:spTree>
@@ -20946,7 +19503,7 @@
             <a:fld id="{2CBF0489-B686-40D2-A662-A8FF338A1EA7}" type="slidenum">
               <a:rPr lang="en-US" altLang="en-US" sz="1400"/>
               <a:pPr algn="r"/>
-              <a:t>35</a:t>
+              <a:t>33</a:t>
             </a:fld>
             <a:endParaRPr lang="en-US" altLang="en-US" sz="1400"/>
           </a:p>
@@ -21032,7 +19589,7 @@
 </p:sld>
 </file>
 
-<file path=ppt/slides/slide36.xml><?xml version="1.0" encoding="utf-8"?>
+<file path=ppt/slides/slide34.xml><?xml version="1.0" encoding="utf-8"?>
 <p:sld xmlns:a="http://schemas.openxmlformats.org/drawingml/2006/main" xmlns:r="http://schemas.openxmlformats.org/officeDocument/2006/relationships" xmlns:p="http://schemas.openxmlformats.org/presentationml/2006/main">
   <p:cSld>
     <p:spTree>
@@ -21167,7 +19724,7 @@
             <a:fld id="{977915E0-7024-4C29-901B-B70ED81EF63F}" type="slidenum">
               <a:rPr lang="en-US" altLang="en-US" sz="1400"/>
               <a:pPr algn="r"/>
-              <a:t>36</a:t>
+              <a:t>34</a:t>
             </a:fld>
             <a:endParaRPr lang="en-US" altLang="en-US" sz="1400"/>
           </a:p>
@@ -21421,7 +19978,7 @@
 </p:sld>
 </file>
 
-<file path=ppt/slides/slide37.xml><?xml version="1.0" encoding="utf-8"?>
+<file path=ppt/slides/slide35.xml><?xml version="1.0" encoding="utf-8"?>
 <p:sld xmlns:a="http://schemas.openxmlformats.org/drawingml/2006/main" xmlns:r="http://schemas.openxmlformats.org/officeDocument/2006/relationships" xmlns:p="http://schemas.openxmlformats.org/presentationml/2006/main">
   <p:cSld>
     <p:spTree>
@@ -21556,7 +20113,7 @@
             <a:fld id="{1CE776A9-88FF-41DD-BCA3-1FCBDE5A8843}" type="slidenum">
               <a:rPr lang="en-US" altLang="en-US" sz="1400"/>
               <a:pPr algn="r"/>
-              <a:t>37</a:t>
+              <a:t>35</a:t>
             </a:fld>
             <a:endParaRPr lang="en-US" altLang="en-US" sz="1400"/>
           </a:p>
@@ -21960,7 +20517,7 @@
 </p:sld>
 </file>
 
-<file path=ppt/slides/slide38.xml><?xml version="1.0" encoding="utf-8"?>
+<file path=ppt/slides/slide36.xml><?xml version="1.0" encoding="utf-8"?>
 <p:sld xmlns:a="http://schemas.openxmlformats.org/drawingml/2006/main" xmlns:r="http://schemas.openxmlformats.org/officeDocument/2006/relationships" xmlns:p="http://schemas.openxmlformats.org/presentationml/2006/main">
   <p:cSld>
     <p:spTree>
@@ -22095,7 +20652,7 @@
             <a:fld id="{1B9B327B-A58C-4A79-A058-3B1415A5DE7B}" type="slidenum">
               <a:rPr lang="en-US" altLang="en-US" sz="1400"/>
               <a:pPr algn="r"/>
-              <a:t>38</a:t>
+              <a:t>36</a:t>
             </a:fld>
             <a:endParaRPr lang="en-US" altLang="en-US" sz="1400"/>
           </a:p>
@@ -22564,7 +21121,7 @@
 </p:sld>
 </file>
 
-<file path=ppt/slides/slide39.xml><?xml version="1.0" encoding="utf-8"?>
+<file path=ppt/slides/slide37.xml><?xml version="1.0" encoding="utf-8"?>
 <p:sld xmlns:a="http://schemas.openxmlformats.org/drawingml/2006/main" xmlns:r="http://schemas.openxmlformats.org/officeDocument/2006/relationships" xmlns:p="http://schemas.openxmlformats.org/presentationml/2006/main">
   <p:cSld>
     <p:spTree>
@@ -22699,7 +21256,7 @@
             <a:fld id="{EB8180E6-E93A-4690-B0A5-7B44357F2461}" type="slidenum">
               <a:rPr lang="en-US" altLang="en-US" sz="1400"/>
               <a:pPr algn="r"/>
-              <a:t>39</a:t>
+              <a:t>37</a:t>
             </a:fld>
             <a:endParaRPr lang="en-US" altLang="en-US" sz="1400"/>
           </a:p>
@@ -22946,441 +21503,7 @@
 </p:sld>
 </file>
 
-<file path=ppt/slides/slide4.xml><?xml version="1.0" encoding="utf-8"?>
-<p:sld xmlns:a="http://schemas.openxmlformats.org/drawingml/2006/main" xmlns:r="http://schemas.openxmlformats.org/officeDocument/2006/relationships" xmlns:p="http://schemas.openxmlformats.org/presentationml/2006/main">
-  <p:cSld>
-    <p:spTree>
-      <p:nvGrpSpPr>
-        <p:cNvPr id="1" name=""/>
-        <p:cNvGrpSpPr/>
-        <p:nvPr/>
-      </p:nvGrpSpPr>
-      <p:grpSpPr>
-        <a:xfrm>
-          <a:off x="0" y="0"/>
-          <a:ext cx="0" cy="0"/>
-          <a:chOff x="0" y="0"/>
-          <a:chExt cx="0" cy="0"/>
-        </a:xfrm>
-      </p:grpSpPr>
-      <p:sp>
-        <p:nvSpPr>
-          <p:cNvPr id="4098" name="Slide Number Placeholder 2"/>
-          <p:cNvSpPr>
-            <a:spLocks noGrp="1"/>
-          </p:cNvSpPr>
-          <p:nvPr>
-            <p:ph type="sldNum" sz="quarter" idx="10"/>
-          </p:nvPr>
-        </p:nvSpPr>
-        <p:spPr>
-          <a:noFill/>
-        </p:spPr>
-        <p:txBody>
-          <a:bodyPr/>
-          <a:lstStyle>
-            <a:lvl1pPr algn="ctr">
-              <a:defRPr sz="4000" b="1">
-                <a:solidFill>
-                  <a:schemeClr val="tx1"/>
-                </a:solidFill>
-                <a:latin typeface="Arial" panose="020B0604020202020204" pitchFamily="34" charset="0"/>
-              </a:defRPr>
-            </a:lvl1pPr>
-            <a:lvl2pPr marL="742950" indent="-285750" algn="ctr">
-              <a:defRPr sz="4000" b="1">
-                <a:solidFill>
-                  <a:schemeClr val="tx1"/>
-                </a:solidFill>
-                <a:latin typeface="Arial" panose="020B0604020202020204" pitchFamily="34" charset="0"/>
-              </a:defRPr>
-            </a:lvl2pPr>
-            <a:lvl3pPr marL="1143000" indent="-228600" algn="ctr">
-              <a:defRPr sz="4000" b="1">
-                <a:solidFill>
-                  <a:schemeClr val="tx1"/>
-                </a:solidFill>
-                <a:latin typeface="Arial" panose="020B0604020202020204" pitchFamily="34" charset="0"/>
-              </a:defRPr>
-            </a:lvl3pPr>
-            <a:lvl4pPr marL="1600200" indent="-228600" algn="ctr">
-              <a:defRPr sz="4000" b="1">
-                <a:solidFill>
-                  <a:schemeClr val="tx1"/>
-                </a:solidFill>
-                <a:latin typeface="Arial" panose="020B0604020202020204" pitchFamily="34" charset="0"/>
-              </a:defRPr>
-            </a:lvl4pPr>
-            <a:lvl5pPr marL="2057400" indent="-228600" algn="ctr">
-              <a:defRPr sz="4000" b="1">
-                <a:solidFill>
-                  <a:schemeClr val="tx1"/>
-                </a:solidFill>
-                <a:latin typeface="Arial" panose="020B0604020202020204" pitchFamily="34" charset="0"/>
-              </a:defRPr>
-            </a:lvl5pPr>
-            <a:lvl6pPr marL="2514600" indent="-228600" algn="ctr" eaLnBrk="0" fontAlgn="base" hangingPunct="0">
-              <a:spcBef>
-                <a:spcPct val="0"/>
-              </a:spcBef>
-              <a:spcAft>
-                <a:spcPct val="0"/>
-              </a:spcAft>
-              <a:defRPr sz="4000" b="1">
-                <a:solidFill>
-                  <a:schemeClr val="tx1"/>
-                </a:solidFill>
-                <a:latin typeface="Arial" panose="020B0604020202020204" pitchFamily="34" charset="0"/>
-              </a:defRPr>
-            </a:lvl6pPr>
-            <a:lvl7pPr marL="2971800" indent="-228600" algn="ctr" eaLnBrk="0" fontAlgn="base" hangingPunct="0">
-              <a:spcBef>
-                <a:spcPct val="0"/>
-              </a:spcBef>
-              <a:spcAft>
-                <a:spcPct val="0"/>
-              </a:spcAft>
-              <a:defRPr sz="4000" b="1">
-                <a:solidFill>
-                  <a:schemeClr val="tx1"/>
-                </a:solidFill>
-                <a:latin typeface="Arial" panose="020B0604020202020204" pitchFamily="34" charset="0"/>
-              </a:defRPr>
-            </a:lvl7pPr>
-            <a:lvl8pPr marL="3429000" indent="-228600" algn="ctr" eaLnBrk="0" fontAlgn="base" hangingPunct="0">
-              <a:spcBef>
-                <a:spcPct val="0"/>
-              </a:spcBef>
-              <a:spcAft>
-                <a:spcPct val="0"/>
-              </a:spcAft>
-              <a:defRPr sz="4000" b="1">
-                <a:solidFill>
-                  <a:schemeClr val="tx1"/>
-                </a:solidFill>
-                <a:latin typeface="Arial" panose="020B0604020202020204" pitchFamily="34" charset="0"/>
-              </a:defRPr>
-            </a:lvl8pPr>
-            <a:lvl9pPr marL="3886200" indent="-228600" algn="ctr" eaLnBrk="0" fontAlgn="base" hangingPunct="0">
-              <a:spcBef>
-                <a:spcPct val="0"/>
-              </a:spcBef>
-              <a:spcAft>
-                <a:spcPct val="0"/>
-              </a:spcAft>
-              <a:defRPr sz="4000" b="1">
-                <a:solidFill>
-                  <a:schemeClr val="tx1"/>
-                </a:solidFill>
-                <a:latin typeface="Arial" panose="020B0604020202020204" pitchFamily="34" charset="0"/>
-              </a:defRPr>
-            </a:lvl9pPr>
-          </a:lstStyle>
-          <a:p>
-            <a:pPr algn="r"/>
-            <a:fld id="{0C6F3556-FFE0-4CAE-802A-E4879E9DD42D}" type="slidenum">
-              <a:rPr lang="en-US" altLang="en-US" sz="1400"/>
-              <a:pPr algn="r"/>
-              <a:t>4</a:t>
-            </a:fld>
-            <a:endParaRPr lang="en-US" altLang="en-US" sz="1400"/>
-          </a:p>
-        </p:txBody>
-      </p:sp>
-      <p:sp>
-        <p:nvSpPr>
-          <p:cNvPr id="4099" name="Rectangle 2"/>
-          <p:cNvSpPr>
-            <a:spLocks noGrp="1" noChangeArrowheads="1"/>
-          </p:cNvSpPr>
-          <p:nvPr>
-            <p:ph type="title"/>
-          </p:nvPr>
-        </p:nvSpPr>
-        <p:spPr>
-          <a:xfrm>
-            <a:off x="23418" y="6085"/>
-            <a:ext cx="7772400" cy="819944"/>
-          </a:xfrm>
-        </p:spPr>
-        <p:txBody>
-          <a:bodyPr>
-            <a:normAutofit/>
-          </a:bodyPr>
-          <a:lstStyle/>
-          <a:p>
-            <a:pPr algn="l" eaLnBrk="1" hangingPunct="1"/>
-            <a:r>
-              <a:rPr lang="en-US" altLang="en-US" b="1" dirty="0" smtClean="0"/>
-              <a:t>Tools for reasoning: Logic</a:t>
-            </a:r>
-          </a:p>
-        </p:txBody>
-      </p:sp>
-      <p:sp>
-        <p:nvSpPr>
-          <p:cNvPr id="4100" name="Text Box 3"/>
-          <p:cNvSpPr txBox="1">
-            <a:spLocks noChangeArrowheads="1"/>
-          </p:cNvSpPr>
-          <p:nvPr/>
-        </p:nvSpPr>
-        <p:spPr bwMode="auto">
-          <a:xfrm>
-            <a:off x="304800" y="1628800"/>
-            <a:ext cx="8534400" cy="3514808"/>
-          </a:xfrm>
-          <a:prstGeom prst="rect">
-            <a:avLst/>
-          </a:prstGeom>
-          <a:noFill/>
-          <a:ln>
-            <a:noFill/>
-          </a:ln>
-          <a:effectLst/>
-          <a:extLst>
-            <a:ext uri="{909E8E84-426E-40DD-AFC4-6F175D3DCCD1}">
-              <a14:hiddenFill xmlns:a14="http://schemas.microsoft.com/office/drawing/2010/main">
-                <a:solidFill>
-                  <a:schemeClr val="tx1"/>
-                </a:solidFill>
-              </a14:hiddenFill>
-            </a:ext>
-            <a:ext uri="{91240B29-F687-4F45-9708-019B960494DF}">
-              <a14:hiddenLine xmlns:a14="http://schemas.microsoft.com/office/drawing/2010/main" w="9525">
-                <a:solidFill>
-                  <a:schemeClr val="tx1"/>
-                </a:solidFill>
-                <a:miter lim="800000"/>
-                <a:headEnd/>
-                <a:tailEnd/>
-              </a14:hiddenLine>
-            </a:ext>
-            <a:ext uri="{AF507438-7753-43E0-B8FC-AC1667EBCBE1}">
-              <a14:hiddenEffects xmlns:a14="http://schemas.microsoft.com/office/drawing/2010/main">
-                <a:effectLst>
-                  <a:outerShdw dist="35921" dir="2700000" algn="ctr" rotWithShape="0">
-                    <a:schemeClr val="bg2"/>
-                  </a:outerShdw>
-                </a:effectLst>
-              </a14:hiddenEffects>
-            </a:ext>
-          </a:extLst>
-        </p:spPr>
-        <p:txBody>
-          <a:bodyPr>
-            <a:spAutoFit/>
-          </a:bodyPr>
-          <a:lstStyle>
-            <a:lvl1pPr algn="ctr">
-              <a:defRPr sz="4000" b="1">
-                <a:solidFill>
-                  <a:schemeClr val="tx1"/>
-                </a:solidFill>
-                <a:latin typeface="Arial" panose="020B0604020202020204" pitchFamily="34" charset="0"/>
-              </a:defRPr>
-            </a:lvl1pPr>
-            <a:lvl2pPr marL="742950" indent="-285750" algn="ctr">
-              <a:defRPr sz="4000" b="1">
-                <a:solidFill>
-                  <a:schemeClr val="tx1"/>
-                </a:solidFill>
-                <a:latin typeface="Arial" panose="020B0604020202020204" pitchFamily="34" charset="0"/>
-              </a:defRPr>
-            </a:lvl2pPr>
-            <a:lvl3pPr algn="ctr">
-              <a:defRPr sz="4000" b="1">
-                <a:solidFill>
-                  <a:schemeClr val="tx1"/>
-                </a:solidFill>
-                <a:latin typeface="Arial" panose="020B0604020202020204" pitchFamily="34" charset="0"/>
-              </a:defRPr>
-            </a:lvl3pPr>
-            <a:lvl4pPr marL="1600200" indent="-228600" algn="ctr">
-              <a:defRPr sz="4000" b="1">
-                <a:solidFill>
-                  <a:schemeClr val="tx1"/>
-                </a:solidFill>
-                <a:latin typeface="Arial" panose="020B0604020202020204" pitchFamily="34" charset="0"/>
-              </a:defRPr>
-            </a:lvl4pPr>
-            <a:lvl5pPr marL="2057400" indent="-228600" algn="ctr">
-              <a:defRPr sz="4000" b="1">
-                <a:solidFill>
-                  <a:schemeClr val="tx1"/>
-                </a:solidFill>
-                <a:latin typeface="Arial" panose="020B0604020202020204" pitchFamily="34" charset="0"/>
-              </a:defRPr>
-            </a:lvl5pPr>
-            <a:lvl6pPr marL="2514600" indent="-228600" algn="ctr" eaLnBrk="0" fontAlgn="base" hangingPunct="0">
-              <a:spcBef>
-                <a:spcPct val="0"/>
-              </a:spcBef>
-              <a:spcAft>
-                <a:spcPct val="0"/>
-              </a:spcAft>
-              <a:defRPr sz="4000" b="1">
-                <a:solidFill>
-                  <a:schemeClr val="tx1"/>
-                </a:solidFill>
-                <a:latin typeface="Arial" panose="020B0604020202020204" pitchFamily="34" charset="0"/>
-              </a:defRPr>
-            </a:lvl6pPr>
-            <a:lvl7pPr marL="2971800" indent="-228600" algn="ctr" eaLnBrk="0" fontAlgn="base" hangingPunct="0">
-              <a:spcBef>
-                <a:spcPct val="0"/>
-              </a:spcBef>
-              <a:spcAft>
-                <a:spcPct val="0"/>
-              </a:spcAft>
-              <a:defRPr sz="4000" b="1">
-                <a:solidFill>
-                  <a:schemeClr val="tx1"/>
-                </a:solidFill>
-                <a:latin typeface="Arial" panose="020B0604020202020204" pitchFamily="34" charset="0"/>
-              </a:defRPr>
-            </a:lvl7pPr>
-            <a:lvl8pPr marL="3429000" indent="-228600" algn="ctr" eaLnBrk="0" fontAlgn="base" hangingPunct="0">
-              <a:spcBef>
-                <a:spcPct val="0"/>
-              </a:spcBef>
-              <a:spcAft>
-                <a:spcPct val="0"/>
-              </a:spcAft>
-              <a:defRPr sz="4000" b="1">
-                <a:solidFill>
-                  <a:schemeClr val="tx1"/>
-                </a:solidFill>
-                <a:latin typeface="Arial" panose="020B0604020202020204" pitchFamily="34" charset="0"/>
-              </a:defRPr>
-            </a:lvl8pPr>
-            <a:lvl9pPr marL="3886200" indent="-228600" algn="ctr" eaLnBrk="0" fontAlgn="base" hangingPunct="0">
-              <a:spcBef>
-                <a:spcPct val="0"/>
-              </a:spcBef>
-              <a:spcAft>
-                <a:spcPct val="0"/>
-              </a:spcAft>
-              <a:defRPr sz="4000" b="1">
-                <a:solidFill>
-                  <a:schemeClr val="tx1"/>
-                </a:solidFill>
-                <a:latin typeface="Arial" panose="020B0604020202020204" pitchFamily="34" charset="0"/>
-              </a:defRPr>
-            </a:lvl9pPr>
-          </a:lstStyle>
-          <a:p>
-            <a:pPr algn="l" eaLnBrk="1" hangingPunct="1"/>
-            <a:r>
-              <a:rPr lang="en-US" altLang="en-US" sz="3200" dirty="0" smtClean="0">
-                <a:latin typeface="+mn-lt"/>
-              </a:rPr>
-              <a:t>Introduction </a:t>
-            </a:r>
-            <a:r>
-              <a:rPr lang="en-US" altLang="en-US" sz="3200" dirty="0">
-                <a:latin typeface="+mn-lt"/>
-              </a:rPr>
-              <a:t>to Propositional Logic</a:t>
-            </a:r>
-          </a:p>
-          <a:p>
-            <a:pPr lvl="2" algn="l" eaLnBrk="1" hangingPunct="1">
-              <a:spcBef>
-                <a:spcPct val="20000"/>
-              </a:spcBef>
-              <a:buFontTx/>
-              <a:buChar char="•"/>
-            </a:pPr>
-            <a:r>
-              <a:rPr lang="en-US" altLang="en-US" sz="2400" b="0" dirty="0">
-                <a:latin typeface="+mn-lt"/>
-              </a:rPr>
-              <a:t> </a:t>
-            </a:r>
-            <a:r>
-              <a:rPr lang="en-US" altLang="en-US" sz="3200" b="0" dirty="0">
-                <a:latin typeface="+mn-lt"/>
-              </a:rPr>
-              <a:t>Truth values, truth tables</a:t>
-            </a:r>
-          </a:p>
-          <a:p>
-            <a:pPr lvl="2" algn="l" eaLnBrk="1" hangingPunct="1">
-              <a:spcBef>
-                <a:spcPct val="20000"/>
-              </a:spcBef>
-              <a:buFontTx/>
-              <a:buChar char="•"/>
-            </a:pPr>
-            <a:r>
-              <a:rPr lang="en-US" altLang="en-US" sz="3200" b="0" dirty="0">
-                <a:latin typeface="+mn-lt"/>
-              </a:rPr>
-              <a:t> Boolean logic: </a:t>
-            </a:r>
-            <a:r>
-              <a:rPr lang="en-US" altLang="en-US" sz="3200" b="0" dirty="0">
-                <a:latin typeface="+mn-lt"/>
-                <a:sym typeface="Symbol" panose="05050102010706020507" pitchFamily="18" charset="2"/>
-              </a:rPr>
-              <a:t>    </a:t>
-            </a:r>
-          </a:p>
-          <a:p>
-            <a:pPr lvl="2" algn="l" eaLnBrk="1" hangingPunct="1">
-              <a:spcBef>
-                <a:spcPct val="20000"/>
-              </a:spcBef>
-              <a:buFontTx/>
-              <a:buChar char="•"/>
-            </a:pPr>
-            <a:r>
-              <a:rPr lang="en-US" altLang="en-US" sz="3200" b="0" dirty="0">
-                <a:latin typeface="+mn-lt"/>
-                <a:sym typeface="Symbol" panose="05050102010706020507" pitchFamily="18" charset="2"/>
-              </a:rPr>
-              <a:t> Implications:   </a:t>
-            </a:r>
-          </a:p>
-          <a:p>
-            <a:pPr lvl="2" algn="l" eaLnBrk="1" hangingPunct="1">
-              <a:spcBef>
-                <a:spcPct val="20000"/>
-              </a:spcBef>
-              <a:buFontTx/>
-              <a:buChar char="•"/>
-            </a:pPr>
-            <a:endParaRPr lang="en-US" altLang="en-US" sz="3600" b="0" dirty="0">
-              <a:latin typeface="+mn-lt"/>
-              <a:sym typeface="Symbol" panose="05050102010706020507" pitchFamily="18" charset="2"/>
-            </a:endParaRPr>
-          </a:p>
-          <a:p>
-            <a:pPr lvl="2" algn="l" eaLnBrk="1" hangingPunct="1">
-              <a:buFontTx/>
-              <a:buChar char="•"/>
-            </a:pPr>
-            <a:endParaRPr lang="en-US" altLang="en-US" sz="3200" dirty="0">
-              <a:latin typeface="+mn-lt"/>
-            </a:endParaRPr>
-          </a:p>
-        </p:txBody>
-      </p:sp>
-    </p:spTree>
-    <p:extLst>
-      <p:ext uri="{BB962C8B-B14F-4D97-AF65-F5344CB8AC3E}">
-        <p14:creationId xmlns:p14="http://schemas.microsoft.com/office/powerpoint/2010/main" val="2706160023"/>
-      </p:ext>
-    </p:extLst>
-  </p:cSld>
-  <p:clrMapOvr>
-    <a:masterClrMapping/>
-  </p:clrMapOvr>
-</p:sld>
-</file>
-
-<file path=ppt/slides/slide40.xml><?xml version="1.0" encoding="utf-8"?>
+<file path=ppt/slides/slide38.xml><?xml version="1.0" encoding="utf-8"?>
 <p:sld xmlns:a="http://schemas.openxmlformats.org/drawingml/2006/main" xmlns:r="http://schemas.openxmlformats.org/officeDocument/2006/relationships" xmlns:p="http://schemas.openxmlformats.org/presentationml/2006/main">
   <p:cSld>
     <p:spTree>
@@ -23515,7 +21638,7 @@
             <a:fld id="{E72F2E2E-0933-4831-8539-3033E9A51738}" type="slidenum">
               <a:rPr lang="en-US" altLang="en-US" sz="1400"/>
               <a:pPr algn="r"/>
-              <a:t>40</a:t>
+              <a:t>38</a:t>
             </a:fld>
             <a:endParaRPr lang="en-US" altLang="en-US" sz="1400"/>
           </a:p>
@@ -23942,7 +22065,7 @@
 </p:sld>
 </file>
 
-<file path=ppt/slides/slide41.xml><?xml version="1.0" encoding="utf-8"?>
+<file path=ppt/slides/slide39.xml><?xml version="1.0" encoding="utf-8"?>
 <p:sld xmlns:a="http://schemas.openxmlformats.org/drawingml/2006/main" xmlns:r="http://schemas.openxmlformats.org/officeDocument/2006/relationships" xmlns:p="http://schemas.openxmlformats.org/presentationml/2006/main">
   <p:cSld>
     <p:spTree>
@@ -24077,7 +22200,7 @@
             <a:fld id="{A5AB16AB-85CE-490B-8F82-76596B387C6C}" type="slidenum">
               <a:rPr lang="en-US" altLang="en-US" sz="1400"/>
               <a:pPr algn="r"/>
-              <a:t>41</a:t>
+              <a:t>39</a:t>
             </a:fld>
             <a:endParaRPr lang="en-US" altLang="en-US" sz="1400"/>
           </a:p>
@@ -24236,7 +22359,459 @@
 </p:sld>
 </file>
 
-<file path=ppt/slides/slide42.xml><?xml version="1.0" encoding="utf-8"?>
+<file path=ppt/slides/slide4.xml><?xml version="1.0" encoding="utf-8"?>
+<p:sld xmlns:a="http://schemas.openxmlformats.org/drawingml/2006/main" xmlns:r="http://schemas.openxmlformats.org/officeDocument/2006/relationships" xmlns:p="http://schemas.openxmlformats.org/presentationml/2006/main">
+  <p:cSld>
+    <p:spTree>
+      <p:nvGrpSpPr>
+        <p:cNvPr id="1" name=""/>
+        <p:cNvGrpSpPr/>
+        <p:nvPr/>
+      </p:nvGrpSpPr>
+      <p:grpSpPr>
+        <a:xfrm>
+          <a:off x="0" y="0"/>
+          <a:ext cx="0" cy="0"/>
+          <a:chOff x="0" y="0"/>
+          <a:chExt cx="0" cy="0"/>
+        </a:xfrm>
+      </p:grpSpPr>
+      <p:sp>
+        <p:nvSpPr>
+          <p:cNvPr id="6146" name="Slide Number Placeholder 3"/>
+          <p:cNvSpPr>
+            <a:spLocks noGrp="1"/>
+          </p:cNvSpPr>
+          <p:nvPr>
+            <p:ph type="sldNum" sz="quarter" idx="10"/>
+          </p:nvPr>
+        </p:nvSpPr>
+        <p:spPr>
+          <a:noFill/>
+        </p:spPr>
+        <p:txBody>
+          <a:bodyPr/>
+          <a:lstStyle>
+            <a:lvl1pPr algn="ctr">
+              <a:defRPr sz="4000" b="1">
+                <a:solidFill>
+                  <a:schemeClr val="tx1"/>
+                </a:solidFill>
+                <a:latin typeface="Arial" panose="020B0604020202020204" pitchFamily="34" charset="0"/>
+              </a:defRPr>
+            </a:lvl1pPr>
+            <a:lvl2pPr marL="742950" indent="-285750" algn="ctr">
+              <a:defRPr sz="4000" b="1">
+                <a:solidFill>
+                  <a:schemeClr val="tx1"/>
+                </a:solidFill>
+                <a:latin typeface="Arial" panose="020B0604020202020204" pitchFamily="34" charset="0"/>
+              </a:defRPr>
+            </a:lvl2pPr>
+            <a:lvl3pPr marL="1143000" indent="-228600" algn="ctr">
+              <a:defRPr sz="4000" b="1">
+                <a:solidFill>
+                  <a:schemeClr val="tx1"/>
+                </a:solidFill>
+                <a:latin typeface="Arial" panose="020B0604020202020204" pitchFamily="34" charset="0"/>
+              </a:defRPr>
+            </a:lvl3pPr>
+            <a:lvl4pPr marL="1600200" indent="-228600" algn="ctr">
+              <a:defRPr sz="4000" b="1">
+                <a:solidFill>
+                  <a:schemeClr val="tx1"/>
+                </a:solidFill>
+                <a:latin typeface="Arial" panose="020B0604020202020204" pitchFamily="34" charset="0"/>
+              </a:defRPr>
+            </a:lvl4pPr>
+            <a:lvl5pPr marL="2057400" indent="-228600" algn="ctr">
+              <a:defRPr sz="4000" b="1">
+                <a:solidFill>
+                  <a:schemeClr val="tx1"/>
+                </a:solidFill>
+                <a:latin typeface="Arial" panose="020B0604020202020204" pitchFamily="34" charset="0"/>
+              </a:defRPr>
+            </a:lvl5pPr>
+            <a:lvl6pPr marL="2514600" indent="-228600" algn="ctr" eaLnBrk="0" fontAlgn="base" hangingPunct="0">
+              <a:spcBef>
+                <a:spcPct val="0"/>
+              </a:spcBef>
+              <a:spcAft>
+                <a:spcPct val="0"/>
+              </a:spcAft>
+              <a:defRPr sz="4000" b="1">
+                <a:solidFill>
+                  <a:schemeClr val="tx1"/>
+                </a:solidFill>
+                <a:latin typeface="Arial" panose="020B0604020202020204" pitchFamily="34" charset="0"/>
+              </a:defRPr>
+            </a:lvl6pPr>
+            <a:lvl7pPr marL="2971800" indent="-228600" algn="ctr" eaLnBrk="0" fontAlgn="base" hangingPunct="0">
+              <a:spcBef>
+                <a:spcPct val="0"/>
+              </a:spcBef>
+              <a:spcAft>
+                <a:spcPct val="0"/>
+              </a:spcAft>
+              <a:defRPr sz="4000" b="1">
+                <a:solidFill>
+                  <a:schemeClr val="tx1"/>
+                </a:solidFill>
+                <a:latin typeface="Arial" panose="020B0604020202020204" pitchFamily="34" charset="0"/>
+              </a:defRPr>
+            </a:lvl7pPr>
+            <a:lvl8pPr marL="3429000" indent="-228600" algn="ctr" eaLnBrk="0" fontAlgn="base" hangingPunct="0">
+              <a:spcBef>
+                <a:spcPct val="0"/>
+              </a:spcBef>
+              <a:spcAft>
+                <a:spcPct val="0"/>
+              </a:spcAft>
+              <a:defRPr sz="4000" b="1">
+                <a:solidFill>
+                  <a:schemeClr val="tx1"/>
+                </a:solidFill>
+                <a:latin typeface="Arial" panose="020B0604020202020204" pitchFamily="34" charset="0"/>
+              </a:defRPr>
+            </a:lvl8pPr>
+            <a:lvl9pPr marL="3886200" indent="-228600" algn="ctr" eaLnBrk="0" fontAlgn="base" hangingPunct="0">
+              <a:spcBef>
+                <a:spcPct val="0"/>
+              </a:spcBef>
+              <a:spcAft>
+                <a:spcPct val="0"/>
+              </a:spcAft>
+              <a:defRPr sz="4000" b="1">
+                <a:solidFill>
+                  <a:schemeClr val="tx1"/>
+                </a:solidFill>
+                <a:latin typeface="Arial" panose="020B0604020202020204" pitchFamily="34" charset="0"/>
+              </a:defRPr>
+            </a:lvl9pPr>
+          </a:lstStyle>
+          <a:p>
+            <a:pPr algn="r"/>
+            <a:fld id="{9D9F99FC-83D0-4F81-B3F6-200DC6B6453F}" type="slidenum">
+              <a:rPr lang="en-US" altLang="en-US" sz="1400"/>
+              <a:pPr algn="r"/>
+              <a:t>4</a:t>
+            </a:fld>
+            <a:endParaRPr lang="en-US" altLang="en-US" sz="1400"/>
+          </a:p>
+        </p:txBody>
+      </p:sp>
+      <p:sp>
+        <p:nvSpPr>
+          <p:cNvPr id="6147" name="Rectangle 2"/>
+          <p:cNvSpPr>
+            <a:spLocks noGrp="1" noChangeArrowheads="1"/>
+          </p:cNvSpPr>
+          <p:nvPr>
+            <p:ph type="title"/>
+          </p:nvPr>
+        </p:nvSpPr>
+        <p:spPr>
+          <a:xfrm>
+            <a:off x="685800" y="152400"/>
+            <a:ext cx="7772400" cy="457200"/>
+          </a:xfrm>
+        </p:spPr>
+        <p:txBody>
+          <a:bodyPr>
+            <a:noAutofit/>
+          </a:bodyPr>
+          <a:lstStyle/>
+          <a:p>
+            <a:pPr algn="l" eaLnBrk="1" hangingPunct="1"/>
+            <a:r>
+              <a:rPr lang="en-US" altLang="en-US" b="1" dirty="0" smtClean="0"/>
+              <a:t>Propositions</a:t>
+            </a:r>
+          </a:p>
+        </p:txBody>
+      </p:sp>
+      <p:sp>
+        <p:nvSpPr>
+          <p:cNvPr id="84995" name="Rectangle 3"/>
+          <p:cNvSpPr>
+            <a:spLocks noGrp="1" noChangeArrowheads="1"/>
+          </p:cNvSpPr>
+          <p:nvPr>
+            <p:ph type="body" idx="1"/>
+          </p:nvPr>
+        </p:nvSpPr>
+        <p:spPr>
+          <a:xfrm>
+            <a:off x="395536" y="980728"/>
+            <a:ext cx="8280921" cy="5184576"/>
+          </a:xfrm>
+        </p:spPr>
+        <p:txBody>
+          <a:bodyPr>
+            <a:normAutofit fontScale="92500" lnSpcReduction="10000"/>
+          </a:bodyPr>
+          <a:lstStyle/>
+          <a:p>
+            <a:pPr marL="0" indent="0" eaLnBrk="1" hangingPunct="1">
+              <a:lnSpc>
+                <a:spcPct val="90000"/>
+              </a:lnSpc>
+              <a:buFontTx/>
+              <a:buNone/>
+              <a:defRPr/>
+            </a:pPr>
+            <a:r>
+              <a:rPr lang="en-US" altLang="en-US" sz="2800" dirty="0" smtClean="0">
+                <a:sym typeface="Symbol" panose="05050102010706020507" pitchFamily="18" charset="2"/>
+              </a:rPr>
+              <a:t>Declarative sentence</a:t>
+            </a:r>
+            <a:endParaRPr lang="en-US" altLang="en-US" sz="2800" dirty="0" smtClean="0"/>
+          </a:p>
+          <a:p>
+            <a:pPr marL="0" indent="0" eaLnBrk="1" hangingPunct="1">
+              <a:lnSpc>
+                <a:spcPct val="90000"/>
+              </a:lnSpc>
+              <a:buFontTx/>
+              <a:buNone/>
+              <a:defRPr/>
+            </a:pPr>
+            <a:r>
+              <a:rPr lang="en-US" altLang="en-US" sz="2800" dirty="0" smtClean="0"/>
+              <a:t>Must be either True or False.</a:t>
+            </a:r>
+          </a:p>
+          <a:p>
+            <a:pPr eaLnBrk="1" hangingPunct="1">
+              <a:lnSpc>
+                <a:spcPct val="90000"/>
+              </a:lnSpc>
+              <a:buFontTx/>
+              <a:buNone/>
+              <a:defRPr/>
+            </a:pPr>
+            <a:endParaRPr lang="en-US" altLang="en-US" sz="2800" dirty="0" smtClean="0"/>
+          </a:p>
+          <a:p>
+            <a:pPr eaLnBrk="1" hangingPunct="1">
+              <a:lnSpc>
+                <a:spcPct val="90000"/>
+              </a:lnSpc>
+              <a:buFontTx/>
+              <a:buNone/>
+              <a:defRPr/>
+            </a:pPr>
+            <a:r>
+              <a:rPr lang="en-US" altLang="en-US" sz="2800" dirty="0" smtClean="0">
+                <a:solidFill>
+                  <a:srgbClr val="0066FF"/>
+                </a:solidFill>
+                <a:sym typeface="Symbol" panose="05050102010706020507" pitchFamily="18" charset="2"/>
+              </a:rPr>
+              <a:t>Propositions:</a:t>
+            </a:r>
+            <a:r>
+              <a:rPr lang="en-US" altLang="en-US" sz="2800" dirty="0" smtClean="0">
+                <a:sym typeface="Symbol" panose="05050102010706020507" pitchFamily="18" charset="2"/>
+              </a:rPr>
+              <a:t> </a:t>
+            </a:r>
+          </a:p>
+          <a:p>
+            <a:pPr eaLnBrk="1" hangingPunct="1">
+              <a:lnSpc>
+                <a:spcPct val="90000"/>
+              </a:lnSpc>
+              <a:defRPr/>
+            </a:pPr>
+            <a:r>
+              <a:rPr lang="en-US" altLang="en-US" sz="2400" dirty="0" smtClean="0">
+                <a:solidFill>
+                  <a:srgbClr val="006600"/>
+                </a:solidFill>
+                <a:sym typeface="Symbol" panose="05050102010706020507" pitchFamily="18" charset="2"/>
+              </a:rPr>
+              <a:t>CU Scarborough is in Scarborough</a:t>
+            </a:r>
+          </a:p>
+          <a:p>
+            <a:pPr eaLnBrk="1" hangingPunct="1">
+              <a:lnSpc>
+                <a:spcPct val="90000"/>
+              </a:lnSpc>
+              <a:defRPr/>
+            </a:pPr>
+            <a:r>
+              <a:rPr lang="en-US" altLang="en-US" sz="2400" dirty="0" smtClean="0">
+                <a:solidFill>
+                  <a:srgbClr val="006600"/>
+                </a:solidFill>
+                <a:sym typeface="Symbol" panose="05050102010706020507" pitchFamily="18" charset="2"/>
+              </a:rPr>
+              <a:t>CU Scarborough is in Coventry</a:t>
+            </a:r>
+          </a:p>
+          <a:p>
+            <a:pPr eaLnBrk="1" hangingPunct="1">
+              <a:lnSpc>
+                <a:spcPct val="90000"/>
+              </a:lnSpc>
+              <a:defRPr/>
+            </a:pPr>
+            <a:r>
+              <a:rPr lang="en-US" altLang="en-US" sz="2400" dirty="0" smtClean="0">
+                <a:solidFill>
+                  <a:srgbClr val="006600"/>
+                </a:solidFill>
+                <a:sym typeface="Symbol" panose="05050102010706020507" pitchFamily="18" charset="2"/>
+              </a:rPr>
+              <a:t>All students at CU Scarborough are taking Computer Science major.</a:t>
+            </a:r>
+          </a:p>
+          <a:p>
+            <a:pPr eaLnBrk="1" hangingPunct="1">
+              <a:lnSpc>
+                <a:spcPct val="90000"/>
+              </a:lnSpc>
+              <a:buFontTx/>
+              <a:buNone/>
+              <a:defRPr/>
+            </a:pPr>
+            <a:endParaRPr lang="en-US" altLang="en-US" sz="2400" dirty="0" smtClean="0">
+              <a:solidFill>
+                <a:srgbClr val="006600"/>
+              </a:solidFill>
+              <a:sym typeface="Symbol" panose="05050102010706020507" pitchFamily="18" charset="2"/>
+            </a:endParaRPr>
+          </a:p>
+          <a:p>
+            <a:pPr eaLnBrk="1" hangingPunct="1">
+              <a:lnSpc>
+                <a:spcPct val="90000"/>
+              </a:lnSpc>
+              <a:buFontTx/>
+              <a:buNone/>
+              <a:defRPr/>
+            </a:pPr>
+            <a:r>
+              <a:rPr lang="en-US" altLang="en-US" sz="2800" dirty="0" smtClean="0">
+                <a:solidFill>
+                  <a:srgbClr val="0066FF"/>
+                </a:solidFill>
+                <a:sym typeface="Symbol" panose="05050102010706020507" pitchFamily="18" charset="2"/>
+              </a:rPr>
+              <a:t>Not propositions:</a:t>
+            </a:r>
+          </a:p>
+          <a:p>
+            <a:pPr eaLnBrk="1" hangingPunct="1">
+              <a:lnSpc>
+                <a:spcPct val="90000"/>
+              </a:lnSpc>
+              <a:defRPr/>
+            </a:pPr>
+            <a:r>
+              <a:rPr lang="en-US" altLang="en-US" sz="2400" dirty="0" smtClean="0">
+                <a:solidFill>
+                  <a:srgbClr val="006600"/>
+                </a:solidFill>
+                <a:sym typeface="Symbol" panose="05050102010706020507" pitchFamily="18" charset="2"/>
+              </a:rPr>
+              <a:t>Do you like this class?</a:t>
+            </a:r>
+          </a:p>
+          <a:p>
+            <a:pPr eaLnBrk="1" hangingPunct="1">
+              <a:lnSpc>
+                <a:spcPct val="90000"/>
+              </a:lnSpc>
+              <a:defRPr/>
+            </a:pPr>
+            <a:r>
+              <a:rPr lang="en-US" altLang="en-US" sz="2400" dirty="0" smtClean="0">
+                <a:solidFill>
+                  <a:srgbClr val="006600"/>
+                </a:solidFill>
+                <a:sym typeface="Symbol" panose="05050102010706020507" pitchFamily="18" charset="2"/>
+              </a:rPr>
+              <a:t>What time is it?.</a:t>
+            </a:r>
+          </a:p>
+          <a:p>
+            <a:pPr marL="0" indent="0" eaLnBrk="1" hangingPunct="1">
+              <a:lnSpc>
+                <a:spcPct val="90000"/>
+              </a:lnSpc>
+              <a:buFontTx/>
+              <a:buNone/>
+              <a:defRPr/>
+            </a:pPr>
+            <a:endParaRPr lang="en-US" altLang="en-US" sz="2400" dirty="0" smtClean="0">
+              <a:solidFill>
+                <a:srgbClr val="006600"/>
+              </a:solidFill>
+              <a:sym typeface="Symbol" panose="05050102010706020507" pitchFamily="18" charset="2"/>
+            </a:endParaRPr>
+          </a:p>
+          <a:p>
+            <a:pPr marL="0" indent="0" eaLnBrk="1" hangingPunct="1">
+              <a:lnSpc>
+                <a:spcPct val="90000"/>
+              </a:lnSpc>
+              <a:buFontTx/>
+              <a:buNone/>
+              <a:defRPr/>
+            </a:pPr>
+            <a:r>
+              <a:rPr lang="en-US" altLang="en-US" sz="2400" dirty="0" smtClean="0">
+                <a:sym typeface="Symbol" panose="05050102010706020507" pitchFamily="18" charset="2"/>
+              </a:rPr>
+              <a:t>P</a:t>
+            </a:r>
+            <a:r>
+              <a:rPr lang="en-US" altLang="en-US" sz="2400" dirty="0" smtClean="0"/>
+              <a:t>ropositional variables: P, Q, R, S, . . .</a:t>
+            </a:r>
+            <a:r>
+              <a:rPr lang="en-US" altLang="en-US" sz="2800" dirty="0" smtClean="0"/>
+              <a:t/>
+            </a:r>
+            <a:br>
+              <a:rPr lang="en-US" altLang="en-US" sz="2800" dirty="0" smtClean="0"/>
+            </a:br>
+            <a:endParaRPr lang="en-US" altLang="en-US" sz="2800" dirty="0" smtClean="0"/>
+          </a:p>
+          <a:p>
+            <a:pPr eaLnBrk="1" hangingPunct="1">
+              <a:lnSpc>
+                <a:spcPct val="90000"/>
+              </a:lnSpc>
+              <a:defRPr/>
+            </a:pPr>
+            <a:endParaRPr lang="en-US" altLang="en-US" sz="2800" dirty="0" smtClean="0">
+              <a:solidFill>
+                <a:srgbClr val="006600"/>
+              </a:solidFill>
+              <a:sym typeface="Symbol" panose="05050102010706020507" pitchFamily="18" charset="2"/>
+            </a:endParaRPr>
+          </a:p>
+        </p:txBody>
+      </p:sp>
+    </p:spTree>
+    <p:extLst>
+      <p:ext uri="{BB962C8B-B14F-4D97-AF65-F5344CB8AC3E}">
+        <p14:creationId xmlns:p14="http://schemas.microsoft.com/office/powerpoint/2010/main" val="475410300"/>
+      </p:ext>
+    </p:extLst>
+  </p:cSld>
+  <p:clrMapOvr>
+    <a:masterClrMapping/>
+  </p:clrMapOvr>
+</p:sld>
+</file>
+
+<file path=ppt/slides/slide40.xml><?xml version="1.0" encoding="utf-8"?>
 <p:sld xmlns:a="http://schemas.openxmlformats.org/drawingml/2006/main" xmlns:r="http://schemas.openxmlformats.org/officeDocument/2006/relationships" xmlns:p="http://schemas.openxmlformats.org/presentationml/2006/main">
   <p:cSld>
     <p:spTree>
@@ -24371,7 +22946,7 @@
             <a:fld id="{54DD605B-9BD5-4C0B-9D93-03B2888041F8}" type="slidenum">
               <a:rPr lang="en-US" altLang="en-US" sz="1400"/>
               <a:pPr algn="r"/>
-              <a:t>42</a:t>
+              <a:t>40</a:t>
             </a:fld>
             <a:endParaRPr lang="en-US" altLang="en-US" sz="1400"/>
           </a:p>
@@ -24548,679 +23123,6 @@
       </p:grpSpPr>
       <p:sp>
         <p:nvSpPr>
-          <p:cNvPr id="5122" name="Slide Number Placeholder 3"/>
-          <p:cNvSpPr>
-            <a:spLocks noGrp="1"/>
-          </p:cNvSpPr>
-          <p:nvPr>
-            <p:ph type="sldNum" sz="quarter" idx="10"/>
-          </p:nvPr>
-        </p:nvSpPr>
-        <p:spPr>
-          <a:noFill/>
-        </p:spPr>
-        <p:txBody>
-          <a:bodyPr/>
-          <a:lstStyle>
-            <a:lvl1pPr algn="ctr">
-              <a:defRPr sz="4000" b="1">
-                <a:solidFill>
-                  <a:schemeClr val="tx1"/>
-                </a:solidFill>
-                <a:latin typeface="Arial" panose="020B0604020202020204" pitchFamily="34" charset="0"/>
-              </a:defRPr>
-            </a:lvl1pPr>
-            <a:lvl2pPr marL="742950" indent="-285750" algn="ctr">
-              <a:defRPr sz="4000" b="1">
-                <a:solidFill>
-                  <a:schemeClr val="tx1"/>
-                </a:solidFill>
-                <a:latin typeface="Arial" panose="020B0604020202020204" pitchFamily="34" charset="0"/>
-              </a:defRPr>
-            </a:lvl2pPr>
-            <a:lvl3pPr marL="1143000" indent="-228600" algn="ctr">
-              <a:defRPr sz="4000" b="1">
-                <a:solidFill>
-                  <a:schemeClr val="tx1"/>
-                </a:solidFill>
-                <a:latin typeface="Arial" panose="020B0604020202020204" pitchFamily="34" charset="0"/>
-              </a:defRPr>
-            </a:lvl3pPr>
-            <a:lvl4pPr marL="1600200" indent="-228600" algn="ctr">
-              <a:defRPr sz="4000" b="1">
-                <a:solidFill>
-                  <a:schemeClr val="tx1"/>
-                </a:solidFill>
-                <a:latin typeface="Arial" panose="020B0604020202020204" pitchFamily="34" charset="0"/>
-              </a:defRPr>
-            </a:lvl4pPr>
-            <a:lvl5pPr marL="2057400" indent="-228600" algn="ctr">
-              <a:defRPr sz="4000" b="1">
-                <a:solidFill>
-                  <a:schemeClr val="tx1"/>
-                </a:solidFill>
-                <a:latin typeface="Arial" panose="020B0604020202020204" pitchFamily="34" charset="0"/>
-              </a:defRPr>
-            </a:lvl5pPr>
-            <a:lvl6pPr marL="2514600" indent="-228600" algn="ctr" eaLnBrk="0" fontAlgn="base" hangingPunct="0">
-              <a:spcBef>
-                <a:spcPct val="0"/>
-              </a:spcBef>
-              <a:spcAft>
-                <a:spcPct val="0"/>
-              </a:spcAft>
-              <a:defRPr sz="4000" b="1">
-                <a:solidFill>
-                  <a:schemeClr val="tx1"/>
-                </a:solidFill>
-                <a:latin typeface="Arial" panose="020B0604020202020204" pitchFamily="34" charset="0"/>
-              </a:defRPr>
-            </a:lvl6pPr>
-            <a:lvl7pPr marL="2971800" indent="-228600" algn="ctr" eaLnBrk="0" fontAlgn="base" hangingPunct="0">
-              <a:spcBef>
-                <a:spcPct val="0"/>
-              </a:spcBef>
-              <a:spcAft>
-                <a:spcPct val="0"/>
-              </a:spcAft>
-              <a:defRPr sz="4000" b="1">
-                <a:solidFill>
-                  <a:schemeClr val="tx1"/>
-                </a:solidFill>
-                <a:latin typeface="Arial" panose="020B0604020202020204" pitchFamily="34" charset="0"/>
-              </a:defRPr>
-            </a:lvl7pPr>
-            <a:lvl8pPr marL="3429000" indent="-228600" algn="ctr" eaLnBrk="0" fontAlgn="base" hangingPunct="0">
-              <a:spcBef>
-                <a:spcPct val="0"/>
-              </a:spcBef>
-              <a:spcAft>
-                <a:spcPct val="0"/>
-              </a:spcAft>
-              <a:defRPr sz="4000" b="1">
-                <a:solidFill>
-                  <a:schemeClr val="tx1"/>
-                </a:solidFill>
-                <a:latin typeface="Arial" panose="020B0604020202020204" pitchFamily="34" charset="0"/>
-              </a:defRPr>
-            </a:lvl8pPr>
-            <a:lvl9pPr marL="3886200" indent="-228600" algn="ctr" eaLnBrk="0" fontAlgn="base" hangingPunct="0">
-              <a:spcBef>
-                <a:spcPct val="0"/>
-              </a:spcBef>
-              <a:spcAft>
-                <a:spcPct val="0"/>
-              </a:spcAft>
-              <a:defRPr sz="4000" b="1">
-                <a:solidFill>
-                  <a:schemeClr val="tx1"/>
-                </a:solidFill>
-                <a:latin typeface="Arial" panose="020B0604020202020204" pitchFamily="34" charset="0"/>
-              </a:defRPr>
-            </a:lvl9pPr>
-          </a:lstStyle>
-          <a:p>
-            <a:pPr algn="r"/>
-            <a:fld id="{B0CB48DE-4226-4AE9-A9ED-54E41AEE5B1F}" type="slidenum">
-              <a:rPr lang="en-US" altLang="en-US" sz="1400"/>
-              <a:pPr algn="r"/>
-              <a:t>5</a:t>
-            </a:fld>
-            <a:endParaRPr lang="en-US" altLang="en-US" sz="1400"/>
-          </a:p>
-        </p:txBody>
-      </p:sp>
-      <p:sp>
-        <p:nvSpPr>
-          <p:cNvPr id="5123" name="Rectangle 2"/>
-          <p:cNvSpPr>
-            <a:spLocks noGrp="1" noChangeArrowheads="1"/>
-          </p:cNvSpPr>
-          <p:nvPr>
-            <p:ph type="title"/>
-          </p:nvPr>
-        </p:nvSpPr>
-        <p:spPr/>
-        <p:txBody>
-          <a:bodyPr/>
-          <a:lstStyle/>
-          <a:p>
-            <a:pPr algn="l" eaLnBrk="1" hangingPunct="1"/>
-            <a:r>
-              <a:rPr lang="en-US" altLang="en-US" b="1" dirty="0" smtClean="0"/>
-              <a:t>Why study propositional logic?</a:t>
-            </a:r>
-          </a:p>
-        </p:txBody>
-      </p:sp>
-      <p:sp>
-        <p:nvSpPr>
-          <p:cNvPr id="5124" name="Rectangle 3"/>
-          <p:cNvSpPr>
-            <a:spLocks noGrp="1" noChangeArrowheads="1"/>
-          </p:cNvSpPr>
-          <p:nvPr>
-            <p:ph type="body" idx="1"/>
-          </p:nvPr>
-        </p:nvSpPr>
-        <p:spPr/>
-        <p:txBody>
-          <a:bodyPr/>
-          <a:lstStyle/>
-          <a:p>
-            <a:pPr eaLnBrk="1" hangingPunct="1"/>
-            <a:r>
-              <a:rPr lang="en-US" altLang="en-US" dirty="0" smtClean="0"/>
-              <a:t>A formal mathematical “language” for precise reasoning.</a:t>
-            </a:r>
-          </a:p>
-          <a:p>
-            <a:pPr eaLnBrk="1" hangingPunct="1"/>
-            <a:r>
-              <a:rPr lang="en-US" altLang="en-US" dirty="0" smtClean="0"/>
-              <a:t>Start with propositions.</a:t>
-            </a:r>
-          </a:p>
-          <a:p>
-            <a:pPr eaLnBrk="1" hangingPunct="1"/>
-            <a:r>
-              <a:rPr lang="en-US" altLang="en-US" dirty="0" smtClean="0"/>
-              <a:t>Add other constructs like negation, conjunction, disjunction, implication etc.</a:t>
-            </a:r>
-          </a:p>
-          <a:p>
-            <a:pPr eaLnBrk="1" hangingPunct="1"/>
-            <a:r>
-              <a:rPr lang="en-US" altLang="en-US" dirty="0" smtClean="0"/>
-              <a:t>All of these are based on ideas we use daily to reason about things.  </a:t>
-            </a:r>
-          </a:p>
-        </p:txBody>
-      </p:sp>
-    </p:spTree>
-    <p:extLst>
-      <p:ext uri="{BB962C8B-B14F-4D97-AF65-F5344CB8AC3E}">
-        <p14:creationId xmlns:p14="http://schemas.microsoft.com/office/powerpoint/2010/main" val="2278351427"/>
-      </p:ext>
-    </p:extLst>
-  </p:cSld>
-  <p:clrMapOvr>
-    <a:masterClrMapping/>
-  </p:clrMapOvr>
-</p:sld>
-</file>
-
-<file path=ppt/slides/slide6.xml><?xml version="1.0" encoding="utf-8"?>
-<p:sld xmlns:a="http://schemas.openxmlformats.org/drawingml/2006/main" xmlns:r="http://schemas.openxmlformats.org/officeDocument/2006/relationships" xmlns:p="http://schemas.openxmlformats.org/presentationml/2006/main">
-  <p:cSld>
-    <p:spTree>
-      <p:nvGrpSpPr>
-        <p:cNvPr id="1" name=""/>
-        <p:cNvGrpSpPr/>
-        <p:nvPr/>
-      </p:nvGrpSpPr>
-      <p:grpSpPr>
-        <a:xfrm>
-          <a:off x="0" y="0"/>
-          <a:ext cx="0" cy="0"/>
-          <a:chOff x="0" y="0"/>
-          <a:chExt cx="0" cy="0"/>
-        </a:xfrm>
-      </p:grpSpPr>
-      <p:sp>
-        <p:nvSpPr>
-          <p:cNvPr id="6146" name="Slide Number Placeholder 3"/>
-          <p:cNvSpPr>
-            <a:spLocks noGrp="1"/>
-          </p:cNvSpPr>
-          <p:nvPr>
-            <p:ph type="sldNum" sz="quarter" idx="10"/>
-          </p:nvPr>
-        </p:nvSpPr>
-        <p:spPr>
-          <a:noFill/>
-        </p:spPr>
-        <p:txBody>
-          <a:bodyPr/>
-          <a:lstStyle>
-            <a:lvl1pPr algn="ctr">
-              <a:defRPr sz="4000" b="1">
-                <a:solidFill>
-                  <a:schemeClr val="tx1"/>
-                </a:solidFill>
-                <a:latin typeface="Arial" panose="020B0604020202020204" pitchFamily="34" charset="0"/>
-              </a:defRPr>
-            </a:lvl1pPr>
-            <a:lvl2pPr marL="742950" indent="-285750" algn="ctr">
-              <a:defRPr sz="4000" b="1">
-                <a:solidFill>
-                  <a:schemeClr val="tx1"/>
-                </a:solidFill>
-                <a:latin typeface="Arial" panose="020B0604020202020204" pitchFamily="34" charset="0"/>
-              </a:defRPr>
-            </a:lvl2pPr>
-            <a:lvl3pPr marL="1143000" indent="-228600" algn="ctr">
-              <a:defRPr sz="4000" b="1">
-                <a:solidFill>
-                  <a:schemeClr val="tx1"/>
-                </a:solidFill>
-                <a:latin typeface="Arial" panose="020B0604020202020204" pitchFamily="34" charset="0"/>
-              </a:defRPr>
-            </a:lvl3pPr>
-            <a:lvl4pPr marL="1600200" indent="-228600" algn="ctr">
-              <a:defRPr sz="4000" b="1">
-                <a:solidFill>
-                  <a:schemeClr val="tx1"/>
-                </a:solidFill>
-                <a:latin typeface="Arial" panose="020B0604020202020204" pitchFamily="34" charset="0"/>
-              </a:defRPr>
-            </a:lvl4pPr>
-            <a:lvl5pPr marL="2057400" indent="-228600" algn="ctr">
-              <a:defRPr sz="4000" b="1">
-                <a:solidFill>
-                  <a:schemeClr val="tx1"/>
-                </a:solidFill>
-                <a:latin typeface="Arial" panose="020B0604020202020204" pitchFamily="34" charset="0"/>
-              </a:defRPr>
-            </a:lvl5pPr>
-            <a:lvl6pPr marL="2514600" indent="-228600" algn="ctr" eaLnBrk="0" fontAlgn="base" hangingPunct="0">
-              <a:spcBef>
-                <a:spcPct val="0"/>
-              </a:spcBef>
-              <a:spcAft>
-                <a:spcPct val="0"/>
-              </a:spcAft>
-              <a:defRPr sz="4000" b="1">
-                <a:solidFill>
-                  <a:schemeClr val="tx1"/>
-                </a:solidFill>
-                <a:latin typeface="Arial" panose="020B0604020202020204" pitchFamily="34" charset="0"/>
-              </a:defRPr>
-            </a:lvl6pPr>
-            <a:lvl7pPr marL="2971800" indent="-228600" algn="ctr" eaLnBrk="0" fontAlgn="base" hangingPunct="0">
-              <a:spcBef>
-                <a:spcPct val="0"/>
-              </a:spcBef>
-              <a:spcAft>
-                <a:spcPct val="0"/>
-              </a:spcAft>
-              <a:defRPr sz="4000" b="1">
-                <a:solidFill>
-                  <a:schemeClr val="tx1"/>
-                </a:solidFill>
-                <a:latin typeface="Arial" panose="020B0604020202020204" pitchFamily="34" charset="0"/>
-              </a:defRPr>
-            </a:lvl7pPr>
-            <a:lvl8pPr marL="3429000" indent="-228600" algn="ctr" eaLnBrk="0" fontAlgn="base" hangingPunct="0">
-              <a:spcBef>
-                <a:spcPct val="0"/>
-              </a:spcBef>
-              <a:spcAft>
-                <a:spcPct val="0"/>
-              </a:spcAft>
-              <a:defRPr sz="4000" b="1">
-                <a:solidFill>
-                  <a:schemeClr val="tx1"/>
-                </a:solidFill>
-                <a:latin typeface="Arial" panose="020B0604020202020204" pitchFamily="34" charset="0"/>
-              </a:defRPr>
-            </a:lvl8pPr>
-            <a:lvl9pPr marL="3886200" indent="-228600" algn="ctr" eaLnBrk="0" fontAlgn="base" hangingPunct="0">
-              <a:spcBef>
-                <a:spcPct val="0"/>
-              </a:spcBef>
-              <a:spcAft>
-                <a:spcPct val="0"/>
-              </a:spcAft>
-              <a:defRPr sz="4000" b="1">
-                <a:solidFill>
-                  <a:schemeClr val="tx1"/>
-                </a:solidFill>
-                <a:latin typeface="Arial" panose="020B0604020202020204" pitchFamily="34" charset="0"/>
-              </a:defRPr>
-            </a:lvl9pPr>
-          </a:lstStyle>
-          <a:p>
-            <a:pPr algn="r"/>
-            <a:fld id="{9D9F99FC-83D0-4F81-B3F6-200DC6B6453F}" type="slidenum">
-              <a:rPr lang="en-US" altLang="en-US" sz="1400"/>
-              <a:pPr algn="r"/>
-              <a:t>6</a:t>
-            </a:fld>
-            <a:endParaRPr lang="en-US" altLang="en-US" sz="1400"/>
-          </a:p>
-        </p:txBody>
-      </p:sp>
-      <p:sp>
-        <p:nvSpPr>
-          <p:cNvPr id="6147" name="Rectangle 2"/>
-          <p:cNvSpPr>
-            <a:spLocks noGrp="1" noChangeArrowheads="1"/>
-          </p:cNvSpPr>
-          <p:nvPr>
-            <p:ph type="title"/>
-          </p:nvPr>
-        </p:nvSpPr>
-        <p:spPr>
-          <a:xfrm>
-            <a:off x="685800" y="152400"/>
-            <a:ext cx="7772400" cy="457200"/>
-          </a:xfrm>
-        </p:spPr>
-        <p:txBody>
-          <a:bodyPr>
-            <a:noAutofit/>
-          </a:bodyPr>
-          <a:lstStyle/>
-          <a:p>
-            <a:pPr algn="l" eaLnBrk="1" hangingPunct="1"/>
-            <a:r>
-              <a:rPr lang="en-US" altLang="en-US" b="1" dirty="0" smtClean="0"/>
-              <a:t>Propositions</a:t>
-            </a:r>
-          </a:p>
-        </p:txBody>
-      </p:sp>
-      <p:sp>
-        <p:nvSpPr>
-          <p:cNvPr id="84995" name="Rectangle 3"/>
-          <p:cNvSpPr>
-            <a:spLocks noGrp="1" noChangeArrowheads="1"/>
-          </p:cNvSpPr>
-          <p:nvPr>
-            <p:ph type="body" idx="1"/>
-          </p:nvPr>
-        </p:nvSpPr>
-        <p:spPr>
-          <a:xfrm>
-            <a:off x="395536" y="980728"/>
-            <a:ext cx="8280921" cy="5184576"/>
-          </a:xfrm>
-        </p:spPr>
-        <p:txBody>
-          <a:bodyPr>
-            <a:normAutofit fontScale="92500" lnSpcReduction="10000"/>
-          </a:bodyPr>
-          <a:lstStyle/>
-          <a:p>
-            <a:pPr marL="0" indent="0" eaLnBrk="1" hangingPunct="1">
-              <a:lnSpc>
-                <a:spcPct val="90000"/>
-              </a:lnSpc>
-              <a:buFontTx/>
-              <a:buNone/>
-              <a:defRPr/>
-            </a:pPr>
-            <a:r>
-              <a:rPr lang="en-US" altLang="en-US" sz="2800" dirty="0" smtClean="0">
-                <a:sym typeface="Symbol" panose="05050102010706020507" pitchFamily="18" charset="2"/>
-              </a:rPr>
-              <a:t>Declarative sentence</a:t>
-            </a:r>
-            <a:endParaRPr lang="en-US" altLang="en-US" sz="2800" dirty="0" smtClean="0"/>
-          </a:p>
-          <a:p>
-            <a:pPr marL="0" indent="0" eaLnBrk="1" hangingPunct="1">
-              <a:lnSpc>
-                <a:spcPct val="90000"/>
-              </a:lnSpc>
-              <a:buFontTx/>
-              <a:buNone/>
-              <a:defRPr/>
-            </a:pPr>
-            <a:r>
-              <a:rPr lang="en-US" altLang="en-US" sz="2800" dirty="0" smtClean="0"/>
-              <a:t>Must be either True or False.</a:t>
-            </a:r>
-          </a:p>
-          <a:p>
-            <a:pPr eaLnBrk="1" hangingPunct="1">
-              <a:lnSpc>
-                <a:spcPct val="90000"/>
-              </a:lnSpc>
-              <a:buFontTx/>
-              <a:buNone/>
-              <a:defRPr/>
-            </a:pPr>
-            <a:endParaRPr lang="en-US" altLang="en-US" sz="2800" dirty="0" smtClean="0"/>
-          </a:p>
-          <a:p>
-            <a:pPr eaLnBrk="1" hangingPunct="1">
-              <a:lnSpc>
-                <a:spcPct val="90000"/>
-              </a:lnSpc>
-              <a:buFontTx/>
-              <a:buNone/>
-              <a:defRPr/>
-            </a:pPr>
-            <a:r>
-              <a:rPr lang="en-US" altLang="en-US" sz="2800" dirty="0" smtClean="0">
-                <a:solidFill>
-                  <a:srgbClr val="0066FF"/>
-                </a:solidFill>
-                <a:sym typeface="Symbol" panose="05050102010706020507" pitchFamily="18" charset="2"/>
-              </a:rPr>
-              <a:t>Propositions:</a:t>
-            </a:r>
-            <a:r>
-              <a:rPr lang="en-US" altLang="en-US" sz="2800" dirty="0" smtClean="0">
-                <a:sym typeface="Symbol" panose="05050102010706020507" pitchFamily="18" charset="2"/>
-              </a:rPr>
-              <a:t> </a:t>
-            </a:r>
-          </a:p>
-          <a:p>
-            <a:pPr eaLnBrk="1" hangingPunct="1">
-              <a:lnSpc>
-                <a:spcPct val="90000"/>
-              </a:lnSpc>
-              <a:defRPr/>
-            </a:pPr>
-            <a:r>
-              <a:rPr lang="en-US" altLang="en-US" sz="2400" dirty="0" smtClean="0">
-                <a:solidFill>
-                  <a:srgbClr val="006600"/>
-                </a:solidFill>
-                <a:sym typeface="Symbol" panose="05050102010706020507" pitchFamily="18" charset="2"/>
-              </a:rPr>
-              <a:t>CU Scarborough is in Scarborough</a:t>
-            </a:r>
-          </a:p>
-          <a:p>
-            <a:pPr eaLnBrk="1" hangingPunct="1">
-              <a:lnSpc>
-                <a:spcPct val="90000"/>
-              </a:lnSpc>
-              <a:defRPr/>
-            </a:pPr>
-            <a:r>
-              <a:rPr lang="en-US" altLang="en-US" sz="2400" dirty="0" smtClean="0">
-                <a:solidFill>
-                  <a:srgbClr val="006600"/>
-                </a:solidFill>
-                <a:sym typeface="Symbol" panose="05050102010706020507" pitchFamily="18" charset="2"/>
-              </a:rPr>
-              <a:t>CU Scarborough is in Coventry</a:t>
-            </a:r>
-          </a:p>
-          <a:p>
-            <a:pPr eaLnBrk="1" hangingPunct="1">
-              <a:lnSpc>
-                <a:spcPct val="90000"/>
-              </a:lnSpc>
-              <a:defRPr/>
-            </a:pPr>
-            <a:r>
-              <a:rPr lang="en-US" altLang="en-US" sz="2400" dirty="0" smtClean="0">
-                <a:solidFill>
-                  <a:srgbClr val="006600"/>
-                </a:solidFill>
-                <a:sym typeface="Symbol" panose="05050102010706020507" pitchFamily="18" charset="2"/>
-              </a:rPr>
-              <a:t>All students at CU Scarborough are taking Computer Science major.</a:t>
-            </a:r>
-          </a:p>
-          <a:p>
-            <a:pPr eaLnBrk="1" hangingPunct="1">
-              <a:lnSpc>
-                <a:spcPct val="90000"/>
-              </a:lnSpc>
-              <a:buFontTx/>
-              <a:buNone/>
-              <a:defRPr/>
-            </a:pPr>
-            <a:endParaRPr lang="en-US" altLang="en-US" sz="2400" dirty="0" smtClean="0">
-              <a:solidFill>
-                <a:srgbClr val="006600"/>
-              </a:solidFill>
-              <a:sym typeface="Symbol" panose="05050102010706020507" pitchFamily="18" charset="2"/>
-            </a:endParaRPr>
-          </a:p>
-          <a:p>
-            <a:pPr eaLnBrk="1" hangingPunct="1">
-              <a:lnSpc>
-                <a:spcPct val="90000"/>
-              </a:lnSpc>
-              <a:buFontTx/>
-              <a:buNone/>
-              <a:defRPr/>
-            </a:pPr>
-            <a:r>
-              <a:rPr lang="en-US" altLang="en-US" sz="2800" dirty="0" smtClean="0">
-                <a:solidFill>
-                  <a:srgbClr val="0066FF"/>
-                </a:solidFill>
-                <a:sym typeface="Symbol" panose="05050102010706020507" pitchFamily="18" charset="2"/>
-              </a:rPr>
-              <a:t>Not propositions:</a:t>
-            </a:r>
-          </a:p>
-          <a:p>
-            <a:pPr eaLnBrk="1" hangingPunct="1">
-              <a:lnSpc>
-                <a:spcPct val="90000"/>
-              </a:lnSpc>
-              <a:defRPr/>
-            </a:pPr>
-            <a:r>
-              <a:rPr lang="en-US" altLang="en-US" sz="2400" dirty="0" smtClean="0">
-                <a:solidFill>
-                  <a:srgbClr val="006600"/>
-                </a:solidFill>
-                <a:sym typeface="Symbol" panose="05050102010706020507" pitchFamily="18" charset="2"/>
-              </a:rPr>
-              <a:t>Do you like this class?</a:t>
-            </a:r>
-          </a:p>
-          <a:p>
-            <a:pPr eaLnBrk="1" hangingPunct="1">
-              <a:lnSpc>
-                <a:spcPct val="90000"/>
-              </a:lnSpc>
-              <a:defRPr/>
-            </a:pPr>
-            <a:r>
-              <a:rPr lang="en-US" altLang="en-US" sz="2400" dirty="0" smtClean="0">
-                <a:solidFill>
-                  <a:srgbClr val="006600"/>
-                </a:solidFill>
-                <a:sym typeface="Symbol" panose="05050102010706020507" pitchFamily="18" charset="2"/>
-              </a:rPr>
-              <a:t>What time is it?.</a:t>
-            </a:r>
-          </a:p>
-          <a:p>
-            <a:pPr marL="0" indent="0" eaLnBrk="1" hangingPunct="1">
-              <a:lnSpc>
-                <a:spcPct val="90000"/>
-              </a:lnSpc>
-              <a:buFontTx/>
-              <a:buNone/>
-              <a:defRPr/>
-            </a:pPr>
-            <a:endParaRPr lang="en-US" altLang="en-US" sz="2400" dirty="0" smtClean="0">
-              <a:solidFill>
-                <a:srgbClr val="006600"/>
-              </a:solidFill>
-              <a:sym typeface="Symbol" panose="05050102010706020507" pitchFamily="18" charset="2"/>
-            </a:endParaRPr>
-          </a:p>
-          <a:p>
-            <a:pPr marL="0" indent="0" eaLnBrk="1" hangingPunct="1">
-              <a:lnSpc>
-                <a:spcPct val="90000"/>
-              </a:lnSpc>
-              <a:buFontTx/>
-              <a:buNone/>
-              <a:defRPr/>
-            </a:pPr>
-            <a:r>
-              <a:rPr lang="en-US" altLang="en-US" sz="2400" dirty="0" smtClean="0">
-                <a:sym typeface="Symbol" panose="05050102010706020507" pitchFamily="18" charset="2"/>
-              </a:rPr>
-              <a:t>P</a:t>
-            </a:r>
-            <a:r>
-              <a:rPr lang="en-US" altLang="en-US" sz="2400" dirty="0" smtClean="0"/>
-              <a:t>ropositional variables: P, Q, R, S, . . .</a:t>
-            </a:r>
-            <a:r>
-              <a:rPr lang="en-US" altLang="en-US" sz="2800" dirty="0" smtClean="0"/>
-              <a:t/>
-            </a:r>
-            <a:br>
-              <a:rPr lang="en-US" altLang="en-US" sz="2800" dirty="0" smtClean="0"/>
-            </a:br>
-            <a:endParaRPr lang="en-US" altLang="en-US" sz="2800" dirty="0" smtClean="0"/>
-          </a:p>
-          <a:p>
-            <a:pPr eaLnBrk="1" hangingPunct="1">
-              <a:lnSpc>
-                <a:spcPct val="90000"/>
-              </a:lnSpc>
-              <a:defRPr/>
-            </a:pPr>
-            <a:endParaRPr lang="en-US" altLang="en-US" sz="2800" dirty="0" smtClean="0">
-              <a:solidFill>
-                <a:srgbClr val="006600"/>
-              </a:solidFill>
-              <a:sym typeface="Symbol" panose="05050102010706020507" pitchFamily="18" charset="2"/>
-            </a:endParaRPr>
-          </a:p>
-        </p:txBody>
-      </p:sp>
-    </p:spTree>
-    <p:extLst>
-      <p:ext uri="{BB962C8B-B14F-4D97-AF65-F5344CB8AC3E}">
-        <p14:creationId xmlns:p14="http://schemas.microsoft.com/office/powerpoint/2010/main" val="475410300"/>
-      </p:ext>
-    </p:extLst>
-  </p:cSld>
-  <p:clrMapOvr>
-    <a:masterClrMapping/>
-  </p:clrMapOvr>
-</p:sld>
-</file>
-
-<file path=ppt/slides/slide7.xml><?xml version="1.0" encoding="utf-8"?>
-<p:sld xmlns:a="http://schemas.openxmlformats.org/drawingml/2006/main" xmlns:r="http://schemas.openxmlformats.org/officeDocument/2006/relationships" xmlns:p="http://schemas.openxmlformats.org/presentationml/2006/main">
-  <p:cSld>
-    <p:spTree>
-      <p:nvGrpSpPr>
-        <p:cNvPr id="1" name=""/>
-        <p:cNvGrpSpPr/>
-        <p:nvPr/>
-      </p:nvGrpSpPr>
-      <p:grpSpPr>
-        <a:xfrm>
-          <a:off x="0" y="0"/>
-          <a:ext cx="0" cy="0"/>
-          <a:chOff x="0" y="0"/>
-          <a:chExt cx="0" cy="0"/>
-        </a:xfrm>
-      </p:grpSpPr>
-      <p:sp>
-        <p:nvSpPr>
           <p:cNvPr id="7170" name="Slide Number Placeholder 3"/>
           <p:cNvSpPr>
             <a:spLocks noGrp="1"/>
@@ -25337,7 +23239,7 @@
             <a:fld id="{4277A397-8E93-4F47-B8E0-0869C46C5D65}" type="slidenum">
               <a:rPr lang="en-US" altLang="en-US" sz="1400"/>
               <a:pPr algn="r"/>
-              <a:t>7</a:t>
+              <a:t>5</a:t>
             </a:fld>
             <a:endParaRPr lang="en-US" altLang="en-US" sz="1400"/>
           </a:p>
@@ -25703,7 +23605,7 @@
 </p:sld>
 </file>
 
-<file path=ppt/slides/slide8.xml><?xml version="1.0" encoding="utf-8"?>
+<file path=ppt/slides/slide6.xml><?xml version="1.0" encoding="utf-8"?>
 <p:sld xmlns:a="http://schemas.openxmlformats.org/drawingml/2006/main" xmlns:r="http://schemas.openxmlformats.org/officeDocument/2006/relationships" xmlns:p="http://schemas.openxmlformats.org/presentationml/2006/main">
   <p:cSld>
     <p:spTree>
@@ -25838,7 +23740,7 @@
             <a:fld id="{48C8E5EA-4FA0-43E5-8261-F25F5CB33D16}" type="slidenum">
               <a:rPr lang="en-US" altLang="en-US" sz="1400"/>
               <a:pPr algn="r"/>
-              <a:t>8</a:t>
+              <a:t>6</a:t>
             </a:fld>
             <a:endParaRPr lang="en-US" altLang="en-US" sz="1400"/>
           </a:p>
@@ -27188,7 +25090,7 @@
 </p:sld>
 </file>
 
-<file path=ppt/slides/slide9.xml><?xml version="1.0" encoding="utf-8"?>
+<file path=ppt/slides/slide7.xml><?xml version="1.0" encoding="utf-8"?>
 <p:sld xmlns:a="http://schemas.openxmlformats.org/drawingml/2006/main" xmlns:r="http://schemas.openxmlformats.org/officeDocument/2006/relationships" xmlns:p="http://schemas.openxmlformats.org/presentationml/2006/main">
   <p:cSld>
     <p:spTree>
@@ -27323,7 +25225,7 @@
             <a:fld id="{E1614B2C-BCD0-4B54-8CDB-5CED42338246}" type="slidenum">
               <a:rPr lang="en-US" altLang="en-US" sz="1400"/>
               <a:pPr algn="r"/>
-              <a:t>9</a:t>
+              <a:t>7</a:t>
             </a:fld>
             <a:endParaRPr lang="en-US" altLang="en-US" sz="1400"/>
           </a:p>
@@ -31501,6 +29403,1657 @@
     <p:extLst>
       <p:ext uri="{BB962C8B-B14F-4D97-AF65-F5344CB8AC3E}">
         <p14:creationId xmlns:p14="http://schemas.microsoft.com/office/powerpoint/2010/main" val="1316743670"/>
+      </p:ext>
+    </p:extLst>
+  </p:cSld>
+  <p:clrMapOvr>
+    <a:masterClrMapping/>
+  </p:clrMapOvr>
+</p:sld>
+</file>
+
+<file path=ppt/slides/slide8.xml><?xml version="1.0" encoding="utf-8"?>
+<p:sld xmlns:a="http://schemas.openxmlformats.org/drawingml/2006/main" xmlns:r="http://schemas.openxmlformats.org/officeDocument/2006/relationships" xmlns:p="http://schemas.openxmlformats.org/presentationml/2006/main">
+  <p:cSld>
+    <p:spTree>
+      <p:nvGrpSpPr>
+        <p:cNvPr id="1" name=""/>
+        <p:cNvGrpSpPr/>
+        <p:nvPr/>
+      </p:nvGrpSpPr>
+      <p:grpSpPr>
+        <a:xfrm>
+          <a:off x="0" y="0"/>
+          <a:ext cx="0" cy="0"/>
+          <a:chOff x="0" y="0"/>
+          <a:chExt cx="0" cy="0"/>
+        </a:xfrm>
+      </p:grpSpPr>
+      <p:sp>
+        <p:nvSpPr>
+          <p:cNvPr id="10242" name="Slide Number Placeholder 3"/>
+          <p:cNvSpPr>
+            <a:spLocks noGrp="1"/>
+          </p:cNvSpPr>
+          <p:nvPr>
+            <p:ph type="sldNum" sz="quarter" idx="10"/>
+          </p:nvPr>
+        </p:nvSpPr>
+        <p:spPr>
+          <a:noFill/>
+        </p:spPr>
+        <p:txBody>
+          <a:bodyPr/>
+          <a:lstStyle>
+            <a:lvl1pPr algn="ctr">
+              <a:defRPr sz="4000" b="1">
+                <a:solidFill>
+                  <a:schemeClr val="tx1"/>
+                </a:solidFill>
+                <a:latin typeface="Arial" panose="020B0604020202020204" pitchFamily="34" charset="0"/>
+              </a:defRPr>
+            </a:lvl1pPr>
+            <a:lvl2pPr marL="742950" indent="-285750" algn="ctr">
+              <a:defRPr sz="4000" b="1">
+                <a:solidFill>
+                  <a:schemeClr val="tx1"/>
+                </a:solidFill>
+                <a:latin typeface="Arial" panose="020B0604020202020204" pitchFamily="34" charset="0"/>
+              </a:defRPr>
+            </a:lvl2pPr>
+            <a:lvl3pPr marL="1143000" indent="-228600" algn="ctr">
+              <a:defRPr sz="4000" b="1">
+                <a:solidFill>
+                  <a:schemeClr val="tx1"/>
+                </a:solidFill>
+                <a:latin typeface="Arial" panose="020B0604020202020204" pitchFamily="34" charset="0"/>
+              </a:defRPr>
+            </a:lvl3pPr>
+            <a:lvl4pPr marL="1600200" indent="-228600" algn="ctr">
+              <a:defRPr sz="4000" b="1">
+                <a:solidFill>
+                  <a:schemeClr val="tx1"/>
+                </a:solidFill>
+                <a:latin typeface="Arial" panose="020B0604020202020204" pitchFamily="34" charset="0"/>
+              </a:defRPr>
+            </a:lvl4pPr>
+            <a:lvl5pPr marL="2057400" indent="-228600" algn="ctr">
+              <a:defRPr sz="4000" b="1">
+                <a:solidFill>
+                  <a:schemeClr val="tx1"/>
+                </a:solidFill>
+                <a:latin typeface="Arial" panose="020B0604020202020204" pitchFamily="34" charset="0"/>
+              </a:defRPr>
+            </a:lvl5pPr>
+            <a:lvl6pPr marL="2514600" indent="-228600" algn="ctr" eaLnBrk="0" fontAlgn="base" hangingPunct="0">
+              <a:spcBef>
+                <a:spcPct val="0"/>
+              </a:spcBef>
+              <a:spcAft>
+                <a:spcPct val="0"/>
+              </a:spcAft>
+              <a:defRPr sz="4000" b="1">
+                <a:solidFill>
+                  <a:schemeClr val="tx1"/>
+                </a:solidFill>
+                <a:latin typeface="Arial" panose="020B0604020202020204" pitchFamily="34" charset="0"/>
+              </a:defRPr>
+            </a:lvl6pPr>
+            <a:lvl7pPr marL="2971800" indent="-228600" algn="ctr" eaLnBrk="0" fontAlgn="base" hangingPunct="0">
+              <a:spcBef>
+                <a:spcPct val="0"/>
+              </a:spcBef>
+              <a:spcAft>
+                <a:spcPct val="0"/>
+              </a:spcAft>
+              <a:defRPr sz="4000" b="1">
+                <a:solidFill>
+                  <a:schemeClr val="tx1"/>
+                </a:solidFill>
+                <a:latin typeface="Arial" panose="020B0604020202020204" pitchFamily="34" charset="0"/>
+              </a:defRPr>
+            </a:lvl7pPr>
+            <a:lvl8pPr marL="3429000" indent="-228600" algn="ctr" eaLnBrk="0" fontAlgn="base" hangingPunct="0">
+              <a:spcBef>
+                <a:spcPct val="0"/>
+              </a:spcBef>
+              <a:spcAft>
+                <a:spcPct val="0"/>
+              </a:spcAft>
+              <a:defRPr sz="4000" b="1">
+                <a:solidFill>
+                  <a:schemeClr val="tx1"/>
+                </a:solidFill>
+                <a:latin typeface="Arial" panose="020B0604020202020204" pitchFamily="34" charset="0"/>
+              </a:defRPr>
+            </a:lvl8pPr>
+            <a:lvl9pPr marL="3886200" indent="-228600" algn="ctr" eaLnBrk="0" fontAlgn="base" hangingPunct="0">
+              <a:spcBef>
+                <a:spcPct val="0"/>
+              </a:spcBef>
+              <a:spcAft>
+                <a:spcPct val="0"/>
+              </a:spcAft>
+              <a:defRPr sz="4000" b="1">
+                <a:solidFill>
+                  <a:schemeClr val="tx1"/>
+                </a:solidFill>
+                <a:latin typeface="Arial" panose="020B0604020202020204" pitchFamily="34" charset="0"/>
+              </a:defRPr>
+            </a:lvl9pPr>
+          </a:lstStyle>
+          <a:p>
+            <a:pPr algn="r"/>
+            <a:fld id="{D5D90056-7EC8-4E9C-882F-F0368606117E}" type="slidenum">
+              <a:rPr lang="en-US" altLang="en-US" sz="1400"/>
+              <a:pPr algn="r"/>
+              <a:t>8</a:t>
+            </a:fld>
+            <a:endParaRPr lang="en-US" altLang="en-US" sz="1400"/>
+          </a:p>
+        </p:txBody>
+      </p:sp>
+      <p:sp>
+        <p:nvSpPr>
+          <p:cNvPr id="10243" name="Rectangle 2"/>
+          <p:cNvSpPr>
+            <a:spLocks noGrp="1" noChangeArrowheads="1"/>
+          </p:cNvSpPr>
+          <p:nvPr>
+            <p:ph type="title"/>
+          </p:nvPr>
+        </p:nvSpPr>
+        <p:spPr/>
+        <p:txBody>
+          <a:bodyPr/>
+          <a:lstStyle/>
+          <a:p>
+            <a:pPr algn="l" eaLnBrk="1" hangingPunct="1"/>
+            <a:r>
+              <a:rPr lang="en-US" altLang="en-US" b="1" dirty="0" smtClean="0"/>
+              <a:t>Examples</a:t>
+            </a:r>
+          </a:p>
+        </p:txBody>
+      </p:sp>
+      <p:sp>
+        <p:nvSpPr>
+          <p:cNvPr id="10244" name="Rectangle 3"/>
+          <p:cNvSpPr>
+            <a:spLocks noGrp="1" noChangeArrowheads="1"/>
+          </p:cNvSpPr>
+          <p:nvPr>
+            <p:ph type="body" idx="1"/>
+          </p:nvPr>
+        </p:nvSpPr>
+        <p:spPr>
+          <a:xfrm>
+            <a:off x="539552" y="1417639"/>
+            <a:ext cx="8229600" cy="4525963"/>
+          </a:xfrm>
+        </p:spPr>
+        <p:txBody>
+          <a:bodyPr/>
+          <a:lstStyle/>
+          <a:p>
+            <a:pPr marL="609600" indent="-609600" eaLnBrk="1" hangingPunct="1">
+              <a:buFontTx/>
+              <a:buNone/>
+            </a:pPr>
+            <a:r>
+              <a:rPr lang="en-US" altLang="en-US" dirty="0" smtClean="0"/>
+              <a:t>p: It is below freezing</a:t>
+            </a:r>
+          </a:p>
+          <a:p>
+            <a:pPr marL="609600" indent="-609600" eaLnBrk="1" hangingPunct="1">
+              <a:buFontTx/>
+              <a:buNone/>
+            </a:pPr>
+            <a:r>
+              <a:rPr lang="en-US" altLang="en-US" dirty="0" smtClean="0"/>
+              <a:t>q: It is snowing</a:t>
+            </a:r>
+          </a:p>
+          <a:p>
+            <a:pPr marL="609600" indent="-609600" eaLnBrk="1" hangingPunct="1">
+              <a:buFontTx/>
+              <a:buNone/>
+            </a:pPr>
+            <a:endParaRPr lang="en-US" altLang="en-US" dirty="0" smtClean="0"/>
+          </a:p>
+          <a:p>
+            <a:pPr marL="609600" indent="-609600" eaLnBrk="1" hangingPunct="1">
+              <a:buFontTx/>
+              <a:buAutoNum type="alphaLcParenBoth"/>
+            </a:pPr>
+            <a:r>
+              <a:rPr lang="en-US" altLang="en-US" dirty="0" smtClean="0"/>
+              <a:t>It is below freezing and snowing</a:t>
+            </a:r>
+          </a:p>
+          <a:p>
+            <a:pPr marL="609600" indent="-609600" eaLnBrk="1" hangingPunct="1">
+              <a:buFontTx/>
+              <a:buAutoNum type="alphaLcParenBoth"/>
+            </a:pPr>
+            <a:r>
+              <a:rPr lang="en-US" altLang="en-US" dirty="0" smtClean="0"/>
+              <a:t>It is below freezing but now snowing</a:t>
+            </a:r>
+          </a:p>
+          <a:p>
+            <a:pPr marL="609600" indent="-609600" eaLnBrk="1" hangingPunct="1">
+              <a:buFontTx/>
+              <a:buNone/>
+            </a:pPr>
+            <a:r>
+              <a:rPr lang="en-US" altLang="en-US" dirty="0" smtClean="0"/>
+              <a:t>(d) It is either snowing or below freezing (or both)</a:t>
+            </a:r>
+          </a:p>
+        </p:txBody>
+      </p:sp>
+    </p:spTree>
+    <p:extLst>
+      <p:ext uri="{BB962C8B-B14F-4D97-AF65-F5344CB8AC3E}">
+        <p14:creationId xmlns:p14="http://schemas.microsoft.com/office/powerpoint/2010/main" val="256605149"/>
+      </p:ext>
+    </p:extLst>
+  </p:cSld>
+  <p:clrMapOvr>
+    <a:masterClrMapping/>
+  </p:clrMapOvr>
+</p:sld>
+</file>
+
+<file path=ppt/slides/slide9.xml><?xml version="1.0" encoding="utf-8"?>
+<p:sld xmlns:a="http://schemas.openxmlformats.org/drawingml/2006/main" xmlns:r="http://schemas.openxmlformats.org/officeDocument/2006/relationships" xmlns:p="http://schemas.openxmlformats.org/presentationml/2006/main">
+  <p:cSld>
+    <p:spTree>
+      <p:nvGrpSpPr>
+        <p:cNvPr id="1" name=""/>
+        <p:cNvGrpSpPr/>
+        <p:nvPr/>
+      </p:nvGrpSpPr>
+      <p:grpSpPr>
+        <a:xfrm>
+          <a:off x="0" y="0"/>
+          <a:ext cx="0" cy="0"/>
+          <a:chOff x="0" y="0"/>
+          <a:chExt cx="0" cy="0"/>
+        </a:xfrm>
+      </p:grpSpPr>
+      <p:sp>
+        <p:nvSpPr>
+          <p:cNvPr id="11266" name="Slide Number Placeholder 3"/>
+          <p:cNvSpPr>
+            <a:spLocks noGrp="1"/>
+          </p:cNvSpPr>
+          <p:nvPr>
+            <p:ph type="sldNum" sz="quarter" idx="10"/>
+          </p:nvPr>
+        </p:nvSpPr>
+        <p:spPr>
+          <a:noFill/>
+        </p:spPr>
+        <p:txBody>
+          <a:bodyPr/>
+          <a:lstStyle>
+            <a:lvl1pPr algn="ctr">
+              <a:defRPr sz="4000" b="1">
+                <a:solidFill>
+                  <a:schemeClr val="tx1"/>
+                </a:solidFill>
+                <a:latin typeface="Arial" panose="020B0604020202020204" pitchFamily="34" charset="0"/>
+              </a:defRPr>
+            </a:lvl1pPr>
+            <a:lvl2pPr marL="742950" indent="-285750" algn="ctr">
+              <a:defRPr sz="4000" b="1">
+                <a:solidFill>
+                  <a:schemeClr val="tx1"/>
+                </a:solidFill>
+                <a:latin typeface="Arial" panose="020B0604020202020204" pitchFamily="34" charset="0"/>
+              </a:defRPr>
+            </a:lvl2pPr>
+            <a:lvl3pPr marL="1143000" indent="-228600" algn="ctr">
+              <a:defRPr sz="4000" b="1">
+                <a:solidFill>
+                  <a:schemeClr val="tx1"/>
+                </a:solidFill>
+                <a:latin typeface="Arial" panose="020B0604020202020204" pitchFamily="34" charset="0"/>
+              </a:defRPr>
+            </a:lvl3pPr>
+            <a:lvl4pPr marL="1600200" indent="-228600" algn="ctr">
+              <a:defRPr sz="4000" b="1">
+                <a:solidFill>
+                  <a:schemeClr val="tx1"/>
+                </a:solidFill>
+                <a:latin typeface="Arial" panose="020B0604020202020204" pitchFamily="34" charset="0"/>
+              </a:defRPr>
+            </a:lvl4pPr>
+            <a:lvl5pPr marL="2057400" indent="-228600" algn="ctr">
+              <a:defRPr sz="4000" b="1">
+                <a:solidFill>
+                  <a:schemeClr val="tx1"/>
+                </a:solidFill>
+                <a:latin typeface="Arial" panose="020B0604020202020204" pitchFamily="34" charset="0"/>
+              </a:defRPr>
+            </a:lvl5pPr>
+            <a:lvl6pPr marL="2514600" indent="-228600" algn="ctr" eaLnBrk="0" fontAlgn="base" hangingPunct="0">
+              <a:spcBef>
+                <a:spcPct val="0"/>
+              </a:spcBef>
+              <a:spcAft>
+                <a:spcPct val="0"/>
+              </a:spcAft>
+              <a:defRPr sz="4000" b="1">
+                <a:solidFill>
+                  <a:schemeClr val="tx1"/>
+                </a:solidFill>
+                <a:latin typeface="Arial" panose="020B0604020202020204" pitchFamily="34" charset="0"/>
+              </a:defRPr>
+            </a:lvl6pPr>
+            <a:lvl7pPr marL="2971800" indent="-228600" algn="ctr" eaLnBrk="0" fontAlgn="base" hangingPunct="0">
+              <a:spcBef>
+                <a:spcPct val="0"/>
+              </a:spcBef>
+              <a:spcAft>
+                <a:spcPct val="0"/>
+              </a:spcAft>
+              <a:defRPr sz="4000" b="1">
+                <a:solidFill>
+                  <a:schemeClr val="tx1"/>
+                </a:solidFill>
+                <a:latin typeface="Arial" panose="020B0604020202020204" pitchFamily="34" charset="0"/>
+              </a:defRPr>
+            </a:lvl7pPr>
+            <a:lvl8pPr marL="3429000" indent="-228600" algn="ctr" eaLnBrk="0" fontAlgn="base" hangingPunct="0">
+              <a:spcBef>
+                <a:spcPct val="0"/>
+              </a:spcBef>
+              <a:spcAft>
+                <a:spcPct val="0"/>
+              </a:spcAft>
+              <a:defRPr sz="4000" b="1">
+                <a:solidFill>
+                  <a:schemeClr val="tx1"/>
+                </a:solidFill>
+                <a:latin typeface="Arial" panose="020B0604020202020204" pitchFamily="34" charset="0"/>
+              </a:defRPr>
+            </a:lvl8pPr>
+            <a:lvl9pPr marL="3886200" indent="-228600" algn="ctr" eaLnBrk="0" fontAlgn="base" hangingPunct="0">
+              <a:spcBef>
+                <a:spcPct val="0"/>
+              </a:spcBef>
+              <a:spcAft>
+                <a:spcPct val="0"/>
+              </a:spcAft>
+              <a:defRPr sz="4000" b="1">
+                <a:solidFill>
+                  <a:schemeClr val="tx1"/>
+                </a:solidFill>
+                <a:latin typeface="Arial" panose="020B0604020202020204" pitchFamily="34" charset="0"/>
+              </a:defRPr>
+            </a:lvl9pPr>
+          </a:lstStyle>
+          <a:p>
+            <a:pPr algn="r"/>
+            <a:fld id="{2ADBC945-B989-41FA-A598-93097FF9EA26}" type="slidenum">
+              <a:rPr lang="en-US" altLang="en-US" sz="1400"/>
+              <a:pPr algn="r"/>
+              <a:t>9</a:t>
+            </a:fld>
+            <a:endParaRPr lang="en-US" altLang="en-US" sz="1400"/>
+          </a:p>
+        </p:txBody>
+      </p:sp>
+      <p:sp>
+        <p:nvSpPr>
+          <p:cNvPr id="11267" name="Rectangle 2"/>
+          <p:cNvSpPr>
+            <a:spLocks noGrp="1" noChangeArrowheads="1"/>
+          </p:cNvSpPr>
+          <p:nvPr>
+            <p:ph type="title"/>
+          </p:nvPr>
+        </p:nvSpPr>
+        <p:spPr/>
+        <p:txBody>
+          <a:bodyPr/>
+          <a:lstStyle/>
+          <a:p>
+            <a:pPr eaLnBrk="1" hangingPunct="1"/>
+            <a:r>
+              <a:rPr lang="en-US" altLang="en-US" smtClean="0"/>
+              <a:t>Exclusive OR (XOR)</a:t>
+            </a:r>
+          </a:p>
+        </p:txBody>
+      </p:sp>
+      <p:sp>
+        <p:nvSpPr>
+          <p:cNvPr id="11268" name="Rectangle 5"/>
+          <p:cNvSpPr txBox="1">
+            <a:spLocks noChangeArrowheads="1"/>
+          </p:cNvSpPr>
+          <p:nvPr/>
+        </p:nvSpPr>
+        <p:spPr bwMode="auto">
+          <a:xfrm>
+            <a:off x="711200" y="1219200"/>
+            <a:ext cx="8077200" cy="5029200"/>
+          </a:xfrm>
+          <a:prstGeom prst="rect">
+            <a:avLst/>
+          </a:prstGeom>
+          <a:noFill/>
+          <a:ln>
+            <a:noFill/>
+          </a:ln>
+          <a:effectLst/>
+          <a:extLst>
+            <a:ext uri="{909E8E84-426E-40DD-AFC4-6F175D3DCCD1}">
+              <a14:hiddenFill xmlns:a14="http://schemas.microsoft.com/office/drawing/2010/main">
+                <a:solidFill>
+                  <a:schemeClr val="accent1"/>
+                </a:solidFill>
+              </a14:hiddenFill>
+            </a:ext>
+            <a:ext uri="{91240B29-F687-4F45-9708-019B960494DF}">
+              <a14:hiddenLine xmlns:a14="http://schemas.microsoft.com/office/drawing/2010/main" w="9525">
+                <a:solidFill>
+                  <a:schemeClr val="tx1"/>
+                </a:solidFill>
+                <a:miter lim="800000"/>
+                <a:headEnd/>
+                <a:tailEnd/>
+              </a14:hiddenLine>
+            </a:ext>
+            <a:ext uri="{AF507438-7753-43E0-B8FC-AC1667EBCBE1}">
+              <a14:hiddenEffects xmlns:a14="http://schemas.microsoft.com/office/drawing/2010/main">
+                <a:effectLst>
+                  <a:outerShdw dist="35921" dir="2700000" algn="ctr" rotWithShape="0">
+                    <a:schemeClr val="bg2"/>
+                  </a:outerShdw>
+                </a:effectLst>
+              </a14:hiddenEffects>
+            </a:ext>
+          </a:extLst>
+        </p:spPr>
+        <p:txBody>
+          <a:bodyPr/>
+          <a:lstStyle>
+            <a:lvl1pPr marL="342900" indent="-342900">
+              <a:spcBef>
+                <a:spcPct val="20000"/>
+              </a:spcBef>
+              <a:buChar char="•"/>
+              <a:defRPr sz="3200">
+                <a:solidFill>
+                  <a:schemeClr val="tx1"/>
+                </a:solidFill>
+                <a:latin typeface="Arial" panose="020B0604020202020204" pitchFamily="34" charset="0"/>
+              </a:defRPr>
+            </a:lvl1pPr>
+            <a:lvl2pPr marL="742950" indent="-285750">
+              <a:spcBef>
+                <a:spcPct val="20000"/>
+              </a:spcBef>
+              <a:buChar char="–"/>
+              <a:defRPr sz="2800">
+                <a:solidFill>
+                  <a:schemeClr val="tx1"/>
+                </a:solidFill>
+                <a:latin typeface="Arial" panose="020B0604020202020204" pitchFamily="34" charset="0"/>
+              </a:defRPr>
+            </a:lvl2pPr>
+            <a:lvl3pPr marL="1143000" indent="-228600">
+              <a:spcBef>
+                <a:spcPct val="20000"/>
+              </a:spcBef>
+              <a:buChar char="•"/>
+              <a:defRPr sz="2400">
+                <a:solidFill>
+                  <a:schemeClr val="tx1"/>
+                </a:solidFill>
+                <a:latin typeface="Arial" panose="020B0604020202020204" pitchFamily="34" charset="0"/>
+              </a:defRPr>
+            </a:lvl3pPr>
+            <a:lvl4pPr marL="1600200" indent="-228600">
+              <a:spcBef>
+                <a:spcPct val="20000"/>
+              </a:spcBef>
+              <a:buChar char="–"/>
+              <a:defRPr sz="2000">
+                <a:solidFill>
+                  <a:schemeClr val="tx1"/>
+                </a:solidFill>
+                <a:latin typeface="Arial" panose="020B0604020202020204" pitchFamily="34" charset="0"/>
+              </a:defRPr>
+            </a:lvl4pPr>
+            <a:lvl5pPr marL="2057400" indent="-228600">
+              <a:spcBef>
+                <a:spcPct val="20000"/>
+              </a:spcBef>
+              <a:buChar char="»"/>
+              <a:defRPr sz="2000">
+                <a:solidFill>
+                  <a:schemeClr val="tx1"/>
+                </a:solidFill>
+                <a:latin typeface="Arial" panose="020B0604020202020204" pitchFamily="34" charset="0"/>
+              </a:defRPr>
+            </a:lvl5pPr>
+            <a:lvl6pPr marL="2514600" indent="-228600" eaLnBrk="0" fontAlgn="base" hangingPunct="0">
+              <a:spcBef>
+                <a:spcPct val="20000"/>
+              </a:spcBef>
+              <a:spcAft>
+                <a:spcPct val="0"/>
+              </a:spcAft>
+              <a:buChar char="»"/>
+              <a:defRPr sz="2000">
+                <a:solidFill>
+                  <a:schemeClr val="tx1"/>
+                </a:solidFill>
+                <a:latin typeface="Arial" panose="020B0604020202020204" pitchFamily="34" charset="0"/>
+              </a:defRPr>
+            </a:lvl6pPr>
+            <a:lvl7pPr marL="2971800" indent="-228600" eaLnBrk="0" fontAlgn="base" hangingPunct="0">
+              <a:spcBef>
+                <a:spcPct val="20000"/>
+              </a:spcBef>
+              <a:spcAft>
+                <a:spcPct val="0"/>
+              </a:spcAft>
+              <a:buChar char="»"/>
+              <a:defRPr sz="2000">
+                <a:solidFill>
+                  <a:schemeClr val="tx1"/>
+                </a:solidFill>
+                <a:latin typeface="Arial" panose="020B0604020202020204" pitchFamily="34" charset="0"/>
+              </a:defRPr>
+            </a:lvl7pPr>
+            <a:lvl8pPr marL="3429000" indent="-228600" eaLnBrk="0" fontAlgn="base" hangingPunct="0">
+              <a:spcBef>
+                <a:spcPct val="20000"/>
+              </a:spcBef>
+              <a:spcAft>
+                <a:spcPct val="0"/>
+              </a:spcAft>
+              <a:buChar char="»"/>
+              <a:defRPr sz="2000">
+                <a:solidFill>
+                  <a:schemeClr val="tx1"/>
+                </a:solidFill>
+                <a:latin typeface="Arial" panose="020B0604020202020204" pitchFamily="34" charset="0"/>
+              </a:defRPr>
+            </a:lvl8pPr>
+            <a:lvl9pPr marL="3886200" indent="-228600" eaLnBrk="0" fontAlgn="base" hangingPunct="0">
+              <a:spcBef>
+                <a:spcPct val="20000"/>
+              </a:spcBef>
+              <a:spcAft>
+                <a:spcPct val="0"/>
+              </a:spcAft>
+              <a:buChar char="»"/>
+              <a:defRPr sz="2000">
+                <a:solidFill>
+                  <a:schemeClr val="tx1"/>
+                </a:solidFill>
+                <a:latin typeface="Arial" panose="020B0604020202020204" pitchFamily="34" charset="0"/>
+              </a:defRPr>
+            </a:lvl9pPr>
+          </a:lstStyle>
+          <a:p>
+            <a:pPr eaLnBrk="1" hangingPunct="1"/>
+            <a:r>
+              <a:rPr lang="en-US" altLang="en-US" b="0" dirty="0">
+                <a:latin typeface="+mn-lt"/>
+              </a:rPr>
+              <a:t>Binary</a:t>
+            </a:r>
+            <a:br>
+              <a:rPr lang="en-US" altLang="en-US" b="0" dirty="0">
+                <a:latin typeface="+mn-lt"/>
+              </a:rPr>
+            </a:br>
+            <a:r>
+              <a:rPr lang="en-US" altLang="en-US" sz="3200" b="0" dirty="0" smtClean="0">
+                <a:latin typeface="+mn-lt"/>
+              </a:rPr>
+              <a:t>Exclusive </a:t>
+            </a:r>
+            <a:r>
+              <a:rPr lang="en-US" altLang="en-US" sz="3200" b="0" dirty="0">
+                <a:latin typeface="+mn-lt"/>
+              </a:rPr>
+              <a:t>OR: Symbol </a:t>
+            </a:r>
+            <a:r>
+              <a:rPr lang="en-US" altLang="en-US" sz="3200" b="0" dirty="0">
+                <a:latin typeface="+mn-lt"/>
+                <a:sym typeface="Symbol" panose="05050102010706020507" pitchFamily="18" charset="2"/>
+              </a:rPr>
+              <a:t></a:t>
+            </a:r>
+            <a:br>
+              <a:rPr lang="en-US" altLang="en-US" sz="3200" b="0" dirty="0">
+                <a:latin typeface="+mn-lt"/>
+                <a:sym typeface="Symbol" panose="05050102010706020507" pitchFamily="18" charset="2"/>
+              </a:rPr>
+            </a:br>
+            <a:r>
+              <a:rPr lang="en-US" altLang="en-US" sz="3200" b="0" dirty="0" smtClean="0">
+                <a:solidFill>
+                  <a:schemeClr val="accent1"/>
+                </a:solidFill>
+                <a:latin typeface="+mn-lt"/>
+              </a:rPr>
+              <a:t>Example</a:t>
+            </a:r>
+            <a:r>
+              <a:rPr lang="en-US" altLang="en-US" sz="3200" b="0" dirty="0">
+                <a:solidFill>
+                  <a:schemeClr val="accent1"/>
+                </a:solidFill>
+                <a:latin typeface="+mn-lt"/>
+              </a:rPr>
+              <a:t>:</a:t>
+            </a:r>
+          </a:p>
+          <a:p>
+            <a:pPr lvl="2" eaLnBrk="1" hangingPunct="1">
+              <a:buFont typeface="Wingdings" panose="05000000000000000000" pitchFamily="2" charset="2"/>
+              <a:buNone/>
+            </a:pPr>
+            <a:r>
+              <a:rPr lang="en-US" altLang="en-US" sz="3200" b="0" dirty="0">
+                <a:latin typeface="+mn-lt"/>
+              </a:rPr>
+              <a:t>P - ‘I am going to town’</a:t>
+            </a:r>
+          </a:p>
+          <a:p>
+            <a:pPr lvl="2" eaLnBrk="1" hangingPunct="1">
+              <a:buFont typeface="Wingdings" panose="05000000000000000000" pitchFamily="2" charset="2"/>
+              <a:buNone/>
+            </a:pPr>
+            <a:r>
+              <a:rPr lang="en-US" altLang="en-US" sz="3200" b="0" dirty="0">
+                <a:latin typeface="+mn-lt"/>
+              </a:rPr>
+              <a:t>Q - ‘It is going to </a:t>
+            </a:r>
+            <a:r>
+              <a:rPr lang="en-US" altLang="en-US" sz="3200" b="0" dirty="0" smtClean="0">
+                <a:latin typeface="+mn-lt"/>
+              </a:rPr>
+              <a:t>rain’</a:t>
+            </a:r>
+            <a:endParaRPr lang="en-US" altLang="en-US" sz="3200" dirty="0" smtClean="0">
+              <a:latin typeface="+mn-lt"/>
+            </a:endParaRPr>
+          </a:p>
+          <a:p>
+            <a:pPr lvl="2" eaLnBrk="1" hangingPunct="1">
+              <a:buFont typeface="Wingdings" panose="05000000000000000000" pitchFamily="2" charset="2"/>
+              <a:buNone/>
+            </a:pPr>
+            <a:r>
+              <a:rPr lang="en-US" altLang="en-US" sz="3200" b="0" dirty="0" smtClean="0">
+                <a:latin typeface="+mn-lt"/>
+              </a:rPr>
+              <a:t>P </a:t>
+            </a:r>
+            <a:r>
+              <a:rPr lang="en-US" altLang="en-US" sz="3200" b="0" dirty="0">
+                <a:latin typeface="+mn-lt"/>
+                <a:sym typeface="Symbol" panose="05050102010706020507" pitchFamily="18" charset="2"/>
+              </a:rPr>
+              <a:t></a:t>
+            </a:r>
+            <a:r>
+              <a:rPr lang="en-US" altLang="en-US" sz="3200" b="0" dirty="0">
+                <a:latin typeface="+mn-lt"/>
+              </a:rPr>
+              <a:t> Q: ‘Either I am going to town or it is going to rain.’</a:t>
+            </a:r>
+          </a:p>
+          <a:p>
+            <a:pPr lvl="2" eaLnBrk="1" hangingPunct="1">
+              <a:buFont typeface="Wingdings" panose="05000000000000000000" pitchFamily="2" charset="2"/>
+              <a:buNone/>
+            </a:pPr>
+            <a:r>
+              <a:rPr lang="en-US" altLang="en-US" sz="3200" b="0" dirty="0">
+                <a:solidFill>
+                  <a:srgbClr val="FCC235"/>
+                </a:solidFill>
+                <a:latin typeface="+mn-lt"/>
+              </a:rPr>
+              <a:t>Note</a:t>
+            </a:r>
+            <a:r>
+              <a:rPr lang="en-US" altLang="en-US" sz="3200" b="0" dirty="0">
+                <a:latin typeface="+mn-lt"/>
+              </a:rPr>
+              <a:t>: Only one of P and Q must be true.</a:t>
+            </a:r>
+          </a:p>
+          <a:p>
+            <a:pPr lvl="1" eaLnBrk="1" hangingPunct="1"/>
+            <a:endParaRPr lang="en-US" altLang="en-US" sz="3200" b="0" dirty="0">
+              <a:latin typeface="+mn-lt"/>
+            </a:endParaRPr>
+          </a:p>
+        </p:txBody>
+      </p:sp>
+      <p:graphicFrame>
+        <p:nvGraphicFramePr>
+          <p:cNvPr id="5" name="Table 4"/>
+          <p:cNvGraphicFramePr>
+            <a:graphicFrameLocks noGrp="1"/>
+          </p:cNvGraphicFramePr>
+          <p:nvPr/>
+        </p:nvGraphicFramePr>
+        <p:xfrm>
+          <a:off x="6010275" y="1628775"/>
+          <a:ext cx="2447925" cy="1973262"/>
+        </p:xfrm>
+        <a:graphic>
+          <a:graphicData uri="http://schemas.openxmlformats.org/drawingml/2006/table">
+            <a:tbl>
+              <a:tblPr>
+                <a:tableStyleId>{5C22544A-7EE6-4342-B048-85BDC9FD1C3A}</a:tableStyleId>
+              </a:tblPr>
+              <a:tblGrid>
+                <a:gridCol w="769084">
+                  <a:extLst>
+                    <a:ext uri="{9D8B030D-6E8A-4147-A177-3AD203B41FA5}">
+                      <a16:colId xmlns:a16="http://schemas.microsoft.com/office/drawing/2014/main" val="2681393282"/>
+                    </a:ext>
+                  </a:extLst>
+                </a:gridCol>
+                <a:gridCol w="862866">
+                  <a:extLst>
+                    <a:ext uri="{9D8B030D-6E8A-4147-A177-3AD203B41FA5}">
+                      <a16:colId xmlns:a16="http://schemas.microsoft.com/office/drawing/2014/main" val="1583086530"/>
+                    </a:ext>
+                  </a:extLst>
+                </a:gridCol>
+                <a:gridCol w="815975">
+                  <a:extLst>
+                    <a:ext uri="{9D8B030D-6E8A-4147-A177-3AD203B41FA5}">
+                      <a16:colId xmlns:a16="http://schemas.microsoft.com/office/drawing/2014/main" val="280636983"/>
+                    </a:ext>
+                  </a:extLst>
+                </a:gridCol>
+              </a:tblGrid>
+              <a:tr h="365890">
+                <a:tc>
+                  <a:txBody>
+                    <a:bodyPr/>
+                    <a:lstStyle/>
+                    <a:p>
+                      <a:r>
+                        <a:rPr lang="en-GB" sz="1800" dirty="0" smtClean="0">
+                          <a:solidFill>
+                            <a:srgbClr val="006600"/>
+                          </a:solidFill>
+                        </a:rPr>
+                        <a:t>p</a:t>
+                      </a:r>
+                      <a:endParaRPr lang="en-GB" sz="1800" dirty="0">
+                        <a:solidFill>
+                          <a:srgbClr val="006600"/>
+                        </a:solidFill>
+                      </a:endParaRPr>
+                    </a:p>
+                  </a:txBody>
+                  <a:tcPr marL="91427" marR="91427" marT="45736" marB="45736">
+                    <a:lnL w="12700" cap="flat" cmpd="sng" algn="ctr">
+                      <a:solidFill>
+                        <a:schemeClr val="tx1"/>
+                      </a:solidFill>
+                      <a:prstDash val="solid"/>
+                      <a:round/>
+                      <a:headEnd type="none" w="med" len="med"/>
+                      <a:tailEnd type="none" w="med" len="med"/>
+                    </a:lnL>
+                    <a:lnR w="12700" cap="flat" cmpd="sng" algn="ctr">
+                      <a:solidFill>
+                        <a:schemeClr val="tx1"/>
+                      </a:solidFill>
+                      <a:prstDash val="solid"/>
+                      <a:round/>
+                      <a:headEnd type="none" w="med" len="med"/>
+                      <a:tailEnd type="none" w="med" len="med"/>
+                    </a:lnR>
+                    <a:lnT w="12700" cap="flat" cmpd="sng" algn="ctr">
+                      <a:solidFill>
+                        <a:schemeClr val="tx1"/>
+                      </a:solidFill>
+                      <a:prstDash val="solid"/>
+                      <a:round/>
+                      <a:headEnd type="none" w="med" len="med"/>
+                      <a:tailEnd type="none" w="med" len="med"/>
+                    </a:lnT>
+                    <a:lnB w="12700" cap="flat" cmpd="sng" algn="ctr">
+                      <a:solidFill>
+                        <a:schemeClr val="tx1"/>
+                      </a:solidFill>
+                      <a:prstDash val="solid"/>
+                      <a:round/>
+                      <a:headEnd type="none" w="med" len="med"/>
+                      <a:tailEnd type="none" w="med" len="med"/>
+                    </a:lnB>
+                    <a:noFill/>
+                  </a:tcPr>
+                </a:tc>
+                <a:tc>
+                  <a:txBody>
+                    <a:bodyPr/>
+                    <a:lstStyle/>
+                    <a:p>
+                      <a:r>
+                        <a:rPr lang="en-GB" sz="1800" dirty="0" smtClean="0">
+                          <a:solidFill>
+                            <a:srgbClr val="006600"/>
+                          </a:solidFill>
+                        </a:rPr>
+                        <a:t>q</a:t>
+                      </a:r>
+                      <a:endParaRPr lang="en-GB" sz="1800" dirty="0">
+                        <a:solidFill>
+                          <a:srgbClr val="006600"/>
+                        </a:solidFill>
+                      </a:endParaRPr>
+                    </a:p>
+                  </a:txBody>
+                  <a:tcPr marL="91427" marR="91427" marT="45736" marB="45736">
+                    <a:lnL w="12700" cap="flat" cmpd="sng" algn="ctr">
+                      <a:solidFill>
+                        <a:schemeClr val="tx1"/>
+                      </a:solidFill>
+                      <a:prstDash val="solid"/>
+                      <a:round/>
+                      <a:headEnd type="none" w="med" len="med"/>
+                      <a:tailEnd type="none" w="med" len="med"/>
+                    </a:lnL>
+                    <a:lnR w="12700" cap="flat" cmpd="sng" algn="ctr">
+                      <a:solidFill>
+                        <a:schemeClr val="tx1"/>
+                      </a:solidFill>
+                      <a:prstDash val="solid"/>
+                      <a:round/>
+                      <a:headEnd type="none" w="med" len="med"/>
+                      <a:tailEnd type="none" w="med" len="med"/>
+                    </a:lnR>
+                    <a:lnT w="12700" cap="flat" cmpd="sng" algn="ctr">
+                      <a:solidFill>
+                        <a:schemeClr val="tx1"/>
+                      </a:solidFill>
+                      <a:prstDash val="solid"/>
+                      <a:round/>
+                      <a:headEnd type="none" w="med" len="med"/>
+                      <a:tailEnd type="none" w="med" len="med"/>
+                    </a:lnT>
+                    <a:lnB w="12700" cap="flat" cmpd="sng" algn="ctr">
+                      <a:solidFill>
+                        <a:schemeClr val="tx1"/>
+                      </a:solidFill>
+                      <a:prstDash val="solid"/>
+                      <a:round/>
+                      <a:headEnd type="none" w="med" len="med"/>
+                      <a:tailEnd type="none" w="med" len="med"/>
+                    </a:lnB>
+                    <a:noFill/>
+                  </a:tcPr>
+                </a:tc>
+                <a:tc>
+                  <a:txBody>
+                    <a:bodyPr/>
+                    <a:lstStyle/>
+                    <a:p>
+                      <a:r>
+                        <a:rPr lang="en-GB" sz="1800" dirty="0" smtClean="0">
+                          <a:solidFill>
+                            <a:srgbClr val="006600"/>
+                          </a:solidFill>
+                        </a:rPr>
+                        <a:t>p </a:t>
+                      </a:r>
+                      <a:r>
+                        <a:rPr lang="en-US" altLang="en-US" sz="1800" b="0" dirty="0" smtClean="0">
+                          <a:solidFill>
+                            <a:srgbClr val="006600"/>
+                          </a:solidFill>
+                          <a:sym typeface="Symbol" panose="05050102010706020507" pitchFamily="18" charset="2"/>
+                        </a:rPr>
+                        <a:t> </a:t>
+                      </a:r>
+                      <a:r>
+                        <a:rPr lang="en-GB" sz="1800" dirty="0" smtClean="0">
+                          <a:solidFill>
+                            <a:srgbClr val="006600"/>
+                          </a:solidFill>
+                        </a:rPr>
+                        <a:t>q</a:t>
+                      </a:r>
+                      <a:endParaRPr lang="en-GB" sz="1800" dirty="0">
+                        <a:solidFill>
+                          <a:srgbClr val="006600"/>
+                        </a:solidFill>
+                      </a:endParaRPr>
+                    </a:p>
+                  </a:txBody>
+                  <a:tcPr marL="91427" marR="91427" marT="45736" marB="45736">
+                    <a:lnL w="12700" cap="flat" cmpd="sng" algn="ctr">
+                      <a:solidFill>
+                        <a:schemeClr val="tx1"/>
+                      </a:solidFill>
+                      <a:prstDash val="solid"/>
+                      <a:round/>
+                      <a:headEnd type="none" w="med" len="med"/>
+                      <a:tailEnd type="none" w="med" len="med"/>
+                    </a:lnL>
+                    <a:lnR w="12700" cap="flat" cmpd="sng" algn="ctr">
+                      <a:solidFill>
+                        <a:schemeClr val="tx1"/>
+                      </a:solidFill>
+                      <a:prstDash val="solid"/>
+                      <a:round/>
+                      <a:headEnd type="none" w="med" len="med"/>
+                      <a:tailEnd type="none" w="med" len="med"/>
+                    </a:lnR>
+                    <a:lnT w="12700" cap="flat" cmpd="sng" algn="ctr">
+                      <a:solidFill>
+                        <a:schemeClr val="tx1"/>
+                      </a:solidFill>
+                      <a:prstDash val="solid"/>
+                      <a:round/>
+                      <a:headEnd type="none" w="med" len="med"/>
+                      <a:tailEnd type="none" w="med" len="med"/>
+                    </a:lnT>
+                    <a:lnB w="12700" cap="flat" cmpd="sng" algn="ctr">
+                      <a:solidFill>
+                        <a:schemeClr val="tx1"/>
+                      </a:solidFill>
+                      <a:prstDash val="solid"/>
+                      <a:round/>
+                      <a:headEnd type="none" w="med" len="med"/>
+                      <a:tailEnd type="none" w="med" len="med"/>
+                    </a:lnB>
+                    <a:noFill/>
+                  </a:tcPr>
+                </a:tc>
+                <a:extLst>
+                  <a:ext uri="{0D108BD9-81ED-4DB2-BD59-A6C34878D82A}">
+                    <a16:rowId xmlns:a16="http://schemas.microsoft.com/office/drawing/2014/main" val="556159756"/>
+                  </a:ext>
+                </a:extLst>
+              </a:tr>
+              <a:tr h="401843">
+                <a:tc>
+                  <a:txBody>
+                    <a:bodyPr/>
+                    <a:lstStyle/>
+                    <a:p>
+                      <a:r>
+                        <a:rPr lang="en-GB" sz="1800" dirty="0" smtClean="0"/>
+                        <a:t>T</a:t>
+                      </a:r>
+                      <a:endParaRPr lang="en-GB" sz="1800" dirty="0"/>
+                    </a:p>
+                  </a:txBody>
+                  <a:tcPr marL="91427" marR="91427" marT="45736" marB="45736">
+                    <a:lnL w="12700" cap="flat" cmpd="sng" algn="ctr">
+                      <a:solidFill>
+                        <a:schemeClr val="tx1"/>
+                      </a:solidFill>
+                      <a:prstDash val="solid"/>
+                      <a:round/>
+                      <a:headEnd type="none" w="med" len="med"/>
+                      <a:tailEnd type="none" w="med" len="med"/>
+                    </a:lnL>
+                    <a:lnR w="12700" cap="flat" cmpd="sng" algn="ctr">
+                      <a:solidFill>
+                        <a:schemeClr val="tx1"/>
+                      </a:solidFill>
+                      <a:prstDash val="solid"/>
+                      <a:round/>
+                      <a:headEnd type="none" w="med" len="med"/>
+                      <a:tailEnd type="none" w="med" len="med"/>
+                    </a:lnR>
+                    <a:lnT w="12700" cap="flat" cmpd="sng" algn="ctr">
+                      <a:solidFill>
+                        <a:schemeClr val="tx1"/>
+                      </a:solidFill>
+                      <a:prstDash val="solid"/>
+                      <a:round/>
+                      <a:headEnd type="none" w="med" len="med"/>
+                      <a:tailEnd type="none" w="med" len="med"/>
+                    </a:lnT>
+                    <a:lnB w="12700" cap="flat" cmpd="sng" algn="ctr">
+                      <a:solidFill>
+                        <a:schemeClr val="tx1"/>
+                      </a:solidFill>
+                      <a:prstDash val="solid"/>
+                      <a:round/>
+                      <a:headEnd type="none" w="med" len="med"/>
+                      <a:tailEnd type="none" w="med" len="med"/>
+                    </a:lnB>
+                    <a:noFill/>
+                  </a:tcPr>
+                </a:tc>
+                <a:tc>
+                  <a:txBody>
+                    <a:bodyPr/>
+                    <a:lstStyle/>
+                    <a:p>
+                      <a:r>
+                        <a:rPr lang="en-GB" sz="1800" dirty="0" smtClean="0"/>
+                        <a:t>T</a:t>
+                      </a:r>
+                      <a:endParaRPr lang="en-GB" sz="1800" dirty="0"/>
+                    </a:p>
+                  </a:txBody>
+                  <a:tcPr marL="91427" marR="91427" marT="45736" marB="45736">
+                    <a:lnL w="12700" cap="flat" cmpd="sng" algn="ctr">
+                      <a:solidFill>
+                        <a:schemeClr val="tx1"/>
+                      </a:solidFill>
+                      <a:prstDash val="solid"/>
+                      <a:round/>
+                      <a:headEnd type="none" w="med" len="med"/>
+                      <a:tailEnd type="none" w="med" len="med"/>
+                    </a:lnL>
+                    <a:lnR w="12700" cap="flat" cmpd="sng" algn="ctr">
+                      <a:solidFill>
+                        <a:schemeClr val="tx1"/>
+                      </a:solidFill>
+                      <a:prstDash val="solid"/>
+                      <a:round/>
+                      <a:headEnd type="none" w="med" len="med"/>
+                      <a:tailEnd type="none" w="med" len="med"/>
+                    </a:lnR>
+                    <a:lnT w="12700" cap="flat" cmpd="sng" algn="ctr">
+                      <a:solidFill>
+                        <a:schemeClr val="tx1"/>
+                      </a:solidFill>
+                      <a:prstDash val="solid"/>
+                      <a:round/>
+                      <a:headEnd type="none" w="med" len="med"/>
+                      <a:tailEnd type="none" w="med" len="med"/>
+                    </a:lnT>
+                    <a:lnB w="12700" cap="flat" cmpd="sng" algn="ctr">
+                      <a:solidFill>
+                        <a:schemeClr val="tx1"/>
+                      </a:solidFill>
+                      <a:prstDash val="solid"/>
+                      <a:round/>
+                      <a:headEnd type="none" w="med" len="med"/>
+                      <a:tailEnd type="none" w="med" len="med"/>
+                    </a:lnB>
+                    <a:noFill/>
+                  </a:tcPr>
+                </a:tc>
+                <a:tc>
+                  <a:txBody>
+                    <a:bodyPr/>
+                    <a:lstStyle/>
+                    <a:p>
+                      <a:r>
+                        <a:rPr lang="en-GB" sz="1800" dirty="0" smtClean="0"/>
+                        <a:t>F</a:t>
+                      </a:r>
+                      <a:endParaRPr lang="en-GB" sz="1800" dirty="0"/>
+                    </a:p>
+                  </a:txBody>
+                  <a:tcPr marL="91427" marR="91427" marT="45736" marB="45736">
+                    <a:lnL w="12700" cap="flat" cmpd="sng" algn="ctr">
+                      <a:solidFill>
+                        <a:schemeClr val="tx1"/>
+                      </a:solidFill>
+                      <a:prstDash val="solid"/>
+                      <a:round/>
+                      <a:headEnd type="none" w="med" len="med"/>
+                      <a:tailEnd type="none" w="med" len="med"/>
+                    </a:lnL>
+                    <a:lnR w="12700" cap="flat" cmpd="sng" algn="ctr">
+                      <a:solidFill>
+                        <a:schemeClr val="tx1"/>
+                      </a:solidFill>
+                      <a:prstDash val="solid"/>
+                      <a:round/>
+                      <a:headEnd type="none" w="med" len="med"/>
+                      <a:tailEnd type="none" w="med" len="med"/>
+                    </a:lnR>
+                    <a:lnT w="12700" cap="flat" cmpd="sng" algn="ctr">
+                      <a:solidFill>
+                        <a:schemeClr val="tx1"/>
+                      </a:solidFill>
+                      <a:prstDash val="solid"/>
+                      <a:round/>
+                      <a:headEnd type="none" w="med" len="med"/>
+                      <a:tailEnd type="none" w="med" len="med"/>
+                    </a:lnT>
+                    <a:lnB w="12700" cap="flat" cmpd="sng" algn="ctr">
+                      <a:solidFill>
+                        <a:schemeClr val="tx1"/>
+                      </a:solidFill>
+                      <a:prstDash val="solid"/>
+                      <a:round/>
+                      <a:headEnd type="none" w="med" len="med"/>
+                      <a:tailEnd type="none" w="med" len="med"/>
+                    </a:lnB>
+                    <a:noFill/>
+                  </a:tcPr>
+                </a:tc>
+                <a:extLst>
+                  <a:ext uri="{0D108BD9-81ED-4DB2-BD59-A6C34878D82A}">
+                    <a16:rowId xmlns:a16="http://schemas.microsoft.com/office/drawing/2014/main" val="2746720974"/>
+                  </a:ext>
+                </a:extLst>
+              </a:tr>
+              <a:tr h="401843">
+                <a:tc>
+                  <a:txBody>
+                    <a:bodyPr/>
+                    <a:lstStyle/>
+                    <a:p>
+                      <a:r>
+                        <a:rPr lang="en-GB" sz="1800" dirty="0" smtClean="0"/>
+                        <a:t>T</a:t>
+                      </a:r>
+                      <a:endParaRPr lang="en-GB" sz="1800" dirty="0"/>
+                    </a:p>
+                  </a:txBody>
+                  <a:tcPr marL="91427" marR="91427" marT="45736" marB="45736">
+                    <a:lnL w="12700" cap="flat" cmpd="sng" algn="ctr">
+                      <a:solidFill>
+                        <a:schemeClr val="tx1"/>
+                      </a:solidFill>
+                      <a:prstDash val="solid"/>
+                      <a:round/>
+                      <a:headEnd type="none" w="med" len="med"/>
+                      <a:tailEnd type="none" w="med" len="med"/>
+                    </a:lnL>
+                    <a:lnR w="12700" cap="flat" cmpd="sng" algn="ctr">
+                      <a:solidFill>
+                        <a:schemeClr val="tx1"/>
+                      </a:solidFill>
+                      <a:prstDash val="solid"/>
+                      <a:round/>
+                      <a:headEnd type="none" w="med" len="med"/>
+                      <a:tailEnd type="none" w="med" len="med"/>
+                    </a:lnR>
+                    <a:lnT w="12700" cap="flat" cmpd="sng" algn="ctr">
+                      <a:solidFill>
+                        <a:schemeClr val="tx1"/>
+                      </a:solidFill>
+                      <a:prstDash val="solid"/>
+                      <a:round/>
+                      <a:headEnd type="none" w="med" len="med"/>
+                      <a:tailEnd type="none" w="med" len="med"/>
+                    </a:lnT>
+                    <a:lnB w="12700" cap="flat" cmpd="sng" algn="ctr">
+                      <a:solidFill>
+                        <a:schemeClr val="tx1"/>
+                      </a:solidFill>
+                      <a:prstDash val="solid"/>
+                      <a:round/>
+                      <a:headEnd type="none" w="med" len="med"/>
+                      <a:tailEnd type="none" w="med" len="med"/>
+                    </a:lnB>
+                    <a:noFill/>
+                  </a:tcPr>
+                </a:tc>
+                <a:tc>
+                  <a:txBody>
+                    <a:bodyPr/>
+                    <a:lstStyle/>
+                    <a:p>
+                      <a:r>
+                        <a:rPr lang="en-GB" sz="1800" dirty="0" smtClean="0"/>
+                        <a:t>F</a:t>
+                      </a:r>
+                      <a:endParaRPr lang="en-GB" sz="1800" dirty="0"/>
+                    </a:p>
+                  </a:txBody>
+                  <a:tcPr marL="91427" marR="91427" marT="45736" marB="45736">
+                    <a:lnL w="12700" cap="flat" cmpd="sng" algn="ctr">
+                      <a:solidFill>
+                        <a:schemeClr val="tx1"/>
+                      </a:solidFill>
+                      <a:prstDash val="solid"/>
+                      <a:round/>
+                      <a:headEnd type="none" w="med" len="med"/>
+                      <a:tailEnd type="none" w="med" len="med"/>
+                    </a:lnL>
+                    <a:lnR w="12700" cap="flat" cmpd="sng" algn="ctr">
+                      <a:solidFill>
+                        <a:schemeClr val="tx1"/>
+                      </a:solidFill>
+                      <a:prstDash val="solid"/>
+                      <a:round/>
+                      <a:headEnd type="none" w="med" len="med"/>
+                      <a:tailEnd type="none" w="med" len="med"/>
+                    </a:lnR>
+                    <a:lnT w="12700" cap="flat" cmpd="sng" algn="ctr">
+                      <a:solidFill>
+                        <a:schemeClr val="tx1"/>
+                      </a:solidFill>
+                      <a:prstDash val="solid"/>
+                      <a:round/>
+                      <a:headEnd type="none" w="med" len="med"/>
+                      <a:tailEnd type="none" w="med" len="med"/>
+                    </a:lnT>
+                    <a:lnB w="12700" cap="flat" cmpd="sng" algn="ctr">
+                      <a:solidFill>
+                        <a:schemeClr val="tx1"/>
+                      </a:solidFill>
+                      <a:prstDash val="solid"/>
+                      <a:round/>
+                      <a:headEnd type="none" w="med" len="med"/>
+                      <a:tailEnd type="none" w="med" len="med"/>
+                    </a:lnB>
+                    <a:noFill/>
+                  </a:tcPr>
+                </a:tc>
+                <a:tc>
+                  <a:txBody>
+                    <a:bodyPr/>
+                    <a:lstStyle/>
+                    <a:p>
+                      <a:r>
+                        <a:rPr lang="en-GB" sz="1800" dirty="0" smtClean="0"/>
+                        <a:t>T</a:t>
+                      </a:r>
+                      <a:endParaRPr lang="en-GB" sz="1800" dirty="0"/>
+                    </a:p>
+                  </a:txBody>
+                  <a:tcPr marL="91427" marR="91427" marT="45736" marB="45736">
+                    <a:lnL w="12700" cap="flat" cmpd="sng" algn="ctr">
+                      <a:solidFill>
+                        <a:schemeClr val="tx1"/>
+                      </a:solidFill>
+                      <a:prstDash val="solid"/>
+                      <a:round/>
+                      <a:headEnd type="none" w="med" len="med"/>
+                      <a:tailEnd type="none" w="med" len="med"/>
+                    </a:lnL>
+                    <a:lnR w="12700" cap="flat" cmpd="sng" algn="ctr">
+                      <a:solidFill>
+                        <a:schemeClr val="tx1"/>
+                      </a:solidFill>
+                      <a:prstDash val="solid"/>
+                      <a:round/>
+                      <a:headEnd type="none" w="med" len="med"/>
+                      <a:tailEnd type="none" w="med" len="med"/>
+                    </a:lnR>
+                    <a:lnT w="12700" cap="flat" cmpd="sng" algn="ctr">
+                      <a:solidFill>
+                        <a:schemeClr val="tx1"/>
+                      </a:solidFill>
+                      <a:prstDash val="solid"/>
+                      <a:round/>
+                      <a:headEnd type="none" w="med" len="med"/>
+                      <a:tailEnd type="none" w="med" len="med"/>
+                    </a:lnT>
+                    <a:lnB w="12700" cap="flat" cmpd="sng" algn="ctr">
+                      <a:solidFill>
+                        <a:schemeClr val="tx1"/>
+                      </a:solidFill>
+                      <a:prstDash val="solid"/>
+                      <a:round/>
+                      <a:headEnd type="none" w="med" len="med"/>
+                      <a:tailEnd type="none" w="med" len="med"/>
+                    </a:lnB>
+                    <a:noFill/>
+                  </a:tcPr>
+                </a:tc>
+                <a:extLst>
+                  <a:ext uri="{0D108BD9-81ED-4DB2-BD59-A6C34878D82A}">
+                    <a16:rowId xmlns:a16="http://schemas.microsoft.com/office/drawing/2014/main" val="526335168"/>
+                  </a:ext>
+                </a:extLst>
+              </a:tr>
+              <a:tr h="401843">
+                <a:tc>
+                  <a:txBody>
+                    <a:bodyPr/>
+                    <a:lstStyle/>
+                    <a:p>
+                      <a:r>
+                        <a:rPr lang="en-GB" sz="1800" dirty="0" smtClean="0"/>
+                        <a:t>F</a:t>
+                      </a:r>
+                      <a:endParaRPr lang="en-GB" sz="1800" dirty="0"/>
+                    </a:p>
+                  </a:txBody>
+                  <a:tcPr marL="91427" marR="91427" marT="45736" marB="45736">
+                    <a:lnL w="12700" cap="flat" cmpd="sng" algn="ctr">
+                      <a:solidFill>
+                        <a:schemeClr val="tx1"/>
+                      </a:solidFill>
+                      <a:prstDash val="solid"/>
+                      <a:round/>
+                      <a:headEnd type="none" w="med" len="med"/>
+                      <a:tailEnd type="none" w="med" len="med"/>
+                    </a:lnL>
+                    <a:lnR w="12700" cap="flat" cmpd="sng" algn="ctr">
+                      <a:solidFill>
+                        <a:schemeClr val="tx1"/>
+                      </a:solidFill>
+                      <a:prstDash val="solid"/>
+                      <a:round/>
+                      <a:headEnd type="none" w="med" len="med"/>
+                      <a:tailEnd type="none" w="med" len="med"/>
+                    </a:lnR>
+                    <a:lnT w="12700" cap="flat" cmpd="sng" algn="ctr">
+                      <a:solidFill>
+                        <a:schemeClr val="tx1"/>
+                      </a:solidFill>
+                      <a:prstDash val="solid"/>
+                      <a:round/>
+                      <a:headEnd type="none" w="med" len="med"/>
+                      <a:tailEnd type="none" w="med" len="med"/>
+                    </a:lnT>
+                    <a:lnB w="12700" cap="flat" cmpd="sng" algn="ctr">
+                      <a:solidFill>
+                        <a:schemeClr val="tx1"/>
+                      </a:solidFill>
+                      <a:prstDash val="solid"/>
+                      <a:round/>
+                      <a:headEnd type="none" w="med" len="med"/>
+                      <a:tailEnd type="none" w="med" len="med"/>
+                    </a:lnB>
+                    <a:noFill/>
+                  </a:tcPr>
+                </a:tc>
+                <a:tc>
+                  <a:txBody>
+                    <a:bodyPr/>
+                    <a:lstStyle/>
+                    <a:p>
+                      <a:r>
+                        <a:rPr lang="en-GB" sz="1800" dirty="0" smtClean="0"/>
+                        <a:t>T</a:t>
+                      </a:r>
+                      <a:endParaRPr lang="en-GB" sz="1800" dirty="0"/>
+                    </a:p>
+                  </a:txBody>
+                  <a:tcPr marL="91427" marR="91427" marT="45736" marB="45736">
+                    <a:lnL w="12700" cap="flat" cmpd="sng" algn="ctr">
+                      <a:solidFill>
+                        <a:schemeClr val="tx1"/>
+                      </a:solidFill>
+                      <a:prstDash val="solid"/>
+                      <a:round/>
+                      <a:headEnd type="none" w="med" len="med"/>
+                      <a:tailEnd type="none" w="med" len="med"/>
+                    </a:lnL>
+                    <a:lnR w="12700" cap="flat" cmpd="sng" algn="ctr">
+                      <a:solidFill>
+                        <a:schemeClr val="tx1"/>
+                      </a:solidFill>
+                      <a:prstDash val="solid"/>
+                      <a:round/>
+                      <a:headEnd type="none" w="med" len="med"/>
+                      <a:tailEnd type="none" w="med" len="med"/>
+                    </a:lnR>
+                    <a:lnT w="12700" cap="flat" cmpd="sng" algn="ctr">
+                      <a:solidFill>
+                        <a:schemeClr val="tx1"/>
+                      </a:solidFill>
+                      <a:prstDash val="solid"/>
+                      <a:round/>
+                      <a:headEnd type="none" w="med" len="med"/>
+                      <a:tailEnd type="none" w="med" len="med"/>
+                    </a:lnT>
+                    <a:lnB w="12700" cap="flat" cmpd="sng" algn="ctr">
+                      <a:solidFill>
+                        <a:schemeClr val="tx1"/>
+                      </a:solidFill>
+                      <a:prstDash val="solid"/>
+                      <a:round/>
+                      <a:headEnd type="none" w="med" len="med"/>
+                      <a:tailEnd type="none" w="med" len="med"/>
+                    </a:lnB>
+                    <a:noFill/>
+                  </a:tcPr>
+                </a:tc>
+                <a:tc>
+                  <a:txBody>
+                    <a:bodyPr/>
+                    <a:lstStyle/>
+                    <a:p>
+                      <a:r>
+                        <a:rPr lang="en-GB" sz="1800" dirty="0" smtClean="0"/>
+                        <a:t>T</a:t>
+                      </a:r>
+                      <a:endParaRPr lang="en-GB" sz="1800" dirty="0"/>
+                    </a:p>
+                  </a:txBody>
+                  <a:tcPr marL="91427" marR="91427" marT="45736" marB="45736">
+                    <a:lnL w="12700" cap="flat" cmpd="sng" algn="ctr">
+                      <a:solidFill>
+                        <a:schemeClr val="tx1"/>
+                      </a:solidFill>
+                      <a:prstDash val="solid"/>
+                      <a:round/>
+                      <a:headEnd type="none" w="med" len="med"/>
+                      <a:tailEnd type="none" w="med" len="med"/>
+                    </a:lnL>
+                    <a:lnR w="12700" cap="flat" cmpd="sng" algn="ctr">
+                      <a:solidFill>
+                        <a:schemeClr val="tx1"/>
+                      </a:solidFill>
+                      <a:prstDash val="solid"/>
+                      <a:round/>
+                      <a:headEnd type="none" w="med" len="med"/>
+                      <a:tailEnd type="none" w="med" len="med"/>
+                    </a:lnR>
+                    <a:lnT w="12700" cap="flat" cmpd="sng" algn="ctr">
+                      <a:solidFill>
+                        <a:schemeClr val="tx1"/>
+                      </a:solidFill>
+                      <a:prstDash val="solid"/>
+                      <a:round/>
+                      <a:headEnd type="none" w="med" len="med"/>
+                      <a:tailEnd type="none" w="med" len="med"/>
+                    </a:lnT>
+                    <a:lnB w="12700" cap="flat" cmpd="sng" algn="ctr">
+                      <a:solidFill>
+                        <a:schemeClr val="tx1"/>
+                      </a:solidFill>
+                      <a:prstDash val="solid"/>
+                      <a:round/>
+                      <a:headEnd type="none" w="med" len="med"/>
+                      <a:tailEnd type="none" w="med" len="med"/>
+                    </a:lnB>
+                    <a:noFill/>
+                  </a:tcPr>
+                </a:tc>
+                <a:extLst>
+                  <a:ext uri="{0D108BD9-81ED-4DB2-BD59-A6C34878D82A}">
+                    <a16:rowId xmlns:a16="http://schemas.microsoft.com/office/drawing/2014/main" val="3434315031"/>
+                  </a:ext>
+                </a:extLst>
+              </a:tr>
+              <a:tr h="401843">
+                <a:tc>
+                  <a:txBody>
+                    <a:bodyPr/>
+                    <a:lstStyle/>
+                    <a:p>
+                      <a:r>
+                        <a:rPr lang="en-GB" sz="1800" dirty="0" smtClean="0"/>
+                        <a:t>F</a:t>
+                      </a:r>
+                      <a:endParaRPr lang="en-GB" sz="1800" dirty="0"/>
+                    </a:p>
+                  </a:txBody>
+                  <a:tcPr marL="91427" marR="91427" marT="45736" marB="45736">
+                    <a:lnL w="12700" cap="flat" cmpd="sng" algn="ctr">
+                      <a:solidFill>
+                        <a:schemeClr val="tx1"/>
+                      </a:solidFill>
+                      <a:prstDash val="solid"/>
+                      <a:round/>
+                      <a:headEnd type="none" w="med" len="med"/>
+                      <a:tailEnd type="none" w="med" len="med"/>
+                    </a:lnL>
+                    <a:lnR w="12700" cap="flat" cmpd="sng" algn="ctr">
+                      <a:solidFill>
+                        <a:schemeClr val="tx1"/>
+                      </a:solidFill>
+                      <a:prstDash val="solid"/>
+                      <a:round/>
+                      <a:headEnd type="none" w="med" len="med"/>
+                      <a:tailEnd type="none" w="med" len="med"/>
+                    </a:lnR>
+                    <a:lnT w="12700" cap="flat" cmpd="sng" algn="ctr">
+                      <a:solidFill>
+                        <a:schemeClr val="tx1"/>
+                      </a:solidFill>
+                      <a:prstDash val="solid"/>
+                      <a:round/>
+                      <a:headEnd type="none" w="med" len="med"/>
+                      <a:tailEnd type="none" w="med" len="med"/>
+                    </a:lnT>
+                    <a:lnB w="12700" cap="flat" cmpd="sng" algn="ctr">
+                      <a:solidFill>
+                        <a:schemeClr val="tx1"/>
+                      </a:solidFill>
+                      <a:prstDash val="solid"/>
+                      <a:round/>
+                      <a:headEnd type="none" w="med" len="med"/>
+                      <a:tailEnd type="none" w="med" len="med"/>
+                    </a:lnB>
+                    <a:noFill/>
+                  </a:tcPr>
+                </a:tc>
+                <a:tc>
+                  <a:txBody>
+                    <a:bodyPr/>
+                    <a:lstStyle/>
+                    <a:p>
+                      <a:r>
+                        <a:rPr lang="en-GB" sz="1800" dirty="0" smtClean="0"/>
+                        <a:t>F</a:t>
+                      </a:r>
+                      <a:endParaRPr lang="en-GB" sz="1800" dirty="0"/>
+                    </a:p>
+                  </a:txBody>
+                  <a:tcPr marL="91427" marR="91427" marT="45736" marB="45736">
+                    <a:lnL w="12700" cap="flat" cmpd="sng" algn="ctr">
+                      <a:solidFill>
+                        <a:schemeClr val="tx1"/>
+                      </a:solidFill>
+                      <a:prstDash val="solid"/>
+                      <a:round/>
+                      <a:headEnd type="none" w="med" len="med"/>
+                      <a:tailEnd type="none" w="med" len="med"/>
+                    </a:lnL>
+                    <a:lnR w="12700" cap="flat" cmpd="sng" algn="ctr">
+                      <a:solidFill>
+                        <a:schemeClr val="tx1"/>
+                      </a:solidFill>
+                      <a:prstDash val="solid"/>
+                      <a:round/>
+                      <a:headEnd type="none" w="med" len="med"/>
+                      <a:tailEnd type="none" w="med" len="med"/>
+                    </a:lnR>
+                    <a:lnT w="12700" cap="flat" cmpd="sng" algn="ctr">
+                      <a:solidFill>
+                        <a:schemeClr val="tx1"/>
+                      </a:solidFill>
+                      <a:prstDash val="solid"/>
+                      <a:round/>
+                      <a:headEnd type="none" w="med" len="med"/>
+                      <a:tailEnd type="none" w="med" len="med"/>
+                    </a:lnT>
+                    <a:lnB w="12700" cap="flat" cmpd="sng" algn="ctr">
+                      <a:solidFill>
+                        <a:schemeClr val="tx1"/>
+                      </a:solidFill>
+                      <a:prstDash val="solid"/>
+                      <a:round/>
+                      <a:headEnd type="none" w="med" len="med"/>
+                      <a:tailEnd type="none" w="med" len="med"/>
+                    </a:lnB>
+                    <a:noFill/>
+                  </a:tcPr>
+                </a:tc>
+                <a:tc>
+                  <a:txBody>
+                    <a:bodyPr/>
+                    <a:lstStyle/>
+                    <a:p>
+                      <a:r>
+                        <a:rPr lang="en-GB" sz="1800" dirty="0" smtClean="0"/>
+                        <a:t>F</a:t>
+                      </a:r>
+                      <a:endParaRPr lang="en-GB" sz="1800" dirty="0"/>
+                    </a:p>
+                  </a:txBody>
+                  <a:tcPr marL="91427" marR="91427" marT="45736" marB="45736">
+                    <a:lnL w="12700" cap="flat" cmpd="sng" algn="ctr">
+                      <a:solidFill>
+                        <a:schemeClr val="tx1"/>
+                      </a:solidFill>
+                      <a:prstDash val="solid"/>
+                      <a:round/>
+                      <a:headEnd type="none" w="med" len="med"/>
+                      <a:tailEnd type="none" w="med" len="med"/>
+                    </a:lnL>
+                    <a:lnR w="12700" cap="flat" cmpd="sng" algn="ctr">
+                      <a:solidFill>
+                        <a:schemeClr val="tx1"/>
+                      </a:solidFill>
+                      <a:prstDash val="solid"/>
+                      <a:round/>
+                      <a:headEnd type="none" w="med" len="med"/>
+                      <a:tailEnd type="none" w="med" len="med"/>
+                    </a:lnR>
+                    <a:lnT w="12700" cap="flat" cmpd="sng" algn="ctr">
+                      <a:solidFill>
+                        <a:schemeClr val="tx1"/>
+                      </a:solidFill>
+                      <a:prstDash val="solid"/>
+                      <a:round/>
+                      <a:headEnd type="none" w="med" len="med"/>
+                      <a:tailEnd type="none" w="med" len="med"/>
+                    </a:lnT>
+                    <a:lnB w="12700" cap="flat" cmpd="sng" algn="ctr">
+                      <a:solidFill>
+                        <a:schemeClr val="tx1"/>
+                      </a:solidFill>
+                      <a:prstDash val="solid"/>
+                      <a:round/>
+                      <a:headEnd type="none" w="med" len="med"/>
+                      <a:tailEnd type="none" w="med" len="med"/>
+                    </a:lnB>
+                    <a:noFill/>
+                  </a:tcPr>
+                </a:tc>
+                <a:extLst>
+                  <a:ext uri="{0D108BD9-81ED-4DB2-BD59-A6C34878D82A}">
+                    <a16:rowId xmlns:a16="http://schemas.microsoft.com/office/drawing/2014/main" val="460917129"/>
+                  </a:ext>
+                </a:extLst>
+              </a:tr>
+            </a:tbl>
+          </a:graphicData>
+        </a:graphic>
+      </p:graphicFrame>
+    </p:spTree>
+    <p:extLst>
+      <p:ext uri="{BB962C8B-B14F-4D97-AF65-F5344CB8AC3E}">
+        <p14:creationId xmlns:p14="http://schemas.microsoft.com/office/powerpoint/2010/main" val="2354048746"/>
       </p:ext>
     </p:extLst>
   </p:cSld>
